--- a/Desktop Automation Framework.pptx
+++ b/Desktop Automation Framework.pptx
@@ -5,34 +5,36 @@
     <p:sldMasterId id="2147483672" r:id="rId1"/>
   </p:sldMasterIdLst>
   <p:notesMasterIdLst>
-    <p:notesMasterId r:id="rId27"/>
+    <p:notesMasterId r:id="rId29"/>
   </p:notesMasterIdLst>
   <p:sldIdLst>
     <p:sldId id="256" r:id="rId2"/>
     <p:sldId id="294" r:id="rId3"/>
     <p:sldId id="258" r:id="rId4"/>
     <p:sldId id="259" r:id="rId5"/>
-    <p:sldId id="295" r:id="rId6"/>
-    <p:sldId id="296" r:id="rId7"/>
-    <p:sldId id="297" r:id="rId8"/>
-    <p:sldId id="298" r:id="rId9"/>
-    <p:sldId id="299" r:id="rId10"/>
-    <p:sldId id="300" r:id="rId11"/>
-    <p:sldId id="301" r:id="rId12"/>
-    <p:sldId id="302" r:id="rId13"/>
-    <p:sldId id="303" r:id="rId14"/>
-    <p:sldId id="306" r:id="rId15"/>
-    <p:sldId id="308" r:id="rId16"/>
-    <p:sldId id="307" r:id="rId17"/>
-    <p:sldId id="309" r:id="rId18"/>
-    <p:sldId id="304" r:id="rId19"/>
-    <p:sldId id="310" r:id="rId20"/>
-    <p:sldId id="311" r:id="rId21"/>
-    <p:sldId id="313" r:id="rId22"/>
-    <p:sldId id="312" r:id="rId23"/>
-    <p:sldId id="314" r:id="rId24"/>
-    <p:sldId id="315" r:id="rId25"/>
-    <p:sldId id="305" r:id="rId26"/>
+    <p:sldId id="317" r:id="rId6"/>
+    <p:sldId id="318" r:id="rId7"/>
+    <p:sldId id="295" r:id="rId8"/>
+    <p:sldId id="296" r:id="rId9"/>
+    <p:sldId id="297" r:id="rId10"/>
+    <p:sldId id="298" r:id="rId11"/>
+    <p:sldId id="299" r:id="rId12"/>
+    <p:sldId id="300" r:id="rId13"/>
+    <p:sldId id="301" r:id="rId14"/>
+    <p:sldId id="302" r:id="rId15"/>
+    <p:sldId id="303" r:id="rId16"/>
+    <p:sldId id="306" r:id="rId17"/>
+    <p:sldId id="308" r:id="rId18"/>
+    <p:sldId id="307" r:id="rId19"/>
+    <p:sldId id="309" r:id="rId20"/>
+    <p:sldId id="304" r:id="rId21"/>
+    <p:sldId id="310" r:id="rId22"/>
+    <p:sldId id="311" r:id="rId23"/>
+    <p:sldId id="313" r:id="rId24"/>
+    <p:sldId id="312" r:id="rId25"/>
+    <p:sldId id="314" r:id="rId26"/>
+    <p:sldId id="315" r:id="rId27"/>
+    <p:sldId id="305" r:id="rId28"/>
   </p:sldIdLst>
   <p:sldSz cx="12192000" cy="6858000"/>
   <p:notesSz cx="6858000" cy="9144000"/>
@@ -3259,7 +3261,7 @@
           <a:p>
             <a:fld id="{60BAB601-10EF-4305-A51A-BA4089F96203}" type="datetimeFigureOut">
               <a:rPr lang="en-US" smtClean="0"/>
-              <a:t>5/25/2023</a:t>
+              <a:t>5/26/2023</a:t>
             </a:fld>
             <a:endParaRPr lang="en-US"/>
           </a:p>
@@ -3729,7 +3731,7 @@
     </p:spTree>
     <p:extLst>
       <p:ext uri="{BB962C8B-B14F-4D97-AF65-F5344CB8AC3E}">
-        <p14:creationId xmlns:p14="http://schemas.microsoft.com/office/powerpoint/2010/main" val="2923726177"/>
+        <p14:creationId xmlns:p14="http://schemas.microsoft.com/office/powerpoint/2010/main" val="1158711052"/>
       </p:ext>
     </p:extLst>
   </p:cSld>
@@ -3744,7 +3746,7 @@
   <p:cSld>
     <p:spTree>
       <p:nvGrpSpPr>
-        <p:cNvPr id="1" name="Shape 95"/>
+        <p:cNvPr id="1" name="Shape 88"/>
         <p:cNvGrpSpPr/>
         <p:nvPr/>
       </p:nvGrpSpPr>
@@ -3758,7 +3760,7 @@
       </p:grpSpPr>
       <p:sp>
         <p:nvSpPr>
-          <p:cNvPr id="96" name="Google Shape;96;g12330345b61_0_1:notes"/>
+          <p:cNvPr id="89" name="Google Shape;89;g12330345b61_0_87:notes"/>
           <p:cNvSpPr>
             <a:spLocks noGrp="1" noRot="1" noChangeAspect="1"/>
           </p:cNvSpPr>
@@ -3799,7 +3801,7 @@
       </p:sp>
       <p:sp>
         <p:nvSpPr>
-          <p:cNvPr id="97" name="Google Shape;97;g12330345b61_0_1:notes"/>
+          <p:cNvPr id="90" name="Google Shape;90;g12330345b61_0_87:notes"/>
           <p:cNvSpPr txBox="1">
             <a:spLocks noGrp="1"/>
           </p:cNvSpPr>
@@ -3838,7 +3840,7 @@
     </p:spTree>
     <p:extLst>
       <p:ext uri="{BB962C8B-B14F-4D97-AF65-F5344CB8AC3E}">
-        <p14:creationId xmlns:p14="http://schemas.microsoft.com/office/powerpoint/2010/main" val="2938565753"/>
+        <p14:creationId xmlns:p14="http://schemas.microsoft.com/office/powerpoint/2010/main" val="1051818612"/>
       </p:ext>
     </p:extLst>
   </p:cSld>
@@ -3947,7 +3949,7 @@
     </p:spTree>
     <p:extLst>
       <p:ext uri="{BB962C8B-B14F-4D97-AF65-F5344CB8AC3E}">
-        <p14:creationId xmlns:p14="http://schemas.microsoft.com/office/powerpoint/2010/main" val="2717281445"/>
+        <p14:creationId xmlns:p14="http://schemas.microsoft.com/office/powerpoint/2010/main" val="2923726177"/>
       </p:ext>
     </p:extLst>
   </p:cSld>
@@ -3962,7 +3964,7 @@
   <p:cSld>
     <p:spTree>
       <p:nvGrpSpPr>
-        <p:cNvPr id="1" name="Shape 88"/>
+        <p:cNvPr id="1" name="Shape 95"/>
         <p:cNvGrpSpPr/>
         <p:nvPr/>
       </p:nvGrpSpPr>
@@ -3976,7 +3978,7 @@
       </p:grpSpPr>
       <p:sp>
         <p:nvSpPr>
-          <p:cNvPr id="89" name="Google Shape;89;g12330345b61_0_87:notes"/>
+          <p:cNvPr id="96" name="Google Shape;96;g12330345b61_0_1:notes"/>
           <p:cNvSpPr>
             <a:spLocks noGrp="1" noRot="1" noChangeAspect="1"/>
           </p:cNvSpPr>
@@ -4017,7 +4019,7 @@
       </p:sp>
       <p:sp>
         <p:nvSpPr>
-          <p:cNvPr id="90" name="Google Shape;90;g12330345b61_0_87:notes"/>
+          <p:cNvPr id="97" name="Google Shape;97;g12330345b61_0_1:notes"/>
           <p:cNvSpPr txBox="1">
             <a:spLocks noGrp="1"/>
           </p:cNvSpPr>
@@ -4056,7 +4058,7 @@
     </p:spTree>
     <p:extLst>
       <p:ext uri="{BB962C8B-B14F-4D97-AF65-F5344CB8AC3E}">
-        <p14:creationId xmlns:p14="http://schemas.microsoft.com/office/powerpoint/2010/main" val="2122711118"/>
+        <p14:creationId xmlns:p14="http://schemas.microsoft.com/office/powerpoint/2010/main" val="2938565753"/>
       </p:ext>
     </p:extLst>
   </p:cSld>
@@ -4165,7 +4167,7 @@
     </p:spTree>
     <p:extLst>
       <p:ext uri="{BB962C8B-B14F-4D97-AF65-F5344CB8AC3E}">
-        <p14:creationId xmlns:p14="http://schemas.microsoft.com/office/powerpoint/2010/main" val="1775205122"/>
+        <p14:creationId xmlns:p14="http://schemas.microsoft.com/office/powerpoint/2010/main" val="2717281445"/>
       </p:ext>
     </p:extLst>
   </p:cSld>
@@ -4180,7 +4182,7 @@
   <p:cSld>
     <p:spTree>
       <p:nvGrpSpPr>
-        <p:cNvPr id="1" name="Shape 95"/>
+        <p:cNvPr id="1" name="Shape 88"/>
         <p:cNvGrpSpPr/>
         <p:nvPr/>
       </p:nvGrpSpPr>
@@ -4194,7 +4196,7 @@
       </p:grpSpPr>
       <p:sp>
         <p:nvSpPr>
-          <p:cNvPr id="96" name="Google Shape;96;g12330345b61_0_1:notes"/>
+          <p:cNvPr id="89" name="Google Shape;89;g12330345b61_0_87:notes"/>
           <p:cNvSpPr>
             <a:spLocks noGrp="1" noRot="1" noChangeAspect="1"/>
           </p:cNvSpPr>
@@ -4235,7 +4237,7 @@
       </p:sp>
       <p:sp>
         <p:nvSpPr>
-          <p:cNvPr id="97" name="Google Shape;97;g12330345b61_0_1:notes"/>
+          <p:cNvPr id="90" name="Google Shape;90;g12330345b61_0_87:notes"/>
           <p:cNvSpPr txBox="1">
             <a:spLocks noGrp="1"/>
           </p:cNvSpPr>
@@ -4274,7 +4276,7 @@
     </p:spTree>
     <p:extLst>
       <p:ext uri="{BB962C8B-B14F-4D97-AF65-F5344CB8AC3E}">
-        <p14:creationId xmlns:p14="http://schemas.microsoft.com/office/powerpoint/2010/main" val="1859219236"/>
+        <p14:creationId xmlns:p14="http://schemas.microsoft.com/office/powerpoint/2010/main" val="2122711118"/>
       </p:ext>
     </p:extLst>
   </p:cSld>
@@ -4383,7 +4385,7 @@
     </p:spTree>
     <p:extLst>
       <p:ext uri="{BB962C8B-B14F-4D97-AF65-F5344CB8AC3E}">
-        <p14:creationId xmlns:p14="http://schemas.microsoft.com/office/powerpoint/2010/main" val="3010716602"/>
+        <p14:creationId xmlns:p14="http://schemas.microsoft.com/office/powerpoint/2010/main" val="1775205122"/>
       </p:ext>
     </p:extLst>
   </p:cSld>
@@ -4492,7 +4494,7 @@
     </p:spTree>
     <p:extLst>
       <p:ext uri="{BB962C8B-B14F-4D97-AF65-F5344CB8AC3E}">
-        <p14:creationId xmlns:p14="http://schemas.microsoft.com/office/powerpoint/2010/main" val="1442886101"/>
+        <p14:creationId xmlns:p14="http://schemas.microsoft.com/office/powerpoint/2010/main" val="1859219236"/>
       </p:ext>
     </p:extLst>
   </p:cSld>
@@ -4507,7 +4509,7 @@
   <p:cSld>
     <p:spTree>
       <p:nvGrpSpPr>
-        <p:cNvPr id="1" name="Shape 88"/>
+        <p:cNvPr id="1" name="Shape 95"/>
         <p:cNvGrpSpPr/>
         <p:nvPr/>
       </p:nvGrpSpPr>
@@ -4521,7 +4523,7 @@
       </p:grpSpPr>
       <p:sp>
         <p:nvSpPr>
-          <p:cNvPr id="89" name="Google Shape;89;g12330345b61_0_87:notes"/>
+          <p:cNvPr id="96" name="Google Shape;96;g12330345b61_0_1:notes"/>
           <p:cNvSpPr>
             <a:spLocks noGrp="1" noRot="1" noChangeAspect="1"/>
           </p:cNvSpPr>
@@ -4562,7 +4564,7 @@
       </p:sp>
       <p:sp>
         <p:nvSpPr>
-          <p:cNvPr id="90" name="Google Shape;90;g12330345b61_0_87:notes"/>
+          <p:cNvPr id="97" name="Google Shape;97;g12330345b61_0_1:notes"/>
           <p:cNvSpPr txBox="1">
             <a:spLocks noGrp="1"/>
           </p:cNvSpPr>
@@ -4601,7 +4603,7 @@
     </p:spTree>
     <p:extLst>
       <p:ext uri="{BB962C8B-B14F-4D97-AF65-F5344CB8AC3E}">
-        <p14:creationId xmlns:p14="http://schemas.microsoft.com/office/powerpoint/2010/main" val="3417695346"/>
+        <p14:creationId xmlns:p14="http://schemas.microsoft.com/office/powerpoint/2010/main" val="3010716602"/>
       </p:ext>
     </p:extLst>
   </p:cSld>
@@ -4694,75 +4696,23 @@
           </a:bodyPr>
           <a:lstStyle/>
           <a:p>
-            <a:pPr marL="171450" lvl="0" indent="-171450" algn="l" rtl="0">
+            <a:pPr marL="0" lvl="0" indent="0" algn="l" rtl="0">
               <a:spcBef>
                 <a:spcPts val="0"/>
               </a:spcBef>
               <a:spcAft>
                 <a:spcPts val="0"/>
               </a:spcAft>
-              <a:buFontTx/>
-              <a:buChar char="-"/>
+              <a:buNone/>
             </a:pPr>
-            <a:r>
-              <a:rPr lang="en-US" dirty="0"/>
-              <a:t>Categories</a:t>
-            </a:r>
-          </a:p>
-          <a:p>
-            <a:pPr marL="171450" lvl="0" indent="-171450" algn="l" rtl="0">
-              <a:spcBef>
-                <a:spcPts val="0"/>
-              </a:spcBef>
-              <a:spcAft>
-                <a:spcPts val="0"/>
-              </a:spcAft>
-              <a:buFontTx/>
-              <a:buChar char="-"/>
-            </a:pPr>
-            <a:r>
-              <a:rPr lang="en-US" dirty="0"/>
-              <a:t>Report pass/fail</a:t>
-            </a:r>
-          </a:p>
-          <a:p>
-            <a:pPr marL="171450" lvl="0" indent="-171450" algn="l" rtl="0">
-              <a:spcBef>
-                <a:spcPts val="0"/>
-              </a:spcBef>
-              <a:spcAft>
-                <a:spcPts val="0"/>
-              </a:spcAft>
-              <a:buFontTx/>
-              <a:buChar char="-"/>
-            </a:pPr>
-            <a:r>
-              <a:rPr lang="en-US" dirty="0"/>
-              <a:t>Capture screenshot for failed test case</a:t>
-            </a:r>
-          </a:p>
-          <a:p>
-            <a:pPr marL="171450" lvl="0" indent="-171450" algn="l" rtl="0">
-              <a:spcBef>
-                <a:spcPts val="0"/>
-              </a:spcBef>
-              <a:spcAft>
-                <a:spcPts val="0"/>
-              </a:spcAft>
-              <a:buFontTx/>
-              <a:buChar char="-"/>
-            </a:pPr>
-            <a:r>
-              <a:rPr lang="en-US" dirty="0"/>
-              <a:t>Tracking success rate for each test case</a:t>
-            </a:r>
+            <a:endParaRPr/>
           </a:p>
         </p:txBody>
       </p:sp>
     </p:spTree>
     <p:extLst>
       <p:ext uri="{BB962C8B-B14F-4D97-AF65-F5344CB8AC3E}">
-        <p14:creationId xmlns:p14="http://schemas.microsoft.com/office/powerpoint/2010/main" val="371753906"/>
+        <p14:creationId xmlns:p14="http://schemas.microsoft.com/office/powerpoint/2010/main" val="1442886101"/>
       </p:ext>
     </p:extLst>
   </p:cSld>
@@ -4864,7 +4814,11 @@
               </a:spcAft>
               <a:buNone/>
             </a:pPr>
-            <a:endParaRPr/>
+            <a:r>
+              <a:rPr lang="en-US" dirty="0"/>
+              <a:t>Q&amp;A during presentation</a:t>
+            </a:r>
+            <a:endParaRPr dirty="0"/>
           </a:p>
         </p:txBody>
       </p:sp>
@@ -4881,7 +4835,7 @@
   <p:cSld>
     <p:spTree>
       <p:nvGrpSpPr>
-        <p:cNvPr id="1" name="Shape 95"/>
+        <p:cNvPr id="1" name="Shape 88"/>
         <p:cNvGrpSpPr/>
         <p:nvPr/>
       </p:nvGrpSpPr>
@@ -4895,7 +4849,7 @@
       </p:grpSpPr>
       <p:sp>
         <p:nvSpPr>
-          <p:cNvPr id="96" name="Google Shape;96;g12330345b61_0_1:notes"/>
+          <p:cNvPr id="89" name="Google Shape;89;g12330345b61_0_87:notes"/>
           <p:cNvSpPr>
             <a:spLocks noGrp="1" noRot="1" noChangeAspect="1"/>
           </p:cNvSpPr>
@@ -4936,7 +4890,7 @@
       </p:sp>
       <p:sp>
         <p:nvSpPr>
-          <p:cNvPr id="97" name="Google Shape;97;g12330345b61_0_1:notes"/>
+          <p:cNvPr id="90" name="Google Shape;90;g12330345b61_0_87:notes"/>
           <p:cNvSpPr txBox="1">
             <a:spLocks noGrp="1"/>
           </p:cNvSpPr>
@@ -4959,76 +4913,23 @@
           </a:bodyPr>
           <a:lstStyle/>
           <a:p>
-            <a:pPr marL="171450" lvl="0" indent="-171450" algn="l" rtl="0">
+            <a:pPr marL="0" lvl="0" indent="0" algn="l" rtl="0">
               <a:spcBef>
                 <a:spcPts val="0"/>
               </a:spcBef>
               <a:spcAft>
                 <a:spcPts val="0"/>
               </a:spcAft>
-              <a:buFontTx/>
-              <a:buChar char="-"/>
+              <a:buNone/>
             </a:pPr>
-            <a:r>
-              <a:rPr lang="en-US" dirty="0"/>
-              <a:t>Detail test case summary</a:t>
-            </a:r>
-          </a:p>
-          <a:p>
-            <a:pPr marL="171450" lvl="0" indent="-171450" algn="l" rtl="0">
-              <a:spcBef>
-                <a:spcPts val="0"/>
-              </a:spcBef>
-              <a:spcAft>
-                <a:spcPts val="0"/>
-              </a:spcAft>
-              <a:buFontTx/>
-              <a:buChar char="-"/>
-            </a:pPr>
-            <a:r>
-              <a:rPr lang="en-US" dirty="0"/>
-              <a:t>Step summary</a:t>
-            </a:r>
-          </a:p>
-          <a:p>
-            <a:pPr marL="171450" lvl="0" indent="-171450" algn="l" rtl="0">
-              <a:spcBef>
-                <a:spcPts val="0"/>
-              </a:spcBef>
-              <a:spcAft>
-                <a:spcPts val="0"/>
-              </a:spcAft>
-              <a:buFontTx/>
-              <a:buChar char="-"/>
-            </a:pPr>
-            <a:r>
-              <a:rPr lang="en-US" dirty="0"/>
-              <a:t>Screenshot for failed test case</a:t>
-            </a:r>
-          </a:p>
-          <a:p>
-            <a:pPr marL="171450" lvl="0" indent="-171450" algn="l" rtl="0">
-              <a:spcBef>
-                <a:spcPts val="0"/>
-              </a:spcBef>
-              <a:spcAft>
-                <a:spcPts val="0"/>
-              </a:spcAft>
-              <a:buFontTx/>
-              <a:buChar char="-"/>
-            </a:pPr>
-            <a:r>
-              <a:rPr lang="en-US" dirty="0"/>
-              <a:t>Parameter for test cases</a:t>
-            </a:r>
-            <a:endParaRPr dirty="0"/>
+            <a:endParaRPr/>
           </a:p>
         </p:txBody>
       </p:sp>
     </p:spTree>
     <p:extLst>
       <p:ext uri="{BB962C8B-B14F-4D97-AF65-F5344CB8AC3E}">
-        <p14:creationId xmlns:p14="http://schemas.microsoft.com/office/powerpoint/2010/main" val="2659785354"/>
+        <p14:creationId xmlns:p14="http://schemas.microsoft.com/office/powerpoint/2010/main" val="3417695346"/>
       </p:ext>
     </p:extLst>
   </p:cSld>
@@ -5121,27 +5022,75 @@
           </a:bodyPr>
           <a:lstStyle/>
           <a:p>
-            <a:pPr marL="0" lvl="0" indent="0" algn="l" rtl="0">
+            <a:pPr marL="171450" lvl="0" indent="-171450" algn="l" rtl="0">
               <a:spcBef>
                 <a:spcPts val="0"/>
               </a:spcBef>
               <a:spcAft>
                 <a:spcPts val="0"/>
               </a:spcAft>
-              <a:buNone/>
+              <a:buFontTx/>
+              <a:buChar char="-"/>
             </a:pPr>
             <a:r>
               <a:rPr lang="en-US" dirty="0"/>
-              <a:t>Tracking for both manual and automation test</a:t>
+              <a:t>Categories</a:t>
             </a:r>
-            <a:endParaRPr dirty="0"/>
+          </a:p>
+          <a:p>
+            <a:pPr marL="171450" lvl="0" indent="-171450" algn="l" rtl="0">
+              <a:spcBef>
+                <a:spcPts val="0"/>
+              </a:spcBef>
+              <a:spcAft>
+                <a:spcPts val="0"/>
+              </a:spcAft>
+              <a:buFontTx/>
+              <a:buChar char="-"/>
+            </a:pPr>
+            <a:r>
+              <a:rPr lang="en-US" dirty="0"/>
+              <a:t>Report pass/fail</a:t>
+            </a:r>
+          </a:p>
+          <a:p>
+            <a:pPr marL="171450" lvl="0" indent="-171450" algn="l" rtl="0">
+              <a:spcBef>
+                <a:spcPts val="0"/>
+              </a:spcBef>
+              <a:spcAft>
+                <a:spcPts val="0"/>
+              </a:spcAft>
+              <a:buFontTx/>
+              <a:buChar char="-"/>
+            </a:pPr>
+            <a:r>
+              <a:rPr lang="en-US" dirty="0"/>
+              <a:t>Capture screenshot for failed test case</a:t>
+            </a:r>
+          </a:p>
+          <a:p>
+            <a:pPr marL="171450" lvl="0" indent="-171450" algn="l" rtl="0">
+              <a:spcBef>
+                <a:spcPts val="0"/>
+              </a:spcBef>
+              <a:spcAft>
+                <a:spcPts val="0"/>
+              </a:spcAft>
+              <a:buFontTx/>
+              <a:buChar char="-"/>
+            </a:pPr>
+            <a:r>
+              <a:rPr lang="en-US" dirty="0"/>
+              <a:t>Tracking success rate for each test case</a:t>
+            </a:r>
           </a:p>
         </p:txBody>
       </p:sp>
     </p:spTree>
     <p:extLst>
       <p:ext uri="{BB962C8B-B14F-4D97-AF65-F5344CB8AC3E}">
-        <p14:creationId xmlns:p14="http://schemas.microsoft.com/office/powerpoint/2010/main" val="1929204184"/>
+        <p14:creationId xmlns:p14="http://schemas.microsoft.com/office/powerpoint/2010/main" val="371753906"/>
       </p:ext>
     </p:extLst>
   </p:cSld>
@@ -5234,23 +5183,76 @@
           </a:bodyPr>
           <a:lstStyle/>
           <a:p>
-            <a:pPr marL="0" lvl="0" indent="0" algn="l" rtl="0">
+            <a:pPr marL="171450" lvl="0" indent="-171450" algn="l" rtl="0">
               <a:spcBef>
                 <a:spcPts val="0"/>
               </a:spcBef>
               <a:spcAft>
                 <a:spcPts val="0"/>
               </a:spcAft>
-              <a:buNone/>
+              <a:buFontTx/>
+              <a:buChar char="-"/>
             </a:pPr>
-            <a:endParaRPr/>
+            <a:r>
+              <a:rPr lang="en-US" dirty="0"/>
+              <a:t>Detail test case summary</a:t>
+            </a:r>
+          </a:p>
+          <a:p>
+            <a:pPr marL="171450" lvl="0" indent="-171450" algn="l" rtl="0">
+              <a:spcBef>
+                <a:spcPts val="0"/>
+              </a:spcBef>
+              <a:spcAft>
+                <a:spcPts val="0"/>
+              </a:spcAft>
+              <a:buFontTx/>
+              <a:buChar char="-"/>
+            </a:pPr>
+            <a:r>
+              <a:rPr lang="en-US" dirty="0"/>
+              <a:t>Step summary</a:t>
+            </a:r>
+          </a:p>
+          <a:p>
+            <a:pPr marL="171450" lvl="0" indent="-171450" algn="l" rtl="0">
+              <a:spcBef>
+                <a:spcPts val="0"/>
+              </a:spcBef>
+              <a:spcAft>
+                <a:spcPts val="0"/>
+              </a:spcAft>
+              <a:buFontTx/>
+              <a:buChar char="-"/>
+            </a:pPr>
+            <a:r>
+              <a:rPr lang="en-US" dirty="0"/>
+              <a:t>Screenshot for failed test case</a:t>
+            </a:r>
+          </a:p>
+          <a:p>
+            <a:pPr marL="171450" lvl="0" indent="-171450" algn="l" rtl="0">
+              <a:spcBef>
+                <a:spcPts val="0"/>
+              </a:spcBef>
+              <a:spcAft>
+                <a:spcPts val="0"/>
+              </a:spcAft>
+              <a:buFontTx/>
+              <a:buChar char="-"/>
+            </a:pPr>
+            <a:r>
+              <a:rPr lang="en-US" dirty="0"/>
+              <a:t>Parameter for test cases</a:t>
+            </a:r>
+            <a:endParaRPr dirty="0"/>
           </a:p>
         </p:txBody>
       </p:sp>
     </p:spTree>
     <p:extLst>
       <p:ext uri="{BB962C8B-B14F-4D97-AF65-F5344CB8AC3E}">
-        <p14:creationId xmlns:p14="http://schemas.microsoft.com/office/powerpoint/2010/main" val="3509888669"/>
+        <p14:creationId xmlns:p14="http://schemas.microsoft.com/office/powerpoint/2010/main" val="2659785354"/>
       </p:ext>
     </p:extLst>
   </p:cSld>
@@ -5363,7 +5365,7 @@
     </p:spTree>
     <p:extLst>
       <p:ext uri="{BB962C8B-B14F-4D97-AF65-F5344CB8AC3E}">
-        <p14:creationId xmlns:p14="http://schemas.microsoft.com/office/powerpoint/2010/main" val="1416429341"/>
+        <p14:creationId xmlns:p14="http://schemas.microsoft.com/office/powerpoint/2010/main" val="1929204184"/>
       </p:ext>
     </p:extLst>
   </p:cSld>
@@ -5472,6 +5474,228 @@
     </p:spTree>
     <p:extLst>
       <p:ext uri="{BB962C8B-B14F-4D97-AF65-F5344CB8AC3E}">
+        <p14:creationId xmlns:p14="http://schemas.microsoft.com/office/powerpoint/2010/main" val="3509888669"/>
+      </p:ext>
+    </p:extLst>
+  </p:cSld>
+  <p:clrMapOvr>
+    <a:masterClrMapping/>
+  </p:clrMapOvr>
+</p:notes>
+</file>
+
+<file path=ppt/notesSlides/notesSlide25.xml><?xml version="1.0" encoding="utf-8"?>
+<p:notes xmlns:a="http://schemas.openxmlformats.org/drawingml/2006/main" xmlns:r="http://schemas.openxmlformats.org/officeDocument/2006/relationships" xmlns:p="http://schemas.openxmlformats.org/presentationml/2006/main" showMasterSp="0" showMasterPhAnim="0">
+  <p:cSld>
+    <p:spTree>
+      <p:nvGrpSpPr>
+        <p:cNvPr id="1" name="Shape 95"/>
+        <p:cNvGrpSpPr/>
+        <p:nvPr/>
+      </p:nvGrpSpPr>
+      <p:grpSpPr>
+        <a:xfrm>
+          <a:off x="0" y="0"/>
+          <a:ext cx="0" cy="0"/>
+          <a:chOff x="0" y="0"/>
+          <a:chExt cx="0" cy="0"/>
+        </a:xfrm>
+      </p:grpSpPr>
+      <p:sp>
+        <p:nvSpPr>
+          <p:cNvPr id="96" name="Google Shape;96;g12330345b61_0_1:notes"/>
+          <p:cNvSpPr>
+            <a:spLocks noGrp="1" noRot="1" noChangeAspect="1"/>
+          </p:cNvSpPr>
+          <p:nvPr>
+            <p:ph type="sldImg" idx="2"/>
+          </p:nvPr>
+        </p:nvSpPr>
+        <p:spPr>
+          <a:xfrm>
+            <a:off x="381000" y="685800"/>
+            <a:ext cx="6096000" cy="3429000"/>
+          </a:xfrm>
+          <a:custGeom>
+            <a:avLst/>
+            <a:gdLst/>
+            <a:ahLst/>
+            <a:cxnLst/>
+            <a:rect l="l" t="t" r="r" b="b"/>
+            <a:pathLst>
+              <a:path w="120000" h="120000" extrusionOk="0">
+                <a:moveTo>
+                  <a:pt x="0" y="0"/>
+                </a:moveTo>
+                <a:lnTo>
+                  <a:pt x="120000" y="0"/>
+                </a:lnTo>
+                <a:lnTo>
+                  <a:pt x="120000" y="120000"/>
+                </a:lnTo>
+                <a:lnTo>
+                  <a:pt x="0" y="120000"/>
+                </a:lnTo>
+                <a:close/>
+              </a:path>
+            </a:pathLst>
+          </a:custGeom>
+        </p:spPr>
+      </p:sp>
+      <p:sp>
+        <p:nvSpPr>
+          <p:cNvPr id="97" name="Google Shape;97;g12330345b61_0_1:notes"/>
+          <p:cNvSpPr txBox="1">
+            <a:spLocks noGrp="1"/>
+          </p:cNvSpPr>
+          <p:nvPr>
+            <p:ph type="body" idx="1"/>
+          </p:nvPr>
+        </p:nvSpPr>
+        <p:spPr>
+          <a:xfrm>
+            <a:off x="685800" y="4343400"/>
+            <a:ext cx="5486400" cy="4114800"/>
+          </a:xfrm>
+          <a:prstGeom prst="rect">
+            <a:avLst/>
+          </a:prstGeom>
+        </p:spPr>
+        <p:txBody>
+          <a:bodyPr spcFirstLastPara="1" wrap="square" lIns="91425" tIns="91425" rIns="91425" bIns="91425" anchor="t" anchorCtr="0">
+            <a:noAutofit/>
+          </a:bodyPr>
+          <a:lstStyle/>
+          <a:p>
+            <a:pPr marL="0" lvl="0" indent="0" algn="l" rtl="0">
+              <a:spcBef>
+                <a:spcPts val="0"/>
+              </a:spcBef>
+              <a:spcAft>
+                <a:spcPts val="0"/>
+              </a:spcAft>
+              <a:buNone/>
+            </a:pPr>
+            <a:r>
+              <a:rPr lang="en-US" dirty="0"/>
+              <a:t>Tracking for both manual and automation test</a:t>
+            </a:r>
+            <a:endParaRPr dirty="0"/>
+          </a:p>
+        </p:txBody>
+      </p:sp>
+    </p:spTree>
+    <p:extLst>
+      <p:ext uri="{BB962C8B-B14F-4D97-AF65-F5344CB8AC3E}">
+        <p14:creationId xmlns:p14="http://schemas.microsoft.com/office/powerpoint/2010/main" val="1416429341"/>
+      </p:ext>
+    </p:extLst>
+  </p:cSld>
+  <p:clrMapOvr>
+    <a:masterClrMapping/>
+  </p:clrMapOvr>
+</p:notes>
+</file>
+
+<file path=ppt/notesSlides/notesSlide26.xml><?xml version="1.0" encoding="utf-8"?>
+<p:notes xmlns:a="http://schemas.openxmlformats.org/drawingml/2006/main" xmlns:r="http://schemas.openxmlformats.org/officeDocument/2006/relationships" xmlns:p="http://schemas.openxmlformats.org/presentationml/2006/main" showMasterSp="0" showMasterPhAnim="0">
+  <p:cSld>
+    <p:spTree>
+      <p:nvGrpSpPr>
+        <p:cNvPr id="1" name="Shape 95"/>
+        <p:cNvGrpSpPr/>
+        <p:nvPr/>
+      </p:nvGrpSpPr>
+      <p:grpSpPr>
+        <a:xfrm>
+          <a:off x="0" y="0"/>
+          <a:ext cx="0" cy="0"/>
+          <a:chOff x="0" y="0"/>
+          <a:chExt cx="0" cy="0"/>
+        </a:xfrm>
+      </p:grpSpPr>
+      <p:sp>
+        <p:nvSpPr>
+          <p:cNvPr id="96" name="Google Shape;96;g12330345b61_0_1:notes"/>
+          <p:cNvSpPr>
+            <a:spLocks noGrp="1" noRot="1" noChangeAspect="1"/>
+          </p:cNvSpPr>
+          <p:nvPr>
+            <p:ph type="sldImg" idx="2"/>
+          </p:nvPr>
+        </p:nvSpPr>
+        <p:spPr>
+          <a:xfrm>
+            <a:off x="381000" y="685800"/>
+            <a:ext cx="6096000" cy="3429000"/>
+          </a:xfrm>
+          <a:custGeom>
+            <a:avLst/>
+            <a:gdLst/>
+            <a:ahLst/>
+            <a:cxnLst/>
+            <a:rect l="l" t="t" r="r" b="b"/>
+            <a:pathLst>
+              <a:path w="120000" h="120000" extrusionOk="0">
+                <a:moveTo>
+                  <a:pt x="0" y="0"/>
+                </a:moveTo>
+                <a:lnTo>
+                  <a:pt x="120000" y="0"/>
+                </a:lnTo>
+                <a:lnTo>
+                  <a:pt x="120000" y="120000"/>
+                </a:lnTo>
+                <a:lnTo>
+                  <a:pt x="0" y="120000"/>
+                </a:lnTo>
+                <a:close/>
+              </a:path>
+            </a:pathLst>
+          </a:custGeom>
+        </p:spPr>
+      </p:sp>
+      <p:sp>
+        <p:nvSpPr>
+          <p:cNvPr id="97" name="Google Shape;97;g12330345b61_0_1:notes"/>
+          <p:cNvSpPr txBox="1">
+            <a:spLocks noGrp="1"/>
+          </p:cNvSpPr>
+          <p:nvPr>
+            <p:ph type="body" idx="1"/>
+          </p:nvPr>
+        </p:nvSpPr>
+        <p:spPr>
+          <a:xfrm>
+            <a:off x="685800" y="4343400"/>
+            <a:ext cx="5486400" cy="4114800"/>
+          </a:xfrm>
+          <a:prstGeom prst="rect">
+            <a:avLst/>
+          </a:prstGeom>
+        </p:spPr>
+        <p:txBody>
+          <a:bodyPr spcFirstLastPara="1" wrap="square" lIns="91425" tIns="91425" rIns="91425" bIns="91425" anchor="t" anchorCtr="0">
+            <a:noAutofit/>
+          </a:bodyPr>
+          <a:lstStyle/>
+          <a:p>
+            <a:pPr marL="0" lvl="0" indent="0" algn="l" rtl="0">
+              <a:spcBef>
+                <a:spcPts val="0"/>
+              </a:spcBef>
+              <a:spcAft>
+                <a:spcPts val="0"/>
+              </a:spcAft>
+              <a:buNone/>
+            </a:pPr>
+            <a:endParaRPr/>
+          </a:p>
+        </p:txBody>
+      </p:sp>
+    </p:spTree>
+    <p:extLst>
+      <p:ext uri="{BB962C8B-B14F-4D97-AF65-F5344CB8AC3E}">
         <p14:creationId xmlns:p14="http://schemas.microsoft.com/office/powerpoint/2010/main" val="90801425"/>
       </p:ext>
     </p:extLst>
@@ -5482,7 +5706,7 @@
 </p:notes>
 </file>
 
-<file path=ppt/notesSlides/notesSlide25.xml><?xml version="1.0" encoding="utf-8"?>
+<file path=ppt/notesSlides/notesSlide27.xml><?xml version="1.0" encoding="utf-8"?>
 <p:notes xmlns:a="http://schemas.openxmlformats.org/drawingml/2006/main" xmlns:r="http://schemas.openxmlformats.org/officeDocument/2006/relationships" xmlns:p="http://schemas.openxmlformats.org/presentationml/2006/main" showMasterSp="0" showMasterPhAnim="0">
   <p:cSld>
     <p:spTree>
@@ -5565,16 +5789,163 @@
           </a:bodyPr>
           <a:lstStyle/>
           <a:p>
-            <a:pPr marL="0" lvl="0" indent="0" algn="l" rtl="0">
+            <a:pPr marL="228600" lvl="0" indent="-228600" algn="l" rtl="0">
               <a:spcBef>
                 <a:spcPts val="0"/>
               </a:spcBef>
               <a:spcAft>
                 <a:spcPts val="0"/>
               </a:spcAft>
-              <a:buNone/>
+              <a:buAutoNum type="arabicPeriod"/>
             </a:pPr>
-            <a:endParaRPr/>
+            <a:r>
+              <a:rPr lang="en-US" dirty="0"/>
+              <a:t>Jira https://hungtranmanh.atlassian.net/jira/software/projects/DES/boards/1</a:t>
+            </a:r>
+          </a:p>
+          <a:p>
+            <a:pPr marL="228600" lvl="0" indent="-228600" algn="l" rtl="0">
+              <a:spcBef>
+                <a:spcPts val="0"/>
+              </a:spcBef>
+              <a:spcAft>
+                <a:spcPts val="0"/>
+              </a:spcAft>
+              <a:buAutoNum type="arabicPeriod"/>
+            </a:pPr>
+            <a:r>
+              <a:rPr lang="en-US" dirty="0"/>
+              <a:t>Ticket Detail: https://hungtranmanh.atlassian.net/jira/software/projects/DES/boards/1?selectedIssue=DES-1</a:t>
+            </a:r>
+          </a:p>
+          <a:p>
+            <a:pPr marL="228600" lvl="0" indent="-228600" algn="l" rtl="0">
+              <a:spcBef>
+                <a:spcPts val="0"/>
+              </a:spcBef>
+              <a:spcAft>
+                <a:spcPts val="0"/>
+              </a:spcAft>
+              <a:buAutoNum type="arabicPeriod"/>
+            </a:pPr>
+            <a:r>
+              <a:rPr lang="en-US" dirty="0"/>
+              <a:t>Create test plan, test cycle, test execution, link manual defect: https://hungtranmanh.atlassian.net/projects/DES?selectedItem=com.atlassian.plugins.atlassian-connect-plugin:com.kanoah.test-manager__main-project-page#!/testPlayer/DES-R1</a:t>
+            </a:r>
+          </a:p>
+          <a:p>
+            <a:pPr marL="228600" lvl="0" indent="-228600" algn="l" rtl="0">
+              <a:spcBef>
+                <a:spcPts val="0"/>
+              </a:spcBef>
+              <a:spcAft>
+                <a:spcPts val="0"/>
+              </a:spcAft>
+              <a:buAutoNum type="arabicPeriod"/>
+            </a:pPr>
+            <a:r>
+              <a:rPr lang="en-US" dirty="0"/>
+              <a:t>Create automation script: </a:t>
+            </a:r>
+          </a:p>
+          <a:p>
+            <a:pPr marL="228600" lvl="0" indent="-228600" algn="l" rtl="0">
+              <a:spcBef>
+                <a:spcPts val="0"/>
+              </a:spcBef>
+              <a:spcAft>
+                <a:spcPts val="0"/>
+              </a:spcAft>
+              <a:buAutoNum type="arabicPeriod"/>
+            </a:pPr>
+            <a:r>
+              <a:rPr lang="en-US" dirty="0"/>
+              <a:t>Integrate with Jenkins: http://localhost:9090/</a:t>
+            </a:r>
+          </a:p>
+          <a:p>
+            <a:pPr marL="228600" lvl="0" indent="-228600" algn="l" rtl="0">
+              <a:spcBef>
+                <a:spcPts val="0"/>
+              </a:spcBef>
+              <a:spcAft>
+                <a:spcPts val="0"/>
+              </a:spcAft>
+              <a:buAutoNum type="arabicPeriod"/>
+            </a:pPr>
+            <a:r>
+              <a:rPr lang="en-US" dirty="0"/>
+              <a:t>View execution status http://localhost:9090/job/Sanity/allure/      </a:t>
+            </a:r>
+          </a:p>
+          <a:p>
+            <a:pPr marL="228600" lvl="0" indent="-228600" algn="l" rtl="0">
+              <a:spcBef>
+                <a:spcPts val="0"/>
+              </a:spcBef>
+              <a:spcAft>
+                <a:spcPts val="0"/>
+              </a:spcAft>
+              <a:buAutoNum type="arabicPeriod"/>
+            </a:pPr>
+            <a:r>
+              <a:rPr lang="en-US" dirty="0"/>
+              <a:t>http://localhost:8080/ui/#automation_demo/launches/all</a:t>
+            </a:r>
+          </a:p>
+          <a:p>
+            <a:pPr marL="228600" lvl="0" indent="-228600" algn="l" rtl="0">
+              <a:spcBef>
+                <a:spcPts val="0"/>
+              </a:spcBef>
+              <a:spcAft>
+                <a:spcPts val="0"/>
+              </a:spcAft>
+              <a:buAutoNum type="arabicPeriod"/>
+            </a:pPr>
+            <a:r>
+              <a:rPr lang="en-US" dirty="0"/>
+              <a:t>https://hungtranmanh.atlassian.net/projects/DES?selectedItem=com.atlassian.plugins.atlassian-connect-plugin:com.kanoah.test-manager__main-project-page#!/testPlayer/DES-R1</a:t>
+            </a:r>
+          </a:p>
+          <a:p>
+            <a:pPr marL="228600" lvl="0" indent="-228600" algn="l" rtl="0">
+              <a:spcBef>
+                <a:spcPts val="0"/>
+              </a:spcBef>
+              <a:spcAft>
+                <a:spcPts val="0"/>
+              </a:spcAft>
+              <a:buAutoNum type="arabicPeriod"/>
+            </a:pPr>
+            <a:endParaRPr lang="en-US" dirty="0"/>
+          </a:p>
+          <a:p>
+            <a:pPr marL="228600" lvl="0" indent="-228600" algn="l" rtl="0">
+              <a:spcBef>
+                <a:spcPts val="0"/>
+              </a:spcBef>
+              <a:spcAft>
+                <a:spcPts val="0"/>
+              </a:spcAft>
+              <a:buAutoNum type="arabicPeriod"/>
+            </a:pPr>
+            <a:r>
+              <a:rPr lang="en-US" dirty="0"/>
+              <a:t>View report</a:t>
+            </a:r>
+          </a:p>
+          <a:p>
+            <a:pPr marL="228600" lvl="0" indent="-228600" algn="l" rtl="0">
+              <a:spcBef>
+                <a:spcPts val="0"/>
+              </a:spcBef>
+              <a:spcAft>
+                <a:spcPts val="0"/>
+              </a:spcAft>
+              <a:buAutoNum type="arabicPeriod"/>
+            </a:pPr>
+            <a:endParaRPr dirty="0"/>
           </a:p>
         </p:txBody>
       </p:sp>
@@ -5778,6 +6149,49 @@
           </a:bodyPr>
           <a:lstStyle/>
           <a:p>
+            <a:pPr marL="0" marR="0" lvl="0" indent="0" algn="l" defTabSz="914400" rtl="0" eaLnBrk="1" fontAlgn="auto" latinLnBrk="0" hangingPunct="1">
+              <a:lnSpc>
+                <a:spcPct val="100000"/>
+              </a:lnSpc>
+              <a:spcBef>
+                <a:spcPts val="0"/>
+              </a:spcBef>
+              <a:spcAft>
+                <a:spcPts val="0"/>
+              </a:spcAft>
+              <a:buClrTx/>
+              <a:buSzTx/>
+              <a:buFontTx/>
+              <a:buNone/>
+              <a:tabLst/>
+              <a:defRPr/>
+            </a:pPr>
+            <a:r>
+              <a:rPr lang="en-US" sz="1200" b="1" kern="0" dirty="0">
+                <a:solidFill>
+                  <a:srgbClr val="151B22"/>
+                </a:solidFill>
+                <a:latin typeface="Roboto Light"/>
+                <a:ea typeface="Roboto Light"/>
+                <a:cs typeface="Roboto Light"/>
+                <a:sym typeface="Roboto Light"/>
+              </a:rPr>
+              <a:t>Automation testing provides significant efforts and cost savings</a:t>
+            </a:r>
+            <a:r>
+              <a:rPr lang="en-US" sz="1200" kern="0" dirty="0">
+                <a:solidFill>
+                  <a:srgbClr val="151B22"/>
+                </a:solidFill>
+                <a:latin typeface="Roboto Light"/>
+                <a:ea typeface="Roboto Light"/>
+                <a:cs typeface="Roboto Light"/>
+                <a:sym typeface="Roboto Light"/>
+              </a:rPr>
+              <a:t> in terms of execution time, test coverage, resource optimization, maintenance, and early bug detection</a:t>
+            </a:r>
+          </a:p>
+          <a:p>
             <a:pPr marL="0" lvl="0" indent="0" algn="l" rtl="0">
               <a:spcBef>
                 <a:spcPts val="0"/>
@@ -5787,7 +6201,279 @@
               </a:spcAft>
               <a:buNone/>
             </a:pPr>
-            <a:endParaRPr/>
+            <a:endParaRPr lang="en-US" dirty="0"/>
+          </a:p>
+          <a:p>
+            <a:pPr marL="0" marR="0" lvl="0" indent="0" algn="l" defTabSz="914400" rtl="0" eaLnBrk="1" fontAlgn="auto" latinLnBrk="0" hangingPunct="1">
+              <a:lnSpc>
+                <a:spcPct val="100000"/>
+              </a:lnSpc>
+              <a:spcBef>
+                <a:spcPts val="0"/>
+              </a:spcBef>
+              <a:spcAft>
+                <a:spcPts val="0"/>
+              </a:spcAft>
+              <a:buClrTx/>
+              <a:buSzTx/>
+              <a:buFontTx/>
+              <a:buNone/>
+              <a:tabLst/>
+              <a:defRPr/>
+            </a:pPr>
+            <a:r>
+              <a:rPr lang="en-US" sz="1200" kern="0" dirty="0">
+                <a:solidFill>
+                  <a:srgbClr val="151B22"/>
+                </a:solidFill>
+                <a:latin typeface="Roboto Light"/>
+                <a:ea typeface="Roboto Light"/>
+                <a:cs typeface="Roboto Light"/>
+                <a:sym typeface="Roboto Light"/>
+              </a:rPr>
+              <a:t>Enhance the valuation of report integration by extending its compatibility with additional test management systems such as </a:t>
+            </a:r>
+            <a:r>
+              <a:rPr lang="en-US" sz="1200" b="1" kern="0" dirty="0">
+                <a:solidFill>
+                  <a:srgbClr val="151B22"/>
+                </a:solidFill>
+                <a:latin typeface="Roboto Light"/>
+                <a:ea typeface="Roboto Light"/>
+                <a:cs typeface="Roboto Light"/>
+                <a:sym typeface="Roboto Light"/>
+              </a:rPr>
+              <a:t>Zephyr Scale</a:t>
+            </a:r>
+            <a:r>
+              <a:rPr lang="en-US" sz="1200" kern="0" dirty="0">
+                <a:solidFill>
+                  <a:srgbClr val="151B22"/>
+                </a:solidFill>
+                <a:latin typeface="Roboto Light"/>
+                <a:ea typeface="Roboto Light"/>
+                <a:cs typeface="Roboto Light"/>
+                <a:sym typeface="Roboto Light"/>
+              </a:rPr>
+              <a:t>, reporting tools like </a:t>
+            </a:r>
+            <a:r>
+              <a:rPr lang="en-US" sz="1200" b="1" kern="0" dirty="0">
+                <a:solidFill>
+                  <a:srgbClr val="151B22"/>
+                </a:solidFill>
+                <a:latin typeface="Roboto Light"/>
+                <a:ea typeface="Roboto Light"/>
+                <a:cs typeface="Roboto Light"/>
+                <a:sym typeface="Roboto Light"/>
+              </a:rPr>
+              <a:t>Allure Report and Reportportal.io</a:t>
+            </a:r>
+            <a:r>
+              <a:rPr lang="en-US" sz="1200" kern="0" dirty="0">
+                <a:solidFill>
+                  <a:srgbClr val="151B22"/>
+                </a:solidFill>
+                <a:latin typeface="Roboto Light"/>
+                <a:ea typeface="Roboto Light"/>
+                <a:cs typeface="Roboto Light"/>
+                <a:sym typeface="Roboto Light"/>
+              </a:rPr>
+              <a:t>, and enable seamless test execution with </a:t>
+            </a:r>
+            <a:r>
+              <a:rPr lang="en-US" sz="1200" b="1" kern="0" dirty="0">
+                <a:solidFill>
+                  <a:srgbClr val="151B22"/>
+                </a:solidFill>
+                <a:latin typeface="Roboto Light"/>
+                <a:ea typeface="Roboto Light"/>
+                <a:cs typeface="Roboto Light"/>
+                <a:sym typeface="Roboto Light"/>
+              </a:rPr>
+              <a:t>CI/CD</a:t>
+            </a:r>
+            <a:r>
+              <a:rPr lang="en-US" sz="1200" kern="0" dirty="0">
+                <a:solidFill>
+                  <a:srgbClr val="151B22"/>
+                </a:solidFill>
+                <a:latin typeface="Roboto Light"/>
+                <a:ea typeface="Roboto Light"/>
+                <a:cs typeface="Roboto Light"/>
+                <a:sym typeface="Roboto Light"/>
+              </a:rPr>
+              <a:t>.</a:t>
+            </a:r>
+            <a:endParaRPr lang="en-US" sz="1200" b="1" kern="0" dirty="0">
+              <a:solidFill>
+                <a:srgbClr val="151B22"/>
+              </a:solidFill>
+              <a:latin typeface="Roboto Light"/>
+              <a:ea typeface="Roboto Light"/>
+              <a:cs typeface="Roboto Light"/>
+              <a:sym typeface="Roboto Light"/>
+            </a:endParaRPr>
+          </a:p>
+          <a:p>
+            <a:pPr defTabSz="1219170">
+              <a:buClr>
+                <a:srgbClr val="000000"/>
+              </a:buClr>
+              <a:buSzPts val="1100"/>
+            </a:pPr>
+            <a:r>
+              <a:rPr lang="en-US" sz="1200" kern="0" dirty="0">
+                <a:solidFill>
+                  <a:srgbClr val="151B22"/>
+                </a:solidFill>
+                <a:latin typeface="Roboto Light"/>
+                <a:ea typeface="Roboto Light"/>
+                <a:cs typeface="Roboto Light"/>
+                <a:sym typeface="Roboto Light"/>
+              </a:rPr>
+              <a:t>Reducing Code Duplication and Enhancing Test Case Maintenance: </a:t>
+            </a:r>
+          </a:p>
+          <a:p>
+            <a:pPr marL="285750" indent="-285750" defTabSz="1219170">
+              <a:buClr>
+                <a:srgbClr val="000000"/>
+              </a:buClr>
+              <a:buSzPts val="1100"/>
+              <a:buFont typeface="Arial" panose="020B0604020202020204" pitchFamily="34" charset="0"/>
+              <a:buChar char="•"/>
+            </a:pPr>
+            <a:r>
+              <a:rPr lang="en-US" sz="1200" kern="0" dirty="0">
+                <a:solidFill>
+                  <a:srgbClr val="151B22"/>
+                </a:solidFill>
+                <a:latin typeface="Roboto Light"/>
+                <a:ea typeface="Roboto Light"/>
+                <a:cs typeface="Roboto Light"/>
+                <a:sym typeface="Roboto Light"/>
+              </a:rPr>
+              <a:t>Implement the Page Object Model design pattern (</a:t>
+            </a:r>
+            <a:r>
+              <a:rPr lang="en-US" sz="1200" b="1" kern="0" dirty="0">
+                <a:solidFill>
+                  <a:srgbClr val="151B22"/>
+                </a:solidFill>
+                <a:latin typeface="Roboto Light"/>
+                <a:ea typeface="Roboto Light"/>
+                <a:cs typeface="Roboto Light"/>
+                <a:sym typeface="Roboto Light"/>
+              </a:rPr>
+              <a:t>POM</a:t>
+            </a:r>
+            <a:r>
+              <a:rPr lang="en-US" sz="1200" kern="0" dirty="0">
+                <a:solidFill>
+                  <a:srgbClr val="151B22"/>
+                </a:solidFill>
+                <a:latin typeface="Roboto Light"/>
+                <a:ea typeface="Roboto Light"/>
+                <a:cs typeface="Roboto Light"/>
+                <a:sym typeface="Roboto Light"/>
+              </a:rPr>
+              <a:t>) to minimize code duplication and improve the maintainability of test cases.</a:t>
+            </a:r>
+          </a:p>
+          <a:p>
+            <a:pPr marL="285750" indent="-285750" defTabSz="1219170">
+              <a:buClr>
+                <a:srgbClr val="000000"/>
+              </a:buClr>
+              <a:buSzPts val="1100"/>
+              <a:buFont typeface="Arial" panose="020B0604020202020204" pitchFamily="34" charset="0"/>
+              <a:buChar char="•"/>
+            </a:pPr>
+            <a:r>
+              <a:rPr lang="en-US" sz="1200" kern="0" dirty="0">
+                <a:solidFill>
+                  <a:srgbClr val="151B22"/>
+                </a:solidFill>
+                <a:latin typeface="Roboto Light"/>
+                <a:ea typeface="Roboto Light"/>
+                <a:cs typeface="Roboto Light"/>
+                <a:sym typeface="Roboto Light"/>
+              </a:rPr>
+              <a:t>Incorporate Data-Driven Testing (</a:t>
+            </a:r>
+            <a:r>
+              <a:rPr lang="en-US" sz="1200" b="1" kern="0" dirty="0">
+                <a:solidFill>
+                  <a:srgbClr val="151B22"/>
+                </a:solidFill>
+                <a:latin typeface="Roboto Light"/>
+                <a:ea typeface="Roboto Light"/>
+                <a:cs typeface="Roboto Light"/>
+                <a:sym typeface="Roboto Light"/>
+              </a:rPr>
+              <a:t>DDT</a:t>
+            </a:r>
+            <a:r>
+              <a:rPr lang="en-US" sz="1200" kern="0" dirty="0">
+                <a:solidFill>
+                  <a:srgbClr val="151B22"/>
+                </a:solidFill>
+                <a:latin typeface="Roboto Light"/>
+                <a:ea typeface="Roboto Light"/>
+                <a:cs typeface="Roboto Light"/>
+                <a:sym typeface="Roboto Light"/>
+              </a:rPr>
+              <a:t>) to enhance test case maintenance by separating test data from test scripts and enabling easy updates and modifications.</a:t>
+            </a:r>
+          </a:p>
+          <a:p>
+            <a:pPr marL="0" lvl="0" indent="0" algn="l" rtl="0">
+              <a:spcBef>
+                <a:spcPts val="0"/>
+              </a:spcBef>
+              <a:spcAft>
+                <a:spcPts val="0"/>
+              </a:spcAft>
+              <a:buNone/>
+            </a:pPr>
+            <a:r>
+              <a:rPr lang="en-US" sz="1200" kern="0" dirty="0">
+                <a:solidFill>
+                  <a:srgbClr val="151B22"/>
+                </a:solidFill>
+                <a:latin typeface="Roboto Light"/>
+                <a:ea typeface="Roboto Light"/>
+                <a:cs typeface="Roboto Light"/>
+                <a:sym typeface="Roboto Light"/>
+              </a:rPr>
+              <a:t>Incorporate Data-Driven Testing (</a:t>
+            </a:r>
+            <a:r>
+              <a:rPr lang="en-US" sz="1200" b="1" kern="0" dirty="0">
+                <a:solidFill>
+                  <a:srgbClr val="151B22"/>
+                </a:solidFill>
+                <a:latin typeface="Roboto Light"/>
+                <a:ea typeface="Roboto Light"/>
+                <a:cs typeface="Roboto Light"/>
+                <a:sym typeface="Roboto Light"/>
+              </a:rPr>
+              <a:t>DDT</a:t>
+            </a:r>
+            <a:r>
+              <a:rPr lang="en-US" sz="1200" kern="0" dirty="0">
+                <a:solidFill>
+                  <a:srgbClr val="151B22"/>
+                </a:solidFill>
+                <a:latin typeface="Roboto Light"/>
+                <a:ea typeface="Roboto Light"/>
+                <a:cs typeface="Roboto Light"/>
+                <a:sym typeface="Roboto Light"/>
+              </a:rPr>
+              <a:t>) to enhance test case maintenance by separating test data from test scripts and enabling easy updates and modifications.</a:t>
+            </a:r>
+            <a:endParaRPr dirty="0"/>
           </a:p>
         </p:txBody>
       </p:sp>
@@ -5804,7 +6490,7 @@
   <p:cSld>
     <p:spTree>
       <p:nvGrpSpPr>
-        <p:cNvPr id="1" name="Shape 88"/>
+        <p:cNvPr id="1" name="Shape 95"/>
         <p:cNvGrpSpPr/>
         <p:nvPr/>
       </p:nvGrpSpPr>
@@ -5818,7 +6504,7 @@
       </p:grpSpPr>
       <p:sp>
         <p:nvSpPr>
-          <p:cNvPr id="89" name="Google Shape;89;g12330345b61_0_87:notes"/>
+          <p:cNvPr id="96" name="Google Shape;96;g12330345b61_0_1:notes"/>
           <p:cNvSpPr>
             <a:spLocks noGrp="1" noRot="1" noChangeAspect="1"/>
           </p:cNvSpPr>
@@ -5859,7 +6545,7 @@
       </p:sp>
       <p:sp>
         <p:nvSpPr>
-          <p:cNvPr id="90" name="Google Shape;90;g12330345b61_0_87:notes"/>
+          <p:cNvPr id="97" name="Google Shape;97;g12330345b61_0_1:notes"/>
           <p:cNvSpPr txBox="1">
             <a:spLocks noGrp="1"/>
           </p:cNvSpPr>
@@ -5882,23 +6568,30 @@
           </a:bodyPr>
           <a:lstStyle/>
           <a:p>
-            <a:pPr marL="0" lvl="0" indent="0" algn="l" rtl="0">
-              <a:spcBef>
-                <a:spcPts val="0"/>
-              </a:spcBef>
-              <a:spcAft>
-                <a:spcPts val="0"/>
-              </a:spcAft>
-              <a:buNone/>
-            </a:pPr>
-            <a:endParaRPr/>
+            <a:pPr algn="just"/>
+            <a:r>
+              <a:rPr lang="en-US" b="0" i="0" dirty="0">
+                <a:solidFill>
+                  <a:srgbClr val="85868C"/>
+                </a:solidFill>
+                <a:effectLst/>
+                <a:latin typeface="Roboto" panose="02000000000000000000" pitchFamily="2" charset="0"/>
+              </a:rPr>
+              <a:t>Then we compare that to the efforts going into Manual Testing, and how much the team saved using Automation Testing.</a:t>
+            </a:r>
+          </a:p>
+          <a:p>
+            <a:br>
+              <a:rPr lang="en-US" dirty="0"/>
+            </a:br>
+            <a:endParaRPr dirty="0"/>
           </a:p>
         </p:txBody>
       </p:sp>
     </p:spTree>
     <p:extLst>
       <p:ext uri="{BB962C8B-B14F-4D97-AF65-F5344CB8AC3E}">
-        <p14:creationId xmlns:p14="http://schemas.microsoft.com/office/powerpoint/2010/main" val="798631096"/>
+        <p14:creationId xmlns:p14="http://schemas.microsoft.com/office/powerpoint/2010/main" val="274923104"/>
       </p:ext>
     </p:extLst>
   </p:cSld>
@@ -6000,14 +6693,39 @@
               </a:spcAft>
               <a:buNone/>
             </a:pPr>
-            <a:endParaRPr/>
+            <a:r>
+              <a:rPr lang="en-US" b="0" i="0" dirty="0">
+                <a:solidFill>
+                  <a:srgbClr val="85868C"/>
+                </a:solidFill>
+                <a:effectLst/>
+                <a:latin typeface="Roboto" panose="02000000000000000000" pitchFamily="2" charset="0"/>
+              </a:rPr>
+              <a:t>The graph and chart below illustrate some interesting facts about Test Automation. In about the first 10 months of starting, Automation Testing costs way more than Manual Testing. But after this period, Automation Testing starts to show its potential, where the efforts and money saved skyrocketing.</a:t>
+            </a:r>
+          </a:p>
+          <a:p>
+            <a:pPr marL="0" lvl="0" indent="0" algn="l" rtl="0">
+              <a:spcBef>
+                <a:spcPts val="0"/>
+              </a:spcBef>
+              <a:spcAft>
+                <a:spcPts val="0"/>
+              </a:spcAft>
+              <a:buNone/>
+            </a:pPr>
+            <a:r>
+              <a:rPr lang="en-US" dirty="0"/>
+              <a:t>https://blog.kms-solutions.asia/how-to-calculate-return-on-investment-roi-of-automation-testing</a:t>
+            </a:r>
+            <a:endParaRPr dirty="0"/>
           </a:p>
         </p:txBody>
       </p:sp>
     </p:spTree>
     <p:extLst>
       <p:ext uri="{BB962C8B-B14F-4D97-AF65-F5344CB8AC3E}">
-        <p14:creationId xmlns:p14="http://schemas.microsoft.com/office/powerpoint/2010/main" val="3090660223"/>
+        <p14:creationId xmlns:p14="http://schemas.microsoft.com/office/powerpoint/2010/main" val="352064583"/>
       </p:ext>
     </p:extLst>
   </p:cSld>
@@ -6116,7 +6834,7 @@
     </p:spTree>
     <p:extLst>
       <p:ext uri="{BB962C8B-B14F-4D97-AF65-F5344CB8AC3E}">
-        <p14:creationId xmlns:p14="http://schemas.microsoft.com/office/powerpoint/2010/main" val="572974199"/>
+        <p14:creationId xmlns:p14="http://schemas.microsoft.com/office/powerpoint/2010/main" val="798631096"/>
       </p:ext>
     </p:extLst>
   </p:cSld>
@@ -6225,7 +6943,7 @@
     </p:spTree>
     <p:extLst>
       <p:ext uri="{BB962C8B-B14F-4D97-AF65-F5344CB8AC3E}">
-        <p14:creationId xmlns:p14="http://schemas.microsoft.com/office/powerpoint/2010/main" val="1158711052"/>
+        <p14:creationId xmlns:p14="http://schemas.microsoft.com/office/powerpoint/2010/main" val="3090660223"/>
       </p:ext>
     </p:extLst>
   </p:cSld>
@@ -6334,7 +7052,7 @@
     </p:spTree>
     <p:extLst>
       <p:ext uri="{BB962C8B-B14F-4D97-AF65-F5344CB8AC3E}">
-        <p14:creationId xmlns:p14="http://schemas.microsoft.com/office/powerpoint/2010/main" val="1051818612"/>
+        <p14:creationId xmlns:p14="http://schemas.microsoft.com/office/powerpoint/2010/main" val="572974199"/>
       </p:ext>
     </p:extLst>
   </p:cSld>
@@ -7301,7 +8019,7 @@
           <a:p>
             <a:fld id="{7332B432-ACDA-4023-A761-2BAB76577B62}" type="datetime1">
               <a:rPr lang="en-US" smtClean="0"/>
-              <a:t>5/25/2023</a:t>
+              <a:t>5/26/2023</a:t>
             </a:fld>
             <a:endParaRPr lang="en-US"/>
           </a:p>
@@ -11564,6 +12282,370 @@
         <p:spPr>
           <a:xfrm>
             <a:off x="524000" y="188101"/>
+            <a:ext cx="7515600" cy="656614"/>
+          </a:xfrm>
+          <a:prstGeom prst="rect">
+            <a:avLst/>
+          </a:prstGeom>
+          <a:noFill/>
+          <a:ln>
+            <a:noFill/>
+          </a:ln>
+        </p:spPr>
+        <p:txBody>
+          <a:bodyPr spcFirstLastPara="1" wrap="square" lIns="121900" tIns="121900" rIns="121900" bIns="121900" anchor="t" anchorCtr="0">
+            <a:spAutoFit/>
+          </a:bodyPr>
+          <a:lstStyle/>
+          <a:p>
+            <a:pPr defTabSz="1219170">
+              <a:buClr>
+                <a:srgbClr val="000000"/>
+              </a:buClr>
+            </a:pPr>
+            <a:r>
+              <a:rPr lang="vi-VN" sz="2667" b="1" kern="0" dirty="0">
+                <a:solidFill>
+                  <a:srgbClr val="8DC63F"/>
+                </a:solidFill>
+                <a:latin typeface="Roboto"/>
+                <a:ea typeface="Roboto"/>
+                <a:cs typeface="Roboto"/>
+                <a:sym typeface="Roboto"/>
+              </a:rPr>
+              <a:t>FRAMEWORK STRUCTURE</a:t>
+            </a:r>
+          </a:p>
+        </p:txBody>
+      </p:sp>
+      <p:pic>
+        <p:nvPicPr>
+          <p:cNvPr id="3" name="Picture 2" descr="Graphical user interface, diagram&#10;&#10;Description automatically generated">
+            <a:extLst>
+              <a:ext uri="{FF2B5EF4-FFF2-40B4-BE49-F238E27FC236}">
+                <a16:creationId xmlns:a16="http://schemas.microsoft.com/office/drawing/2014/main" id="{58BC182F-D3DE-9B50-1D09-6997621328AC}"/>
+              </a:ext>
+            </a:extLst>
+          </p:cNvPr>
+          <p:cNvPicPr>
+            <a:picLocks noChangeAspect="1"/>
+          </p:cNvPicPr>
+          <p:nvPr/>
+        </p:nvPicPr>
+        <p:blipFill>
+          <a:blip r:embed="rId5">
+            <a:extLst>
+              <a:ext uri="{28A0092B-C50C-407E-A947-70E740481C1C}">
+                <a14:useLocalDpi xmlns:a14="http://schemas.microsoft.com/office/drawing/2010/main" val="0"/>
+              </a:ext>
+            </a:extLst>
+          </a:blip>
+          <a:stretch>
+            <a:fillRect/>
+          </a:stretch>
+        </p:blipFill>
+        <p:spPr>
+          <a:xfrm>
+            <a:off x="2176700" y="889320"/>
+            <a:ext cx="7399399" cy="5613080"/>
+          </a:xfrm>
+          <a:prstGeom prst="rect">
+            <a:avLst/>
+          </a:prstGeom>
+        </p:spPr>
+      </p:pic>
+    </p:spTree>
+    <p:extLst>
+      <p:ext uri="{BB962C8B-B14F-4D97-AF65-F5344CB8AC3E}">
+        <p14:creationId xmlns:p14="http://schemas.microsoft.com/office/powerpoint/2010/main" val="2307806834"/>
+      </p:ext>
+    </p:extLst>
+  </p:cSld>
+  <p:clrMapOvr>
+    <a:masterClrMapping/>
+  </p:clrMapOvr>
+</p:sld>
+</file>
+
+<file path=ppt/slides/slide11.xml><?xml version="1.0" encoding="utf-8"?>
+<p:sld xmlns:a="http://schemas.openxmlformats.org/drawingml/2006/main" xmlns:r="http://schemas.openxmlformats.org/officeDocument/2006/relationships" xmlns:p="http://schemas.openxmlformats.org/presentationml/2006/main">
+  <p:cSld>
+    <p:spTree>
+      <p:nvGrpSpPr>
+        <p:cNvPr id="1" name="Shape 91"/>
+        <p:cNvGrpSpPr/>
+        <p:nvPr/>
+      </p:nvGrpSpPr>
+      <p:grpSpPr>
+        <a:xfrm>
+          <a:off x="0" y="0"/>
+          <a:ext cx="0" cy="0"/>
+          <a:chOff x="0" y="0"/>
+          <a:chExt cx="0" cy="0"/>
+        </a:xfrm>
+      </p:grpSpPr>
+      <p:pic>
+        <p:nvPicPr>
+          <p:cNvPr id="92" name="Google Shape;92;p15"/>
+          <p:cNvPicPr preferRelativeResize="0"/>
+          <p:nvPr/>
+        </p:nvPicPr>
+        <p:blipFill rotWithShape="1">
+          <a:blip r:embed="rId3">
+            <a:alphaModFix/>
+          </a:blip>
+          <a:srcRect/>
+          <a:stretch/>
+        </p:blipFill>
+        <p:spPr>
+          <a:xfrm>
+            <a:off x="300" y="0"/>
+            <a:ext cx="12191600" cy="6858000"/>
+          </a:xfrm>
+          <a:prstGeom prst="rect">
+            <a:avLst/>
+          </a:prstGeom>
+          <a:noFill/>
+          <a:ln>
+            <a:noFill/>
+          </a:ln>
+        </p:spPr>
+      </p:pic>
+      <p:pic>
+        <p:nvPicPr>
+          <p:cNvPr id="93" name="Google Shape;93;p15"/>
+          <p:cNvPicPr preferRelativeResize="0"/>
+          <p:nvPr/>
+        </p:nvPicPr>
+        <p:blipFill>
+          <a:blip r:embed="rId4">
+            <a:alphaModFix/>
+          </a:blip>
+          <a:stretch>
+            <a:fillRect/>
+          </a:stretch>
+        </p:blipFill>
+        <p:spPr>
+          <a:xfrm>
+            <a:off x="152400" y="6252644"/>
+            <a:ext cx="2024299" cy="510867"/>
+          </a:xfrm>
+          <a:prstGeom prst="rect">
+            <a:avLst/>
+          </a:prstGeom>
+          <a:noFill/>
+          <a:ln>
+            <a:noFill/>
+          </a:ln>
+        </p:spPr>
+      </p:pic>
+      <p:sp>
+        <p:nvSpPr>
+          <p:cNvPr id="94" name="Google Shape;94;p15"/>
+          <p:cNvSpPr txBox="1"/>
+          <p:nvPr/>
+        </p:nvSpPr>
+        <p:spPr>
+          <a:xfrm>
+            <a:off x="476400" y="2936417"/>
+            <a:ext cx="7137600" cy="984845"/>
+          </a:xfrm>
+          <a:prstGeom prst="rect">
+            <a:avLst/>
+          </a:prstGeom>
+          <a:noFill/>
+          <a:ln>
+            <a:noFill/>
+          </a:ln>
+        </p:spPr>
+        <p:txBody>
+          <a:bodyPr spcFirstLastPara="1" wrap="square" lIns="121900" tIns="121900" rIns="121900" bIns="121900" anchor="t" anchorCtr="0">
+            <a:spAutoFit/>
+          </a:bodyPr>
+          <a:lstStyle/>
+          <a:p>
+            <a:pPr defTabSz="1219170">
+              <a:buClr>
+                <a:srgbClr val="000000"/>
+              </a:buClr>
+            </a:pPr>
+            <a:r>
+              <a:rPr lang="vi-VN" sz="4800" b="1" kern="0" dirty="0">
+                <a:solidFill>
+                  <a:srgbClr val="151B22"/>
+                </a:solidFill>
+                <a:latin typeface="Roboto"/>
+                <a:ea typeface="Roboto"/>
+                <a:cs typeface="Roboto"/>
+                <a:sym typeface="Roboto"/>
+              </a:rPr>
+              <a:t>FLAUI &amp; FLAUINSPECT </a:t>
+            </a:r>
+            <a:endParaRPr sz="4800" b="1" kern="0" dirty="0">
+              <a:solidFill>
+                <a:srgbClr val="8DC63F"/>
+              </a:solidFill>
+              <a:latin typeface="Roboto"/>
+              <a:ea typeface="Roboto"/>
+              <a:cs typeface="Roboto"/>
+              <a:sym typeface="Roboto"/>
+            </a:endParaRPr>
+          </a:p>
+        </p:txBody>
+      </p:sp>
+    </p:spTree>
+    <p:extLst>
+      <p:ext uri="{BB962C8B-B14F-4D97-AF65-F5344CB8AC3E}">
+        <p14:creationId xmlns:p14="http://schemas.microsoft.com/office/powerpoint/2010/main" val="3490707566"/>
+      </p:ext>
+    </p:extLst>
+  </p:cSld>
+  <p:clrMapOvr>
+    <a:masterClrMapping/>
+  </p:clrMapOvr>
+</p:sld>
+</file>
+
+<file path=ppt/slides/slide12.xml><?xml version="1.0" encoding="utf-8"?>
+<p:sld xmlns:a="http://schemas.openxmlformats.org/drawingml/2006/main" xmlns:r="http://schemas.openxmlformats.org/officeDocument/2006/relationships" xmlns:p="http://schemas.openxmlformats.org/presentationml/2006/main">
+  <p:cSld>
+    <p:spTree>
+      <p:nvGrpSpPr>
+        <p:cNvPr id="1" name="Shape 98"/>
+        <p:cNvGrpSpPr/>
+        <p:nvPr/>
+      </p:nvGrpSpPr>
+      <p:grpSpPr>
+        <a:xfrm>
+          <a:off x="0" y="0"/>
+          <a:ext cx="0" cy="0"/>
+          <a:chOff x="0" y="0"/>
+          <a:chExt cx="0" cy="0"/>
+        </a:xfrm>
+      </p:grpSpPr>
+      <p:grpSp>
+        <p:nvGrpSpPr>
+          <p:cNvPr id="99" name="Google Shape;99;p16"/>
+          <p:cNvGrpSpPr/>
+          <p:nvPr/>
+        </p:nvGrpSpPr>
+        <p:grpSpPr>
+          <a:xfrm>
+            <a:off x="152401" y="6252644"/>
+            <a:ext cx="11887100" cy="510867"/>
+            <a:chOff x="114300" y="4689483"/>
+            <a:chExt cx="8915325" cy="383150"/>
+          </a:xfrm>
+        </p:grpSpPr>
+        <p:pic>
+          <p:nvPicPr>
+            <p:cNvPr id="100" name="Google Shape;100;p16"/>
+            <p:cNvPicPr preferRelativeResize="0"/>
+            <p:nvPr/>
+          </p:nvPicPr>
+          <p:blipFill>
+            <a:blip r:embed="rId3">
+              <a:alphaModFix/>
+            </a:blip>
+            <a:stretch>
+              <a:fillRect/>
+            </a:stretch>
+          </p:blipFill>
+          <p:spPr>
+            <a:xfrm>
+              <a:off x="114300" y="4689483"/>
+              <a:ext cx="1518224" cy="383150"/>
+            </a:xfrm>
+            <a:prstGeom prst="rect">
+              <a:avLst/>
+            </a:prstGeom>
+            <a:noFill/>
+            <a:ln>
+              <a:noFill/>
+            </a:ln>
+          </p:spPr>
+        </p:pic>
+        <p:sp>
+          <p:nvSpPr>
+            <p:cNvPr id="101" name="Google Shape;101;p16"/>
+            <p:cNvSpPr/>
+            <p:nvPr/>
+          </p:nvSpPr>
+          <p:spPr>
+            <a:xfrm>
+              <a:off x="1760625" y="4964175"/>
+              <a:ext cx="7269000" cy="30600"/>
+            </a:xfrm>
+            <a:prstGeom prst="rect">
+              <a:avLst/>
+            </a:prstGeom>
+            <a:solidFill>
+              <a:schemeClr val="lt2"/>
+            </a:solidFill>
+            <a:ln>
+              <a:noFill/>
+            </a:ln>
+          </p:spPr>
+          <p:txBody>
+            <a:bodyPr spcFirstLastPara="1" wrap="square" lIns="121900" tIns="121900" rIns="121900" bIns="121900" anchor="ctr" anchorCtr="0">
+              <a:noAutofit/>
+            </a:bodyPr>
+            <a:lstStyle/>
+            <a:p>
+              <a:pPr defTabSz="1219170">
+                <a:buClr>
+                  <a:srgbClr val="000000"/>
+                </a:buClr>
+              </a:pPr>
+              <a:endParaRPr sz="1867" kern="0">
+                <a:solidFill>
+                  <a:srgbClr val="000000"/>
+                </a:solidFill>
+                <a:latin typeface="Arial"/>
+                <a:cs typeface="Arial"/>
+                <a:sym typeface="Arial"/>
+              </a:endParaRPr>
+            </a:p>
+          </p:txBody>
+        </p:sp>
+      </p:grpSp>
+      <p:pic>
+        <p:nvPicPr>
+          <p:cNvPr id="102" name="Google Shape;102;p16"/>
+          <p:cNvPicPr preferRelativeResize="0"/>
+          <p:nvPr/>
+        </p:nvPicPr>
+        <p:blipFill>
+          <a:blip r:embed="rId4">
+            <a:alphaModFix/>
+          </a:blip>
+          <a:stretch>
+            <a:fillRect/>
+          </a:stretch>
+        </p:blipFill>
+        <p:spPr>
+          <a:xfrm>
+            <a:off x="152401" y="223000"/>
+            <a:ext cx="269999" cy="586997"/>
+          </a:xfrm>
+          <a:prstGeom prst="rect">
+            <a:avLst/>
+          </a:prstGeom>
+          <a:noFill/>
+          <a:ln>
+            <a:noFill/>
+          </a:ln>
+        </p:spPr>
+      </p:pic>
+      <p:sp>
+        <p:nvSpPr>
+          <p:cNvPr id="103" name="Google Shape;103;p16"/>
+          <p:cNvSpPr txBox="1"/>
+          <p:nvPr/>
+        </p:nvSpPr>
+        <p:spPr>
+          <a:xfrm>
+            <a:off x="524000" y="188101"/>
             <a:ext cx="7939280" cy="656614"/>
           </a:xfrm>
           <a:prstGeom prst="rect">
@@ -11823,7 +12905,7 @@
 </p:sld>
 </file>
 
-<file path=ppt/slides/slide11.xml><?xml version="1.0" encoding="utf-8"?>
+<file path=ppt/slides/slide13.xml><?xml version="1.0" encoding="utf-8"?>
 <p:sld xmlns:a="http://schemas.openxmlformats.org/drawingml/2006/main" xmlns:r="http://schemas.openxmlformats.org/officeDocument/2006/relationships" xmlns:p="http://schemas.openxmlformats.org/presentationml/2006/main">
   <p:cSld>
     <p:spTree>
@@ -12059,7 +13141,7 @@
 </p:sld>
 </file>
 
-<file path=ppt/slides/slide12.xml><?xml version="1.0" encoding="utf-8"?>
+<file path=ppt/slides/slide14.xml><?xml version="1.0" encoding="utf-8"?>
 <p:sld xmlns:a="http://schemas.openxmlformats.org/drawingml/2006/main" xmlns:r="http://schemas.openxmlformats.org/officeDocument/2006/relationships" xmlns:p="http://schemas.openxmlformats.org/presentationml/2006/main">
   <p:cSld>
     <p:spTree>
@@ -12278,7 +13360,7 @@
 </p:sld>
 </file>
 
-<file path=ppt/slides/slide13.xml><?xml version="1.0" encoding="utf-8"?>
+<file path=ppt/slides/slide15.xml><?xml version="1.0" encoding="utf-8"?>
 <p:sld xmlns:a="http://schemas.openxmlformats.org/drawingml/2006/main" xmlns:r="http://schemas.openxmlformats.org/officeDocument/2006/relationships" xmlns:p="http://schemas.openxmlformats.org/presentationml/2006/main">
   <p:cSld>
     <p:spTree>
@@ -12429,7 +13511,7 @@
 </p:sld>
 </file>
 
-<file path=ppt/slides/slide14.xml><?xml version="1.0" encoding="utf-8"?>
+<file path=ppt/slides/slide16.xml><?xml version="1.0" encoding="utf-8"?>
 <p:sld xmlns:a="http://schemas.openxmlformats.org/drawingml/2006/main" xmlns:r="http://schemas.openxmlformats.org/officeDocument/2006/relationships" xmlns:p="http://schemas.openxmlformats.org/presentationml/2006/main">
   <p:cSld>
     <p:spTree>
@@ -12654,7 +13736,7 @@
 </p:sld>
 </file>
 
-<file path=ppt/slides/slide15.xml><?xml version="1.0" encoding="utf-8"?>
+<file path=ppt/slides/slide17.xml><?xml version="1.0" encoding="utf-8"?>
 <p:sld xmlns:a="http://schemas.openxmlformats.org/drawingml/2006/main" xmlns:r="http://schemas.openxmlformats.org/officeDocument/2006/relationships" xmlns:p="http://schemas.openxmlformats.org/presentationml/2006/main">
   <p:cSld>
     <p:spTree>
@@ -12890,7 +13972,7 @@
 </p:sld>
 </file>
 
-<file path=ppt/slides/slide16.xml><?xml version="1.0" encoding="utf-8"?>
+<file path=ppt/slides/slide18.xml><?xml version="1.0" encoding="utf-8"?>
 <p:sld xmlns:a="http://schemas.openxmlformats.org/drawingml/2006/main" xmlns:r="http://schemas.openxmlformats.org/officeDocument/2006/relationships" xmlns:p="http://schemas.openxmlformats.org/presentationml/2006/main">
   <p:cSld>
     <p:spTree>
@@ -13115,7 +14197,7 @@
 </p:sld>
 </file>
 
-<file path=ppt/slides/slide17.xml><?xml version="1.0" encoding="utf-8"?>
+<file path=ppt/slides/slide19.xml><?xml version="1.0" encoding="utf-8"?>
 <p:sld xmlns:a="http://schemas.openxmlformats.org/drawingml/2006/main" xmlns:r="http://schemas.openxmlformats.org/officeDocument/2006/relationships" xmlns:p="http://schemas.openxmlformats.org/presentationml/2006/main">
   <p:cSld>
     <p:spTree>
@@ -13342,355 +14424,6 @@
     <p:extLst>
       <p:ext uri="{BB962C8B-B14F-4D97-AF65-F5344CB8AC3E}">
         <p14:creationId xmlns:p14="http://schemas.microsoft.com/office/powerpoint/2010/main" val="1550811559"/>
-      </p:ext>
-    </p:extLst>
-  </p:cSld>
-  <p:clrMapOvr>
-    <a:masterClrMapping/>
-  </p:clrMapOvr>
-</p:sld>
-</file>
-
-<file path=ppt/slides/slide18.xml><?xml version="1.0" encoding="utf-8"?>
-<p:sld xmlns:a="http://schemas.openxmlformats.org/drawingml/2006/main" xmlns:r="http://schemas.openxmlformats.org/officeDocument/2006/relationships" xmlns:p="http://schemas.openxmlformats.org/presentationml/2006/main">
-  <p:cSld>
-    <p:spTree>
-      <p:nvGrpSpPr>
-        <p:cNvPr id="1" name="Shape 91"/>
-        <p:cNvGrpSpPr/>
-        <p:nvPr/>
-      </p:nvGrpSpPr>
-      <p:grpSpPr>
-        <a:xfrm>
-          <a:off x="0" y="0"/>
-          <a:ext cx="0" cy="0"/>
-          <a:chOff x="0" y="0"/>
-          <a:chExt cx="0" cy="0"/>
-        </a:xfrm>
-      </p:grpSpPr>
-      <p:pic>
-        <p:nvPicPr>
-          <p:cNvPr id="92" name="Google Shape;92;p15"/>
-          <p:cNvPicPr preferRelativeResize="0"/>
-          <p:nvPr/>
-        </p:nvPicPr>
-        <p:blipFill rotWithShape="1">
-          <a:blip r:embed="rId3">
-            <a:alphaModFix/>
-          </a:blip>
-          <a:srcRect/>
-          <a:stretch/>
-        </p:blipFill>
-        <p:spPr>
-          <a:xfrm>
-            <a:off x="300" y="0"/>
-            <a:ext cx="12191600" cy="6858000"/>
-          </a:xfrm>
-          <a:prstGeom prst="rect">
-            <a:avLst/>
-          </a:prstGeom>
-          <a:noFill/>
-          <a:ln>
-            <a:noFill/>
-          </a:ln>
-        </p:spPr>
-      </p:pic>
-      <p:pic>
-        <p:nvPicPr>
-          <p:cNvPr id="93" name="Google Shape;93;p15"/>
-          <p:cNvPicPr preferRelativeResize="0"/>
-          <p:nvPr/>
-        </p:nvPicPr>
-        <p:blipFill>
-          <a:blip r:embed="rId4">
-            <a:alphaModFix/>
-          </a:blip>
-          <a:stretch>
-            <a:fillRect/>
-          </a:stretch>
-        </p:blipFill>
-        <p:spPr>
-          <a:xfrm>
-            <a:off x="152400" y="6252644"/>
-            <a:ext cx="2024299" cy="510867"/>
-          </a:xfrm>
-          <a:prstGeom prst="rect">
-            <a:avLst/>
-          </a:prstGeom>
-          <a:noFill/>
-          <a:ln>
-            <a:noFill/>
-          </a:ln>
-        </p:spPr>
-      </p:pic>
-      <p:sp>
-        <p:nvSpPr>
-          <p:cNvPr id="94" name="Google Shape;94;p15"/>
-          <p:cNvSpPr txBox="1"/>
-          <p:nvPr/>
-        </p:nvSpPr>
-        <p:spPr>
-          <a:xfrm>
-            <a:off x="476400" y="2936417"/>
-            <a:ext cx="7137600" cy="984845"/>
-          </a:xfrm>
-          <a:prstGeom prst="rect">
-            <a:avLst/>
-          </a:prstGeom>
-          <a:noFill/>
-          <a:ln>
-            <a:noFill/>
-          </a:ln>
-        </p:spPr>
-        <p:txBody>
-          <a:bodyPr spcFirstLastPara="1" wrap="square" lIns="121900" tIns="121900" rIns="121900" bIns="121900" anchor="t" anchorCtr="0">
-            <a:spAutoFit/>
-          </a:bodyPr>
-          <a:lstStyle/>
-          <a:p>
-            <a:pPr defTabSz="1219170">
-              <a:buClr>
-                <a:srgbClr val="000000"/>
-              </a:buClr>
-            </a:pPr>
-            <a:r>
-              <a:rPr lang="en-US" sz="4800" b="1" kern="0" dirty="0">
-                <a:solidFill>
-                  <a:srgbClr val="151B22"/>
-                </a:solidFill>
-                <a:latin typeface="Roboto"/>
-                <a:ea typeface="Roboto"/>
-                <a:cs typeface="Roboto"/>
-                <a:sym typeface="Roboto"/>
-              </a:rPr>
-              <a:t>REPORTING &amp; CI/CD</a:t>
-            </a:r>
-          </a:p>
-        </p:txBody>
-      </p:sp>
-    </p:spTree>
-    <p:extLst>
-      <p:ext uri="{BB962C8B-B14F-4D97-AF65-F5344CB8AC3E}">
-        <p14:creationId xmlns:p14="http://schemas.microsoft.com/office/powerpoint/2010/main" val="2668462542"/>
-      </p:ext>
-    </p:extLst>
-  </p:cSld>
-  <p:clrMapOvr>
-    <a:masterClrMapping/>
-  </p:clrMapOvr>
-</p:sld>
-</file>
-
-<file path=ppt/slides/slide19.xml><?xml version="1.0" encoding="utf-8"?>
-<p:sld xmlns:a="http://schemas.openxmlformats.org/drawingml/2006/main" xmlns:r="http://schemas.openxmlformats.org/officeDocument/2006/relationships" xmlns:p="http://schemas.openxmlformats.org/presentationml/2006/main">
-  <p:cSld>
-    <p:spTree>
-      <p:nvGrpSpPr>
-        <p:cNvPr id="1" name="Shape 98"/>
-        <p:cNvGrpSpPr/>
-        <p:nvPr/>
-      </p:nvGrpSpPr>
-      <p:grpSpPr>
-        <a:xfrm>
-          <a:off x="0" y="0"/>
-          <a:ext cx="0" cy="0"/>
-          <a:chOff x="0" y="0"/>
-          <a:chExt cx="0" cy="0"/>
-        </a:xfrm>
-      </p:grpSpPr>
-      <p:grpSp>
-        <p:nvGrpSpPr>
-          <p:cNvPr id="99" name="Google Shape;99;p16"/>
-          <p:cNvGrpSpPr/>
-          <p:nvPr/>
-        </p:nvGrpSpPr>
-        <p:grpSpPr>
-          <a:xfrm>
-            <a:off x="152401" y="6252644"/>
-            <a:ext cx="11887100" cy="510867"/>
-            <a:chOff x="114300" y="4689483"/>
-            <a:chExt cx="8915325" cy="383150"/>
-          </a:xfrm>
-        </p:grpSpPr>
-        <p:pic>
-          <p:nvPicPr>
-            <p:cNvPr id="100" name="Google Shape;100;p16"/>
-            <p:cNvPicPr preferRelativeResize="0"/>
-            <p:nvPr/>
-          </p:nvPicPr>
-          <p:blipFill>
-            <a:blip r:embed="rId3">
-              <a:alphaModFix/>
-            </a:blip>
-            <a:stretch>
-              <a:fillRect/>
-            </a:stretch>
-          </p:blipFill>
-          <p:spPr>
-            <a:xfrm>
-              <a:off x="114300" y="4689483"/>
-              <a:ext cx="1518224" cy="383150"/>
-            </a:xfrm>
-            <a:prstGeom prst="rect">
-              <a:avLst/>
-            </a:prstGeom>
-            <a:noFill/>
-            <a:ln>
-              <a:noFill/>
-            </a:ln>
-          </p:spPr>
-        </p:pic>
-        <p:sp>
-          <p:nvSpPr>
-            <p:cNvPr id="101" name="Google Shape;101;p16"/>
-            <p:cNvSpPr/>
-            <p:nvPr/>
-          </p:nvSpPr>
-          <p:spPr>
-            <a:xfrm>
-              <a:off x="1760625" y="4964175"/>
-              <a:ext cx="7269000" cy="30600"/>
-            </a:xfrm>
-            <a:prstGeom prst="rect">
-              <a:avLst/>
-            </a:prstGeom>
-            <a:solidFill>
-              <a:schemeClr val="lt2"/>
-            </a:solidFill>
-            <a:ln>
-              <a:noFill/>
-            </a:ln>
-          </p:spPr>
-          <p:txBody>
-            <a:bodyPr spcFirstLastPara="1" wrap="square" lIns="121900" tIns="121900" rIns="121900" bIns="121900" anchor="ctr" anchorCtr="0">
-              <a:noAutofit/>
-            </a:bodyPr>
-            <a:lstStyle/>
-            <a:p>
-              <a:pPr defTabSz="1219170">
-                <a:buClr>
-                  <a:srgbClr val="000000"/>
-                </a:buClr>
-              </a:pPr>
-              <a:endParaRPr sz="1867" kern="0">
-                <a:solidFill>
-                  <a:srgbClr val="000000"/>
-                </a:solidFill>
-                <a:latin typeface="Arial"/>
-                <a:cs typeface="Arial"/>
-                <a:sym typeface="Arial"/>
-              </a:endParaRPr>
-            </a:p>
-          </p:txBody>
-        </p:sp>
-      </p:grpSp>
-      <p:pic>
-        <p:nvPicPr>
-          <p:cNvPr id="102" name="Google Shape;102;p16"/>
-          <p:cNvPicPr preferRelativeResize="0"/>
-          <p:nvPr/>
-        </p:nvPicPr>
-        <p:blipFill>
-          <a:blip r:embed="rId4">
-            <a:alphaModFix/>
-          </a:blip>
-          <a:stretch>
-            <a:fillRect/>
-          </a:stretch>
-        </p:blipFill>
-        <p:spPr>
-          <a:xfrm>
-            <a:off x="152401" y="223000"/>
-            <a:ext cx="269999" cy="586997"/>
-          </a:xfrm>
-          <a:prstGeom prst="rect">
-            <a:avLst/>
-          </a:prstGeom>
-          <a:noFill/>
-          <a:ln>
-            <a:noFill/>
-          </a:ln>
-        </p:spPr>
-      </p:pic>
-      <p:sp>
-        <p:nvSpPr>
-          <p:cNvPr id="103" name="Google Shape;103;p16"/>
-          <p:cNvSpPr txBox="1"/>
-          <p:nvPr/>
-        </p:nvSpPr>
-        <p:spPr>
-          <a:xfrm>
-            <a:off x="524000" y="188101"/>
-            <a:ext cx="7939280" cy="656614"/>
-          </a:xfrm>
-          <a:prstGeom prst="rect">
-            <a:avLst/>
-          </a:prstGeom>
-          <a:noFill/>
-          <a:ln>
-            <a:noFill/>
-          </a:ln>
-        </p:spPr>
-        <p:txBody>
-          <a:bodyPr spcFirstLastPara="1" wrap="square" lIns="121900" tIns="121900" rIns="121900" bIns="121900" anchor="t" anchorCtr="0">
-            <a:spAutoFit/>
-          </a:bodyPr>
-          <a:lstStyle/>
-          <a:p>
-            <a:pPr defTabSz="1219170">
-              <a:buClr>
-                <a:srgbClr val="000000"/>
-              </a:buClr>
-            </a:pPr>
-            <a:r>
-              <a:rPr lang="en-US" sz="2667" b="1" kern="0" dirty="0">
-                <a:solidFill>
-                  <a:srgbClr val="8DC63F"/>
-                </a:solidFill>
-                <a:latin typeface="Roboto"/>
-                <a:ea typeface="Roboto"/>
-                <a:cs typeface="Roboto"/>
-                <a:sym typeface="Roboto"/>
-              </a:rPr>
-              <a:t>REPORTING – ALLURE REPORT</a:t>
-            </a:r>
-          </a:p>
-        </p:txBody>
-      </p:sp>
-      <p:pic>
-        <p:nvPicPr>
-          <p:cNvPr id="3" name="Picture 2">
-            <a:extLst>
-              <a:ext uri="{FF2B5EF4-FFF2-40B4-BE49-F238E27FC236}">
-                <a16:creationId xmlns:a16="http://schemas.microsoft.com/office/drawing/2014/main" id="{4AE2C3B2-D56E-6D54-1C2B-2AE3D81A7F01}"/>
-              </a:ext>
-            </a:extLst>
-          </p:cNvPr>
-          <p:cNvPicPr>
-            <a:picLocks noChangeAspect="1"/>
-          </p:cNvPicPr>
-          <p:nvPr/>
-        </p:nvPicPr>
-        <p:blipFill>
-          <a:blip r:embed="rId5"/>
-          <a:stretch>
-            <a:fillRect/>
-          </a:stretch>
-        </p:blipFill>
-        <p:spPr>
-          <a:xfrm>
-            <a:off x="37788" y="761863"/>
-            <a:ext cx="12116423" cy="5334274"/>
-          </a:xfrm>
-          <a:prstGeom prst="rect">
-            <a:avLst/>
-          </a:prstGeom>
-        </p:spPr>
-      </p:pic>
-    </p:spTree>
-    <p:extLst>
-      <p:ext uri="{BB962C8B-B14F-4D97-AF65-F5344CB8AC3E}">
-        <p14:creationId xmlns:p14="http://schemas.microsoft.com/office/powerpoint/2010/main" val="2456159839"/>
       </p:ext>
     </p:extLst>
   </p:cSld>
@@ -14708,6 +15441,355 @@
   <p:cSld>
     <p:spTree>
       <p:nvGrpSpPr>
+        <p:cNvPr id="1" name="Shape 91"/>
+        <p:cNvGrpSpPr/>
+        <p:nvPr/>
+      </p:nvGrpSpPr>
+      <p:grpSpPr>
+        <a:xfrm>
+          <a:off x="0" y="0"/>
+          <a:ext cx="0" cy="0"/>
+          <a:chOff x="0" y="0"/>
+          <a:chExt cx="0" cy="0"/>
+        </a:xfrm>
+      </p:grpSpPr>
+      <p:pic>
+        <p:nvPicPr>
+          <p:cNvPr id="92" name="Google Shape;92;p15"/>
+          <p:cNvPicPr preferRelativeResize="0"/>
+          <p:nvPr/>
+        </p:nvPicPr>
+        <p:blipFill rotWithShape="1">
+          <a:blip r:embed="rId3">
+            <a:alphaModFix/>
+          </a:blip>
+          <a:srcRect/>
+          <a:stretch/>
+        </p:blipFill>
+        <p:spPr>
+          <a:xfrm>
+            <a:off x="300" y="0"/>
+            <a:ext cx="12191600" cy="6858000"/>
+          </a:xfrm>
+          <a:prstGeom prst="rect">
+            <a:avLst/>
+          </a:prstGeom>
+          <a:noFill/>
+          <a:ln>
+            <a:noFill/>
+          </a:ln>
+        </p:spPr>
+      </p:pic>
+      <p:pic>
+        <p:nvPicPr>
+          <p:cNvPr id="93" name="Google Shape;93;p15"/>
+          <p:cNvPicPr preferRelativeResize="0"/>
+          <p:nvPr/>
+        </p:nvPicPr>
+        <p:blipFill>
+          <a:blip r:embed="rId4">
+            <a:alphaModFix/>
+          </a:blip>
+          <a:stretch>
+            <a:fillRect/>
+          </a:stretch>
+        </p:blipFill>
+        <p:spPr>
+          <a:xfrm>
+            <a:off x="152400" y="6252644"/>
+            <a:ext cx="2024299" cy="510867"/>
+          </a:xfrm>
+          <a:prstGeom prst="rect">
+            <a:avLst/>
+          </a:prstGeom>
+          <a:noFill/>
+          <a:ln>
+            <a:noFill/>
+          </a:ln>
+        </p:spPr>
+      </p:pic>
+      <p:sp>
+        <p:nvSpPr>
+          <p:cNvPr id="94" name="Google Shape;94;p15"/>
+          <p:cNvSpPr txBox="1"/>
+          <p:nvPr/>
+        </p:nvSpPr>
+        <p:spPr>
+          <a:xfrm>
+            <a:off x="476400" y="2936417"/>
+            <a:ext cx="7137600" cy="984845"/>
+          </a:xfrm>
+          <a:prstGeom prst="rect">
+            <a:avLst/>
+          </a:prstGeom>
+          <a:noFill/>
+          <a:ln>
+            <a:noFill/>
+          </a:ln>
+        </p:spPr>
+        <p:txBody>
+          <a:bodyPr spcFirstLastPara="1" wrap="square" lIns="121900" tIns="121900" rIns="121900" bIns="121900" anchor="t" anchorCtr="0">
+            <a:spAutoFit/>
+          </a:bodyPr>
+          <a:lstStyle/>
+          <a:p>
+            <a:pPr defTabSz="1219170">
+              <a:buClr>
+                <a:srgbClr val="000000"/>
+              </a:buClr>
+            </a:pPr>
+            <a:r>
+              <a:rPr lang="en-US" sz="4800" b="1" kern="0" dirty="0">
+                <a:solidFill>
+                  <a:srgbClr val="151B22"/>
+                </a:solidFill>
+                <a:latin typeface="Roboto"/>
+                <a:ea typeface="Roboto"/>
+                <a:cs typeface="Roboto"/>
+                <a:sym typeface="Roboto"/>
+              </a:rPr>
+              <a:t>REPORTING &amp; CI/CD</a:t>
+            </a:r>
+          </a:p>
+        </p:txBody>
+      </p:sp>
+    </p:spTree>
+    <p:extLst>
+      <p:ext uri="{BB962C8B-B14F-4D97-AF65-F5344CB8AC3E}">
+        <p14:creationId xmlns:p14="http://schemas.microsoft.com/office/powerpoint/2010/main" val="2668462542"/>
+      </p:ext>
+    </p:extLst>
+  </p:cSld>
+  <p:clrMapOvr>
+    <a:masterClrMapping/>
+  </p:clrMapOvr>
+</p:sld>
+</file>
+
+<file path=ppt/slides/slide21.xml><?xml version="1.0" encoding="utf-8"?>
+<p:sld xmlns:a="http://schemas.openxmlformats.org/drawingml/2006/main" xmlns:r="http://schemas.openxmlformats.org/officeDocument/2006/relationships" xmlns:p="http://schemas.openxmlformats.org/presentationml/2006/main">
+  <p:cSld>
+    <p:spTree>
+      <p:nvGrpSpPr>
+        <p:cNvPr id="1" name="Shape 98"/>
+        <p:cNvGrpSpPr/>
+        <p:nvPr/>
+      </p:nvGrpSpPr>
+      <p:grpSpPr>
+        <a:xfrm>
+          <a:off x="0" y="0"/>
+          <a:ext cx="0" cy="0"/>
+          <a:chOff x="0" y="0"/>
+          <a:chExt cx="0" cy="0"/>
+        </a:xfrm>
+      </p:grpSpPr>
+      <p:grpSp>
+        <p:nvGrpSpPr>
+          <p:cNvPr id="99" name="Google Shape;99;p16"/>
+          <p:cNvGrpSpPr/>
+          <p:nvPr/>
+        </p:nvGrpSpPr>
+        <p:grpSpPr>
+          <a:xfrm>
+            <a:off x="152401" y="6252644"/>
+            <a:ext cx="11887100" cy="510867"/>
+            <a:chOff x="114300" y="4689483"/>
+            <a:chExt cx="8915325" cy="383150"/>
+          </a:xfrm>
+        </p:grpSpPr>
+        <p:pic>
+          <p:nvPicPr>
+            <p:cNvPr id="100" name="Google Shape;100;p16"/>
+            <p:cNvPicPr preferRelativeResize="0"/>
+            <p:nvPr/>
+          </p:nvPicPr>
+          <p:blipFill>
+            <a:blip r:embed="rId3">
+              <a:alphaModFix/>
+            </a:blip>
+            <a:stretch>
+              <a:fillRect/>
+            </a:stretch>
+          </p:blipFill>
+          <p:spPr>
+            <a:xfrm>
+              <a:off x="114300" y="4689483"/>
+              <a:ext cx="1518224" cy="383150"/>
+            </a:xfrm>
+            <a:prstGeom prst="rect">
+              <a:avLst/>
+            </a:prstGeom>
+            <a:noFill/>
+            <a:ln>
+              <a:noFill/>
+            </a:ln>
+          </p:spPr>
+        </p:pic>
+        <p:sp>
+          <p:nvSpPr>
+            <p:cNvPr id="101" name="Google Shape;101;p16"/>
+            <p:cNvSpPr/>
+            <p:nvPr/>
+          </p:nvSpPr>
+          <p:spPr>
+            <a:xfrm>
+              <a:off x="1760625" y="4964175"/>
+              <a:ext cx="7269000" cy="30600"/>
+            </a:xfrm>
+            <a:prstGeom prst="rect">
+              <a:avLst/>
+            </a:prstGeom>
+            <a:solidFill>
+              <a:schemeClr val="lt2"/>
+            </a:solidFill>
+            <a:ln>
+              <a:noFill/>
+            </a:ln>
+          </p:spPr>
+          <p:txBody>
+            <a:bodyPr spcFirstLastPara="1" wrap="square" lIns="121900" tIns="121900" rIns="121900" bIns="121900" anchor="ctr" anchorCtr="0">
+              <a:noAutofit/>
+            </a:bodyPr>
+            <a:lstStyle/>
+            <a:p>
+              <a:pPr defTabSz="1219170">
+                <a:buClr>
+                  <a:srgbClr val="000000"/>
+                </a:buClr>
+              </a:pPr>
+              <a:endParaRPr sz="1867" kern="0">
+                <a:solidFill>
+                  <a:srgbClr val="000000"/>
+                </a:solidFill>
+                <a:latin typeface="Arial"/>
+                <a:cs typeface="Arial"/>
+                <a:sym typeface="Arial"/>
+              </a:endParaRPr>
+            </a:p>
+          </p:txBody>
+        </p:sp>
+      </p:grpSp>
+      <p:pic>
+        <p:nvPicPr>
+          <p:cNvPr id="102" name="Google Shape;102;p16"/>
+          <p:cNvPicPr preferRelativeResize="0"/>
+          <p:nvPr/>
+        </p:nvPicPr>
+        <p:blipFill>
+          <a:blip r:embed="rId4">
+            <a:alphaModFix/>
+          </a:blip>
+          <a:stretch>
+            <a:fillRect/>
+          </a:stretch>
+        </p:blipFill>
+        <p:spPr>
+          <a:xfrm>
+            <a:off x="152401" y="223000"/>
+            <a:ext cx="269999" cy="586997"/>
+          </a:xfrm>
+          <a:prstGeom prst="rect">
+            <a:avLst/>
+          </a:prstGeom>
+          <a:noFill/>
+          <a:ln>
+            <a:noFill/>
+          </a:ln>
+        </p:spPr>
+      </p:pic>
+      <p:sp>
+        <p:nvSpPr>
+          <p:cNvPr id="103" name="Google Shape;103;p16"/>
+          <p:cNvSpPr txBox="1"/>
+          <p:nvPr/>
+        </p:nvSpPr>
+        <p:spPr>
+          <a:xfrm>
+            <a:off x="524000" y="188101"/>
+            <a:ext cx="7939280" cy="656614"/>
+          </a:xfrm>
+          <a:prstGeom prst="rect">
+            <a:avLst/>
+          </a:prstGeom>
+          <a:noFill/>
+          <a:ln>
+            <a:noFill/>
+          </a:ln>
+        </p:spPr>
+        <p:txBody>
+          <a:bodyPr spcFirstLastPara="1" wrap="square" lIns="121900" tIns="121900" rIns="121900" bIns="121900" anchor="t" anchorCtr="0">
+            <a:spAutoFit/>
+          </a:bodyPr>
+          <a:lstStyle/>
+          <a:p>
+            <a:pPr defTabSz="1219170">
+              <a:buClr>
+                <a:srgbClr val="000000"/>
+              </a:buClr>
+            </a:pPr>
+            <a:r>
+              <a:rPr lang="en-US" sz="2667" b="1" kern="0" dirty="0">
+                <a:solidFill>
+                  <a:srgbClr val="8DC63F"/>
+                </a:solidFill>
+                <a:latin typeface="Roboto"/>
+                <a:ea typeface="Roboto"/>
+                <a:cs typeface="Roboto"/>
+                <a:sym typeface="Roboto"/>
+              </a:rPr>
+              <a:t>REPORTING – ALLURE REPORT</a:t>
+            </a:r>
+          </a:p>
+        </p:txBody>
+      </p:sp>
+      <p:pic>
+        <p:nvPicPr>
+          <p:cNvPr id="3" name="Picture 2">
+            <a:extLst>
+              <a:ext uri="{FF2B5EF4-FFF2-40B4-BE49-F238E27FC236}">
+                <a16:creationId xmlns:a16="http://schemas.microsoft.com/office/drawing/2014/main" id="{4AE2C3B2-D56E-6D54-1C2B-2AE3D81A7F01}"/>
+              </a:ext>
+            </a:extLst>
+          </p:cNvPr>
+          <p:cNvPicPr>
+            <a:picLocks noChangeAspect="1"/>
+          </p:cNvPicPr>
+          <p:nvPr/>
+        </p:nvPicPr>
+        <p:blipFill>
+          <a:blip r:embed="rId5"/>
+          <a:stretch>
+            <a:fillRect/>
+          </a:stretch>
+        </p:blipFill>
+        <p:spPr>
+          <a:xfrm>
+            <a:off x="37788" y="761863"/>
+            <a:ext cx="12116423" cy="5334274"/>
+          </a:xfrm>
+          <a:prstGeom prst="rect">
+            <a:avLst/>
+          </a:prstGeom>
+        </p:spPr>
+      </p:pic>
+    </p:spTree>
+    <p:extLst>
+      <p:ext uri="{BB962C8B-B14F-4D97-AF65-F5344CB8AC3E}">
+        <p14:creationId xmlns:p14="http://schemas.microsoft.com/office/powerpoint/2010/main" val="2456159839"/>
+      </p:ext>
+    </p:extLst>
+  </p:cSld>
+  <p:clrMapOvr>
+    <a:masterClrMapping/>
+  </p:clrMapOvr>
+</p:sld>
+</file>
+
+<file path=ppt/slides/slide22.xml><?xml version="1.0" encoding="utf-8"?>
+<p:sld xmlns:a="http://schemas.openxmlformats.org/drawingml/2006/main" xmlns:r="http://schemas.openxmlformats.org/officeDocument/2006/relationships" xmlns:p="http://schemas.openxmlformats.org/presentationml/2006/main">
+  <p:cSld>
+    <p:spTree>
+      <p:nvGrpSpPr>
         <p:cNvPr id="1" name="Shape 98"/>
         <p:cNvGrpSpPr/>
         <p:nvPr/>
@@ -14922,7 +16004,7 @@
 </p:sld>
 </file>
 
-<file path=ppt/slides/slide21.xml><?xml version="1.0" encoding="utf-8"?>
+<file path=ppt/slides/slide23.xml><?xml version="1.0" encoding="utf-8"?>
 <p:sld xmlns:a="http://schemas.openxmlformats.org/drawingml/2006/main" xmlns:r="http://schemas.openxmlformats.org/officeDocument/2006/relationships" xmlns:p="http://schemas.openxmlformats.org/presentationml/2006/main">
   <p:cSld>
     <p:spTree>
@@ -15141,7 +16223,7 @@
 </p:sld>
 </file>
 
-<file path=ppt/slides/slide22.xml><?xml version="1.0" encoding="utf-8"?>
+<file path=ppt/slides/slide24.xml><?xml version="1.0" encoding="utf-8"?>
 <p:sld xmlns:a="http://schemas.openxmlformats.org/drawingml/2006/main" xmlns:r="http://schemas.openxmlformats.org/officeDocument/2006/relationships" xmlns:p="http://schemas.openxmlformats.org/presentationml/2006/main">
   <p:cSld>
     <p:spTree>
@@ -15360,7 +16442,7 @@
 </p:sld>
 </file>
 
-<file path=ppt/slides/slide23.xml><?xml version="1.0" encoding="utf-8"?>
+<file path=ppt/slides/slide25.xml><?xml version="1.0" encoding="utf-8"?>
 <p:sld xmlns:a="http://schemas.openxmlformats.org/drawingml/2006/main" xmlns:r="http://schemas.openxmlformats.org/officeDocument/2006/relationships" xmlns:p="http://schemas.openxmlformats.org/presentationml/2006/main">
   <p:cSld>
     <p:spTree>
@@ -15579,7 +16661,7 @@
 </p:sld>
 </file>
 
-<file path=ppt/slides/slide24.xml><?xml version="1.0" encoding="utf-8"?>
+<file path=ppt/slides/slide26.xml><?xml version="1.0" encoding="utf-8"?>
 <p:sld xmlns:a="http://schemas.openxmlformats.org/drawingml/2006/main" xmlns:r="http://schemas.openxmlformats.org/officeDocument/2006/relationships" xmlns:p="http://schemas.openxmlformats.org/presentationml/2006/main">
   <p:cSld>
     <p:spTree>
@@ -15798,7 +16880,7 @@
 </p:sld>
 </file>
 
-<file path=ppt/slides/slide25.xml><?xml version="1.0" encoding="utf-8"?>
+<file path=ppt/slides/slide27.xml><?xml version="1.0" encoding="utf-8"?>
 <p:sld xmlns:a="http://schemas.openxmlformats.org/drawingml/2006/main" xmlns:r="http://schemas.openxmlformats.org/officeDocument/2006/relationships" xmlns:p="http://schemas.openxmlformats.org/presentationml/2006/main">
   <p:cSld>
     <p:spTree>
@@ -16268,7 +17350,7 @@
         <p:spPr>
           <a:xfrm>
             <a:off x="524000" y="2419834"/>
-            <a:ext cx="5401200" cy="2215951"/>
+            <a:ext cx="5401200" cy="2954615"/>
           </a:xfrm>
           <a:prstGeom prst="rect">
             <a:avLst/>
@@ -16300,7 +17382,7 @@
                 <a:cs typeface="Roboto Light"/>
                 <a:sym typeface="Roboto Light"/>
               </a:rPr>
-              <a:t>Build a framework to automate test cases for </a:t>
+              <a:t>How</a:t>
             </a:r>
             <a:r>
               <a:rPr lang="en-US" sz="1600" b="1" kern="0" dirty="0">
@@ -16312,7 +17394,7 @@
                 <a:cs typeface="Roboto Light"/>
                 <a:sym typeface="Roboto Light"/>
               </a:rPr>
-              <a:t>multi-type</a:t>
+              <a:t> </a:t>
             </a:r>
             <a:r>
               <a:rPr lang="en-US" sz="1600" kern="0" dirty="0">
@@ -16324,7 +17406,19 @@
                 <a:cs typeface="Roboto Light"/>
                 <a:sym typeface="Roboto Light"/>
               </a:rPr>
-              <a:t> of Desktop Application.</a:t>
+              <a:t>Automation testing provides significant </a:t>
+            </a:r>
+            <a:r>
+              <a:rPr lang="en-US" sz="1600" b="1" kern="0" dirty="0">
+                <a:solidFill>
+                  <a:srgbClr val="151B22"/>
+                </a:solidFill>
+                <a:latin typeface="Roboto Light"/>
+                <a:ea typeface="Roboto Light"/>
+                <a:cs typeface="Roboto Light"/>
+                <a:sym typeface="Roboto Light"/>
+              </a:rPr>
+              <a:t>efforts and cost savings</a:t>
             </a:r>
           </a:p>
           <a:p>
@@ -16361,7 +17455,7 @@
                 <a:cs typeface="Roboto Light"/>
                 <a:sym typeface="Roboto Light"/>
               </a:rPr>
-              <a:t>Utilizing a framework for automated testing will </a:t>
+              <a:t>Overview Automated Testing: Your </a:t>
             </a:r>
             <a:r>
               <a:rPr lang="en-US" sz="1600" b="1" kern="0" dirty="0">
@@ -16373,7 +17467,56 @@
                 <a:cs typeface="Roboto Light"/>
                 <a:sym typeface="Roboto Light"/>
               </a:rPr>
-              <a:t>increase</a:t>
+              <a:t>End-to-End Ecosystem</a:t>
+            </a:r>
+          </a:p>
+          <a:p>
+            <a:pPr defTabSz="1219170">
+              <a:buClr>
+                <a:srgbClr val="000000"/>
+              </a:buClr>
+              <a:buSzPts val="1100"/>
+            </a:pPr>
+            <a:endParaRPr lang="en-US" sz="1600" kern="0" dirty="0">
+              <a:solidFill>
+                <a:srgbClr val="151B22"/>
+              </a:solidFill>
+              <a:latin typeface="Roboto Light"/>
+              <a:ea typeface="Roboto Light"/>
+              <a:cs typeface="Roboto Light"/>
+              <a:sym typeface="Roboto Light"/>
+            </a:endParaRPr>
+          </a:p>
+          <a:p>
+            <a:pPr defTabSz="1219170">
+              <a:buClr>
+                <a:srgbClr val="000000"/>
+              </a:buClr>
+              <a:buSzPts val="1100"/>
+            </a:pPr>
+            <a:r>
+              <a:rPr lang="en-US" sz="1600" kern="0" dirty="0">
+                <a:solidFill>
+                  <a:srgbClr val="151B22"/>
+                </a:solidFill>
+                <a:latin typeface="Roboto Light"/>
+                <a:ea typeface="Roboto Light"/>
+                <a:cs typeface="Roboto Light"/>
+                <a:sym typeface="Roboto Light"/>
+              </a:rPr>
+              <a:t>Recognize the essential </a:t>
+            </a:r>
+            <a:r>
+              <a:rPr lang="en-US" sz="1600" b="1" kern="0" dirty="0">
+                <a:solidFill>
+                  <a:srgbClr val="151B22"/>
+                </a:solidFill>
+                <a:latin typeface="Roboto Light"/>
+                <a:ea typeface="Roboto Light"/>
+                <a:cs typeface="Roboto Light"/>
+                <a:sym typeface="Roboto Light"/>
+              </a:rPr>
+              <a:t>components required</a:t>
             </a:r>
             <a:r>
               <a:rPr lang="en-US" sz="1600" kern="0" dirty="0">
@@ -16385,7 +17528,44 @@
                 <a:cs typeface="Roboto Light"/>
                 <a:sym typeface="Roboto Light"/>
               </a:rPr>
-              <a:t> a team's test </a:t>
+              <a:t> for an automation framework</a:t>
+            </a:r>
+          </a:p>
+          <a:p>
+            <a:pPr defTabSz="1219170">
+              <a:buClr>
+                <a:srgbClr val="000000"/>
+              </a:buClr>
+              <a:buSzPts val="1100"/>
+            </a:pPr>
+            <a:endParaRPr lang="en-US" sz="1600" kern="0" dirty="0">
+              <a:solidFill>
+                <a:srgbClr val="151B22"/>
+              </a:solidFill>
+              <a:latin typeface="Roboto Light"/>
+              <a:ea typeface="Roboto Light"/>
+              <a:cs typeface="Roboto Light"/>
+              <a:sym typeface="Roboto Light"/>
+            </a:endParaRPr>
+          </a:p>
+          <a:p>
+            <a:pPr defTabSz="1219170">
+              <a:buClr>
+                <a:srgbClr val="000000"/>
+              </a:buClr>
+              <a:buSzPts val="1100"/>
+            </a:pPr>
+            <a:r>
+              <a:rPr lang="en-US" sz="1600" kern="0" dirty="0">
+                <a:solidFill>
+                  <a:srgbClr val="151B22"/>
+                </a:solidFill>
+                <a:latin typeface="Roboto Light"/>
+                <a:ea typeface="Roboto Light"/>
+                <a:cs typeface="Roboto Light"/>
+                <a:sym typeface="Roboto Light"/>
+              </a:rPr>
+              <a:t>Introduce a framework to automate test cases for </a:t>
             </a:r>
             <a:r>
               <a:rPr lang="en-US" sz="1600" b="1" kern="0" dirty="0">
@@ -16397,7 +17577,7 @@
                 <a:cs typeface="Roboto Light"/>
                 <a:sym typeface="Roboto Light"/>
               </a:rPr>
-              <a:t>speed and efficiency</a:t>
+              <a:t>multi-type</a:t>
             </a:r>
             <a:r>
               <a:rPr lang="en-US" sz="1600" kern="0" dirty="0">
@@ -16409,7 +17589,19 @@
                 <a:cs typeface="Roboto Light"/>
                 <a:sym typeface="Roboto Light"/>
               </a:rPr>
-              <a:t>, improve test accuracy, and will reduce test maintenance costs as well as lower risks</a:t>
+              <a:t> of </a:t>
+            </a:r>
+            <a:r>
+              <a:rPr lang="en-US" sz="1600" b="1" kern="0" dirty="0">
+                <a:solidFill>
+                  <a:srgbClr val="151B22"/>
+                </a:solidFill>
+                <a:latin typeface="Roboto Light"/>
+                <a:ea typeface="Roboto Light"/>
+                <a:cs typeface="Roboto Light"/>
+                <a:sym typeface="Roboto Light"/>
+              </a:rPr>
+              <a:t>Desktop Application</a:t>
             </a:r>
           </a:p>
           <a:p>
@@ -16419,7 +17611,7 @@
               </a:buClr>
               <a:buSzPts val="1100"/>
             </a:pPr>
-            <a:endParaRPr sz="1600" kern="0" dirty="0">
+            <a:endParaRPr lang="en-US" sz="1600" b="1" kern="0" dirty="0">
               <a:solidFill>
                 <a:srgbClr val="151B22"/>
               </a:solidFill>
@@ -16446,7 +17638,7 @@
         <p:spPr>
           <a:xfrm>
             <a:off x="6266802" y="2419833"/>
-            <a:ext cx="5401200" cy="2215951"/>
+            <a:ext cx="5401200" cy="3200836"/>
           </a:xfrm>
           <a:prstGeom prst="rect">
             <a:avLst/>
@@ -16478,7 +17670,29 @@
                 <a:cs typeface="Roboto Light"/>
                 <a:sym typeface="Roboto Light"/>
               </a:rPr>
-              <a:t>Have ability to extend with others test management system (</a:t>
+              <a:t>Improving the Value of Report Integration and Extensibility: </a:t>
+            </a:r>
+          </a:p>
+          <a:p>
+            <a:pPr marL="285750" indent="-285750" defTabSz="1219170">
+              <a:buClr>
+                <a:srgbClr val="000000"/>
+              </a:buClr>
+              <a:buSzPts val="1100"/>
+              <a:buFont typeface="Arial" panose="020B0604020202020204" pitchFamily="34" charset="0"/>
+              <a:buChar char="•"/>
+            </a:pPr>
+            <a:r>
+              <a:rPr lang="en-US" sz="1600" kern="0" dirty="0">
+                <a:solidFill>
+                  <a:srgbClr val="151B22"/>
+                </a:solidFill>
+                <a:latin typeface="Roboto Light"/>
+                <a:ea typeface="Roboto Light"/>
+                <a:cs typeface="Roboto Light"/>
+                <a:sym typeface="Roboto Light"/>
+              </a:rPr>
+              <a:t>Additional test management systems such as </a:t>
             </a:r>
             <a:r>
               <a:rPr lang="en-US" sz="1600" b="1" kern="0" dirty="0">
@@ -16502,7 +17716,7 @@
                 <a:cs typeface="Roboto Light"/>
                 <a:sym typeface="Roboto Light"/>
               </a:rPr>
-              <a:t>), reporting tools (</a:t>
+              <a:t>, reporting tools like </a:t>
             </a:r>
             <a:r>
               <a:rPr lang="en-US" sz="1600" b="1" kern="0" dirty="0">
@@ -16514,7 +17728,7 @@
                 <a:cs typeface="Roboto Light"/>
                 <a:sym typeface="Roboto Light"/>
               </a:rPr>
-              <a:t>Allure report</a:t>
+              <a:t>Allure Report and Reportportal.io</a:t>
             </a:r>
             <a:r>
               <a:rPr lang="en-US" sz="1600" kern="0" dirty="0">
@@ -16526,31 +17740,7 @@
                 <a:cs typeface="Roboto Light"/>
                 <a:sym typeface="Roboto Light"/>
               </a:rPr>
-              <a:t>, </a:t>
-            </a:r>
-            <a:r>
-              <a:rPr lang="en-US" sz="1600" b="1" kern="0" dirty="0">
-                <a:solidFill>
-                  <a:srgbClr val="151B22"/>
-                </a:solidFill>
-                <a:latin typeface="Roboto Light"/>
-                <a:ea typeface="Roboto Light"/>
-                <a:cs typeface="Roboto Light"/>
-                <a:sym typeface="Roboto Light"/>
-              </a:rPr>
-              <a:t>Reportportal.io</a:t>
-            </a:r>
-            <a:r>
-              <a:rPr lang="en-US" sz="1600" kern="0" dirty="0">
-                <a:solidFill>
-                  <a:srgbClr val="151B22"/>
-                </a:solidFill>
-                <a:latin typeface="Roboto Light"/>
-                <a:ea typeface="Roboto Light"/>
-                <a:cs typeface="Roboto Light"/>
-                <a:sym typeface="Roboto Light"/>
-              </a:rPr>
-              <a:t>), and execute tests with </a:t>
+              <a:t>, and enable seamless test execution with </a:t>
             </a:r>
             <a:r>
               <a:rPr lang="en-US" sz="1600" b="1" kern="0" dirty="0">
@@ -16564,6 +17754,27 @@
               </a:rPr>
               <a:t>CI/CD</a:t>
             </a:r>
+            <a:r>
+              <a:rPr lang="en-US" sz="1600" kern="0" dirty="0">
+                <a:solidFill>
+                  <a:srgbClr val="151B22"/>
+                </a:solidFill>
+                <a:latin typeface="Roboto Light"/>
+                <a:ea typeface="Roboto Light"/>
+                <a:cs typeface="Roboto Light"/>
+                <a:sym typeface="Roboto Light"/>
+              </a:rPr>
+              <a:t>.</a:t>
+            </a:r>
+            <a:endParaRPr lang="en-US" sz="1600" b="1" kern="0" dirty="0">
+              <a:solidFill>
+                <a:srgbClr val="151B22"/>
+              </a:solidFill>
+              <a:latin typeface="Roboto Light"/>
+              <a:ea typeface="Roboto Light"/>
+              <a:cs typeface="Roboto Light"/>
+              <a:sym typeface="Roboto Light"/>
+            </a:endParaRPr>
           </a:p>
           <a:p>
             <a:pPr defTabSz="1219170">
@@ -16590,7 +17801,7 @@
               <a:buSzPts val="1100"/>
             </a:pPr>
             <a:r>
-              <a:rPr lang="vi-VN" sz="1600" kern="0" dirty="0">
+              <a:rPr lang="en-US" sz="1600" kern="0" dirty="0">
                 <a:solidFill>
                   <a:srgbClr val="151B22"/>
                 </a:solidFill>
@@ -16599,7 +17810,29 @@
                 <a:cs typeface="Roboto Light"/>
                 <a:sym typeface="Roboto Light"/>
               </a:rPr>
-              <a:t>Apply </a:t>
+              <a:t>Reducing Code Duplication and Enhancing Test Case Maintenance: </a:t>
+            </a:r>
+          </a:p>
+          <a:p>
+            <a:pPr marL="285750" indent="-285750" defTabSz="1219170">
+              <a:buClr>
+                <a:srgbClr val="000000"/>
+              </a:buClr>
+              <a:buSzPts val="1100"/>
+              <a:buFont typeface="Arial" panose="020B0604020202020204" pitchFamily="34" charset="0"/>
+              <a:buChar char="•"/>
+            </a:pPr>
+            <a:r>
+              <a:rPr lang="en-US" sz="1600" kern="0" dirty="0">
+                <a:solidFill>
+                  <a:srgbClr val="151B22"/>
+                </a:solidFill>
+                <a:latin typeface="Roboto Light"/>
+                <a:ea typeface="Roboto Light"/>
+                <a:cs typeface="Roboto Light"/>
+                <a:sym typeface="Roboto Light"/>
+              </a:rPr>
+              <a:t>Implement the Page Object Model design pattern (</a:t>
             </a:r>
             <a:r>
               <a:rPr lang="en-US" sz="1600" b="1" kern="0" dirty="0">
@@ -16611,7 +17844,50 @@
                 <a:cs typeface="Roboto Light"/>
                 <a:sym typeface="Roboto Light"/>
               </a:rPr>
-              <a:t>Page Object Model</a:t>
+              <a:t>POM)</a:t>
+            </a:r>
+            <a:endParaRPr lang="en-US" sz="1600" kern="0" dirty="0">
+              <a:solidFill>
+                <a:srgbClr val="151B22"/>
+              </a:solidFill>
+              <a:latin typeface="Roboto Light"/>
+              <a:ea typeface="Roboto Light"/>
+              <a:cs typeface="Roboto Light"/>
+              <a:sym typeface="Roboto Light"/>
+            </a:endParaRPr>
+          </a:p>
+          <a:p>
+            <a:pPr marL="285750" indent="-285750" defTabSz="1219170">
+              <a:buClr>
+                <a:srgbClr val="000000"/>
+              </a:buClr>
+              <a:buSzPts val="1100"/>
+              <a:buFont typeface="Arial" panose="020B0604020202020204" pitchFamily="34" charset="0"/>
+              <a:buChar char="•"/>
+            </a:pPr>
+            <a:r>
+              <a:rPr lang="en-US" sz="1600" kern="0" dirty="0">
+                <a:solidFill>
+                  <a:srgbClr val="151B22"/>
+                </a:solidFill>
+                <a:latin typeface="Roboto Light"/>
+                <a:ea typeface="Roboto Light"/>
+                <a:cs typeface="Roboto Light"/>
+                <a:sym typeface="Roboto Light"/>
+              </a:rPr>
+              <a:t>Incorporate Data-Driven Testing (</a:t>
+            </a:r>
+            <a:r>
+              <a:rPr lang="en-US" sz="1600" b="1" kern="0" dirty="0">
+                <a:solidFill>
+                  <a:srgbClr val="151B22"/>
+                </a:solidFill>
+                <a:latin typeface="Roboto Light"/>
+                <a:ea typeface="Roboto Light"/>
+                <a:cs typeface="Roboto Light"/>
+                <a:sym typeface="Roboto Light"/>
+              </a:rPr>
+              <a:t>DDT</a:t>
             </a:r>
             <a:r>
               <a:rPr lang="en-US" sz="1600" kern="0" dirty="0">
@@ -16623,113 +17899,8 @@
                 <a:cs typeface="Roboto Light"/>
                 <a:sym typeface="Roboto Light"/>
               </a:rPr>
-              <a:t> design pattern (POM) and </a:t>
+              <a:t>)</a:t>
             </a:r>
-            <a:r>
-              <a:rPr lang="vi-VN" sz="1600" b="1" kern="0" dirty="0">
-                <a:solidFill>
-                  <a:srgbClr val="151B22"/>
-                </a:solidFill>
-                <a:latin typeface="Roboto Light"/>
-                <a:ea typeface="Roboto Light"/>
-                <a:cs typeface="Roboto Light"/>
-                <a:sym typeface="Roboto Light"/>
-              </a:rPr>
-              <a:t>Data-</a:t>
-            </a:r>
-            <a:r>
-              <a:rPr lang="en-US" sz="1600" b="1" kern="0" dirty="0">
-                <a:solidFill>
-                  <a:srgbClr val="151B22"/>
-                </a:solidFill>
-                <a:latin typeface="Roboto Light"/>
-                <a:ea typeface="Roboto Light"/>
-                <a:cs typeface="Roboto Light"/>
-                <a:sym typeface="Roboto Light"/>
-              </a:rPr>
-              <a:t>Driven </a:t>
-            </a:r>
-            <a:r>
-              <a:rPr lang="vi-VN" sz="1600" b="1" kern="0" dirty="0">
-                <a:solidFill>
-                  <a:srgbClr val="151B22"/>
-                </a:solidFill>
-                <a:latin typeface="Roboto Light"/>
-                <a:ea typeface="Roboto Light"/>
-                <a:cs typeface="Roboto Light"/>
-                <a:sym typeface="Roboto Light"/>
-              </a:rPr>
-              <a:t>Testing </a:t>
-            </a:r>
-            <a:r>
-              <a:rPr lang="en-US" sz="1600" kern="0" dirty="0">
-                <a:solidFill>
-                  <a:srgbClr val="151B22"/>
-                </a:solidFill>
-                <a:latin typeface="Roboto Light"/>
-                <a:ea typeface="Roboto Light"/>
-                <a:cs typeface="Roboto Light"/>
-                <a:sym typeface="Roboto Light"/>
-              </a:rPr>
-              <a:t>(DDT)</a:t>
-            </a:r>
-            <a:r>
-              <a:rPr lang="vi-VN" sz="1600" kern="0" dirty="0">
-                <a:solidFill>
-                  <a:srgbClr val="151B22"/>
-                </a:solidFill>
-                <a:latin typeface="Roboto Light"/>
-                <a:ea typeface="Roboto Light"/>
-                <a:cs typeface="Roboto Light"/>
-                <a:sym typeface="Roboto Light"/>
-              </a:rPr>
-              <a:t> </a:t>
-            </a:r>
-            <a:r>
-              <a:rPr lang="en-US" sz="1600" kern="0" dirty="0">
-                <a:solidFill>
-                  <a:srgbClr val="151B22"/>
-                </a:solidFill>
-                <a:latin typeface="Roboto Light"/>
-                <a:ea typeface="Roboto Light"/>
-                <a:cs typeface="Roboto Light"/>
-                <a:sym typeface="Roboto Light"/>
-              </a:rPr>
-              <a:t>reduce code duplication and improves test case m</a:t>
-            </a:r>
-            <a:r>
-              <a:rPr lang="vi-VN" sz="1600" kern="0" dirty="0">
-                <a:solidFill>
-                  <a:srgbClr val="151B22"/>
-                </a:solidFill>
-                <a:latin typeface="Roboto Light"/>
-                <a:ea typeface="Roboto Light"/>
-                <a:cs typeface="Roboto Light"/>
-                <a:sym typeface="Roboto Light"/>
-              </a:rPr>
-              <a:t>aintenance, </a:t>
-            </a:r>
-            <a:r>
-              <a:rPr lang="en-US" sz="1600" kern="0" dirty="0">
-                <a:solidFill>
-                  <a:srgbClr val="151B22"/>
-                </a:solidFill>
-                <a:latin typeface="Roboto Light"/>
-                <a:ea typeface="Roboto Light"/>
-                <a:cs typeface="Roboto Light"/>
-                <a:sym typeface="Roboto Light"/>
-              </a:rPr>
-              <a:t>useful for tests that have a similar structure but use different data</a:t>
-            </a:r>
-            <a:endParaRPr sz="1600" kern="0" dirty="0">
-              <a:solidFill>
-                <a:srgbClr val="151B22"/>
-              </a:solidFill>
-              <a:latin typeface="Roboto Light"/>
-              <a:ea typeface="Roboto Light"/>
-              <a:cs typeface="Roboto Light"/>
-              <a:sym typeface="Roboto Light"/>
-            </a:endParaRPr>
           </a:p>
         </p:txBody>
       </p:sp>
@@ -16820,6 +17991,3960 @@
 </file>
 
 <file path=ppt/slides/slide5.xml><?xml version="1.0" encoding="utf-8"?>
+<p:sld xmlns:a="http://schemas.openxmlformats.org/drawingml/2006/main" xmlns:r="http://schemas.openxmlformats.org/officeDocument/2006/relationships" xmlns:p="http://schemas.openxmlformats.org/presentationml/2006/main">
+  <p:cSld>
+    <p:spTree>
+      <p:nvGrpSpPr>
+        <p:cNvPr id="1" name="Shape 98"/>
+        <p:cNvGrpSpPr/>
+        <p:nvPr/>
+      </p:nvGrpSpPr>
+      <p:grpSpPr>
+        <a:xfrm>
+          <a:off x="0" y="0"/>
+          <a:ext cx="0" cy="0"/>
+          <a:chOff x="0" y="0"/>
+          <a:chExt cx="0" cy="0"/>
+        </a:xfrm>
+      </p:grpSpPr>
+      <p:grpSp>
+        <p:nvGrpSpPr>
+          <p:cNvPr id="99" name="Google Shape;99;p16"/>
+          <p:cNvGrpSpPr/>
+          <p:nvPr/>
+        </p:nvGrpSpPr>
+        <p:grpSpPr>
+          <a:xfrm>
+            <a:off x="152401" y="6252644"/>
+            <a:ext cx="11887100" cy="510867"/>
+            <a:chOff x="114300" y="4689483"/>
+            <a:chExt cx="8915325" cy="383150"/>
+          </a:xfrm>
+        </p:grpSpPr>
+        <p:pic>
+          <p:nvPicPr>
+            <p:cNvPr id="100" name="Google Shape;100;p16"/>
+            <p:cNvPicPr preferRelativeResize="0"/>
+            <p:nvPr/>
+          </p:nvPicPr>
+          <p:blipFill>
+            <a:blip r:embed="rId3">
+              <a:alphaModFix/>
+            </a:blip>
+            <a:stretch>
+              <a:fillRect/>
+            </a:stretch>
+          </p:blipFill>
+          <p:spPr>
+            <a:xfrm>
+              <a:off x="114300" y="4689483"/>
+              <a:ext cx="1518224" cy="383150"/>
+            </a:xfrm>
+            <a:prstGeom prst="rect">
+              <a:avLst/>
+            </a:prstGeom>
+            <a:noFill/>
+            <a:ln>
+              <a:noFill/>
+            </a:ln>
+          </p:spPr>
+        </p:pic>
+        <p:sp>
+          <p:nvSpPr>
+            <p:cNvPr id="101" name="Google Shape;101;p16"/>
+            <p:cNvSpPr/>
+            <p:nvPr/>
+          </p:nvSpPr>
+          <p:spPr>
+            <a:xfrm>
+              <a:off x="1760625" y="4964175"/>
+              <a:ext cx="7269000" cy="30600"/>
+            </a:xfrm>
+            <a:prstGeom prst="rect">
+              <a:avLst/>
+            </a:prstGeom>
+            <a:solidFill>
+              <a:schemeClr val="lt2"/>
+            </a:solidFill>
+            <a:ln>
+              <a:noFill/>
+            </a:ln>
+          </p:spPr>
+          <p:txBody>
+            <a:bodyPr spcFirstLastPara="1" wrap="square" lIns="121900" tIns="121900" rIns="121900" bIns="121900" anchor="ctr" anchorCtr="0">
+              <a:noAutofit/>
+            </a:bodyPr>
+            <a:lstStyle/>
+            <a:p>
+              <a:pPr defTabSz="1219170">
+                <a:buClr>
+                  <a:srgbClr val="000000"/>
+                </a:buClr>
+              </a:pPr>
+              <a:endParaRPr sz="1867" kern="0">
+                <a:solidFill>
+                  <a:srgbClr val="000000"/>
+                </a:solidFill>
+                <a:latin typeface="Roboto" panose="02000000000000000000" pitchFamily="2" charset="0"/>
+                <a:ea typeface="Roboto" panose="02000000000000000000" pitchFamily="2" charset="0"/>
+                <a:cs typeface="Roboto" panose="02000000000000000000" pitchFamily="2" charset="0"/>
+                <a:sym typeface="Arial"/>
+              </a:endParaRPr>
+            </a:p>
+          </p:txBody>
+        </p:sp>
+      </p:grpSp>
+      <p:pic>
+        <p:nvPicPr>
+          <p:cNvPr id="102" name="Google Shape;102;p16"/>
+          <p:cNvPicPr preferRelativeResize="0"/>
+          <p:nvPr/>
+        </p:nvPicPr>
+        <p:blipFill>
+          <a:blip r:embed="rId4">
+            <a:alphaModFix/>
+          </a:blip>
+          <a:stretch>
+            <a:fillRect/>
+          </a:stretch>
+        </p:blipFill>
+        <p:spPr>
+          <a:xfrm>
+            <a:off x="152401" y="223000"/>
+            <a:ext cx="269999" cy="586997"/>
+          </a:xfrm>
+          <a:prstGeom prst="rect">
+            <a:avLst/>
+          </a:prstGeom>
+          <a:noFill/>
+          <a:ln>
+            <a:noFill/>
+          </a:ln>
+        </p:spPr>
+      </p:pic>
+      <p:sp>
+        <p:nvSpPr>
+          <p:cNvPr id="103" name="Google Shape;103;p16"/>
+          <p:cNvSpPr txBox="1"/>
+          <p:nvPr/>
+        </p:nvSpPr>
+        <p:spPr>
+          <a:xfrm>
+            <a:off x="524000" y="89247"/>
+            <a:ext cx="7515600" cy="656614"/>
+          </a:xfrm>
+          <a:prstGeom prst="rect">
+            <a:avLst/>
+          </a:prstGeom>
+          <a:noFill/>
+          <a:ln>
+            <a:noFill/>
+          </a:ln>
+        </p:spPr>
+        <p:txBody>
+          <a:bodyPr spcFirstLastPara="1" wrap="square" lIns="121900" tIns="121900" rIns="121900" bIns="121900" anchor="t" anchorCtr="0">
+            <a:spAutoFit/>
+          </a:bodyPr>
+          <a:lstStyle/>
+          <a:p>
+            <a:pPr defTabSz="1219170">
+              <a:buClr>
+                <a:srgbClr val="000000"/>
+              </a:buClr>
+            </a:pPr>
+            <a:r>
+              <a:rPr lang="vi-VN" sz="2667" b="1" kern="0" dirty="0">
+                <a:solidFill>
+                  <a:srgbClr val="8DC63F"/>
+                </a:solidFill>
+                <a:latin typeface="Roboto" panose="02000000000000000000" pitchFamily="2" charset="0"/>
+                <a:ea typeface="Roboto" panose="02000000000000000000" pitchFamily="2" charset="0"/>
+                <a:cs typeface="Roboto" panose="02000000000000000000" pitchFamily="2" charset="0"/>
+                <a:sym typeface="Roboto"/>
+              </a:rPr>
+              <a:t>PURPOSE</a:t>
+            </a:r>
+            <a:r>
+              <a:rPr lang="en-US" sz="2667" b="1" kern="0" dirty="0">
+                <a:solidFill>
+                  <a:srgbClr val="8DC63F"/>
+                </a:solidFill>
+                <a:latin typeface="Roboto" panose="02000000000000000000" pitchFamily="2" charset="0"/>
+                <a:ea typeface="Roboto" panose="02000000000000000000" pitchFamily="2" charset="0"/>
+                <a:cs typeface="Roboto" panose="02000000000000000000" pitchFamily="2" charset="0"/>
+                <a:sym typeface="Roboto"/>
+              </a:rPr>
+              <a:t> – ROI OF CALCULATION</a:t>
+            </a:r>
+          </a:p>
+        </p:txBody>
+      </p:sp>
+      <p:graphicFrame>
+        <p:nvGraphicFramePr>
+          <p:cNvPr id="8" name="Table 7">
+            <a:extLst>
+              <a:ext uri="{FF2B5EF4-FFF2-40B4-BE49-F238E27FC236}">
+                <a16:creationId xmlns:a16="http://schemas.microsoft.com/office/drawing/2014/main" id="{B1C5B184-CF5C-60BB-B8E9-768246904157}"/>
+              </a:ext>
+            </a:extLst>
+          </p:cNvPr>
+          <p:cNvGraphicFramePr>
+            <a:graphicFrameLocks noGrp="1"/>
+          </p:cNvGraphicFramePr>
+          <p:nvPr>
+            <p:extLst>
+              <p:ext uri="{D42A27DB-BD31-4B8C-83A1-F6EECF244321}">
+                <p14:modId xmlns:p14="http://schemas.microsoft.com/office/powerpoint/2010/main" val="108792379"/>
+              </p:ext>
+            </p:extLst>
+          </p:nvPr>
+        </p:nvGraphicFramePr>
+        <p:xfrm>
+          <a:off x="6285628" y="534497"/>
+          <a:ext cx="5177482" cy="5853375"/>
+        </p:xfrm>
+        <a:graphic>
+          <a:graphicData uri="http://schemas.openxmlformats.org/drawingml/2006/table">
+            <a:tbl>
+              <a:tblPr/>
+              <a:tblGrid>
+                <a:gridCol w="3717285">
+                  <a:extLst>
+                    <a:ext uri="{9D8B030D-6E8A-4147-A177-3AD203B41FA5}">
+                      <a16:colId xmlns:a16="http://schemas.microsoft.com/office/drawing/2014/main" val="2567692061"/>
+                    </a:ext>
+                  </a:extLst>
+                </a:gridCol>
+                <a:gridCol w="1460197">
+                  <a:extLst>
+                    <a:ext uri="{9D8B030D-6E8A-4147-A177-3AD203B41FA5}">
+                      <a16:colId xmlns:a16="http://schemas.microsoft.com/office/drawing/2014/main" val="4006625001"/>
+                    </a:ext>
+                  </a:extLst>
+                </a:gridCol>
+              </a:tblGrid>
+              <a:tr h="283413">
+                <a:tc>
+                  <a:txBody>
+                    <a:bodyPr/>
+                    <a:lstStyle/>
+                    <a:p>
+                      <a:pPr fontAlgn="t"/>
+                      <a:r>
+                        <a:rPr lang="en-US" sz="1300" b="1" dirty="0">
+                          <a:effectLst/>
+                        </a:rPr>
+                        <a:t>Complexity</a:t>
+                      </a:r>
+                    </a:p>
+                  </a:txBody>
+                  <a:tcPr marL="17433" marR="17433" marT="17433" marB="17433">
+                    <a:lnL w="6350" cap="flat" cmpd="sng" algn="ctr">
+                      <a:solidFill>
+                        <a:srgbClr val="99ACC2"/>
+                      </a:solidFill>
+                      <a:prstDash val="solid"/>
+                      <a:round/>
+                      <a:headEnd type="none" w="med" len="med"/>
+                      <a:tailEnd type="none" w="med" len="med"/>
+                    </a:lnL>
+                    <a:lnR w="6350" cap="flat" cmpd="sng" algn="ctr">
+                      <a:solidFill>
+                        <a:srgbClr val="99ACC2"/>
+                      </a:solidFill>
+                      <a:prstDash val="solid"/>
+                      <a:round/>
+                      <a:headEnd type="none" w="med" len="med"/>
+                      <a:tailEnd type="none" w="med" len="med"/>
+                    </a:lnR>
+                    <a:lnT w="6350" cap="flat" cmpd="sng" algn="ctr">
+                      <a:solidFill>
+                        <a:srgbClr val="99ACC2"/>
+                      </a:solidFill>
+                      <a:prstDash val="solid"/>
+                      <a:round/>
+                      <a:headEnd type="none" w="med" len="med"/>
+                      <a:tailEnd type="none" w="med" len="med"/>
+                    </a:lnT>
+                    <a:lnB w="6350" cap="flat" cmpd="sng" algn="ctr">
+                      <a:solidFill>
+                        <a:srgbClr val="99ACC2"/>
+                      </a:solidFill>
+                      <a:prstDash val="solid"/>
+                      <a:round/>
+                      <a:headEnd type="none" w="med" len="med"/>
+                      <a:tailEnd type="none" w="med" len="med"/>
+                    </a:lnB>
+                    <a:solidFill>
+                      <a:srgbClr val="EFFAFF"/>
+                    </a:solidFill>
+                  </a:tcPr>
+                </a:tc>
+                <a:tc>
+                  <a:txBody>
+                    <a:bodyPr/>
+                    <a:lstStyle/>
+                    <a:p>
+                      <a:pPr fontAlgn="t"/>
+                      <a:r>
+                        <a:rPr lang="en-US" sz="1300" b="1" dirty="0">
+                          <a:effectLst/>
+                        </a:rPr>
+                        <a:t>Medium</a:t>
+                      </a:r>
+                    </a:p>
+                  </a:txBody>
+                  <a:tcPr marL="17433" marR="17433" marT="17433" marB="17433">
+                    <a:lnL w="6350" cap="flat" cmpd="sng" algn="ctr">
+                      <a:solidFill>
+                        <a:srgbClr val="99ACC2"/>
+                      </a:solidFill>
+                      <a:prstDash val="solid"/>
+                      <a:round/>
+                      <a:headEnd type="none" w="med" len="med"/>
+                      <a:tailEnd type="none" w="med" len="med"/>
+                    </a:lnL>
+                    <a:lnR w="6350" cap="flat" cmpd="sng" algn="ctr">
+                      <a:solidFill>
+                        <a:srgbClr val="99ACC2"/>
+                      </a:solidFill>
+                      <a:prstDash val="solid"/>
+                      <a:round/>
+                      <a:headEnd type="none" w="med" len="med"/>
+                      <a:tailEnd type="none" w="med" len="med"/>
+                    </a:lnR>
+                    <a:lnT w="6350" cap="flat" cmpd="sng" algn="ctr">
+                      <a:solidFill>
+                        <a:srgbClr val="99ACC2"/>
+                      </a:solidFill>
+                      <a:prstDash val="solid"/>
+                      <a:round/>
+                      <a:headEnd type="none" w="med" len="med"/>
+                      <a:tailEnd type="none" w="med" len="med"/>
+                    </a:lnT>
+                    <a:lnB w="6350" cap="flat" cmpd="sng" algn="ctr">
+                      <a:solidFill>
+                        <a:srgbClr val="99ACC2"/>
+                      </a:solidFill>
+                      <a:prstDash val="solid"/>
+                      <a:round/>
+                      <a:headEnd type="none" w="med" len="med"/>
+                      <a:tailEnd type="none" w="med" len="med"/>
+                    </a:lnB>
+                    <a:solidFill>
+                      <a:srgbClr val="EFFAFF"/>
+                    </a:solidFill>
+                  </a:tcPr>
+                </a:tc>
+                <a:extLst>
+                  <a:ext uri="{0D108BD9-81ED-4DB2-BD59-A6C34878D82A}">
+                    <a16:rowId xmlns:a16="http://schemas.microsoft.com/office/drawing/2014/main" val="3957202117"/>
+                  </a:ext>
+                </a:extLst>
+              </a:tr>
+              <a:tr h="283413">
+                <a:tc>
+                  <a:txBody>
+                    <a:bodyPr/>
+                    <a:lstStyle/>
+                    <a:p>
+                      <a:pPr fontAlgn="t"/>
+                      <a:r>
+                        <a:rPr lang="en-US" sz="1300" dirty="0">
+                          <a:effectLst/>
+                        </a:rPr>
+                        <a:t>Test Coverage</a:t>
+                      </a:r>
+                    </a:p>
+                  </a:txBody>
+                  <a:tcPr marL="17433" marR="17433" marT="17433" marB="17433">
+                    <a:lnL w="6350" cap="flat" cmpd="sng" algn="ctr">
+                      <a:solidFill>
+                        <a:srgbClr val="99ACC2"/>
+                      </a:solidFill>
+                      <a:prstDash val="solid"/>
+                      <a:round/>
+                      <a:headEnd type="none" w="med" len="med"/>
+                      <a:tailEnd type="none" w="med" len="med"/>
+                    </a:lnL>
+                    <a:lnR w="6350" cap="flat" cmpd="sng" algn="ctr">
+                      <a:solidFill>
+                        <a:srgbClr val="99ACC2"/>
+                      </a:solidFill>
+                      <a:prstDash val="solid"/>
+                      <a:round/>
+                      <a:headEnd type="none" w="med" len="med"/>
+                      <a:tailEnd type="none" w="med" len="med"/>
+                    </a:lnR>
+                    <a:lnT w="6350" cap="flat" cmpd="sng" algn="ctr">
+                      <a:solidFill>
+                        <a:srgbClr val="99ACC2"/>
+                      </a:solidFill>
+                      <a:prstDash val="solid"/>
+                      <a:round/>
+                      <a:headEnd type="none" w="med" len="med"/>
+                      <a:tailEnd type="none" w="med" len="med"/>
+                    </a:lnT>
+                    <a:lnB w="6350" cap="flat" cmpd="sng" algn="ctr">
+                      <a:solidFill>
+                        <a:srgbClr val="99ACC2"/>
+                      </a:solidFill>
+                      <a:prstDash val="solid"/>
+                      <a:round/>
+                      <a:headEnd type="none" w="med" len="med"/>
+                      <a:tailEnd type="none" w="med" len="med"/>
+                    </a:lnB>
+                  </a:tcPr>
+                </a:tc>
+                <a:tc>
+                  <a:txBody>
+                    <a:bodyPr/>
+                    <a:lstStyle/>
+                    <a:p>
+                      <a:pPr fontAlgn="t"/>
+                      <a:r>
+                        <a:rPr lang="en-US" sz="1300" dirty="0">
+                          <a:effectLst/>
+                        </a:rPr>
+                        <a:t>73.81%</a:t>
+                      </a:r>
+                    </a:p>
+                  </a:txBody>
+                  <a:tcPr marL="17433" marR="17433" marT="17433" marB="17433">
+                    <a:lnL w="6350" cap="flat" cmpd="sng" algn="ctr">
+                      <a:solidFill>
+                        <a:srgbClr val="99ACC2"/>
+                      </a:solidFill>
+                      <a:prstDash val="solid"/>
+                      <a:round/>
+                      <a:headEnd type="none" w="med" len="med"/>
+                      <a:tailEnd type="none" w="med" len="med"/>
+                    </a:lnL>
+                    <a:lnR w="6350" cap="flat" cmpd="sng" algn="ctr">
+                      <a:solidFill>
+                        <a:srgbClr val="99ACC2"/>
+                      </a:solidFill>
+                      <a:prstDash val="solid"/>
+                      <a:round/>
+                      <a:headEnd type="none" w="med" len="med"/>
+                      <a:tailEnd type="none" w="med" len="med"/>
+                    </a:lnR>
+                    <a:lnT w="6350" cap="flat" cmpd="sng" algn="ctr">
+                      <a:solidFill>
+                        <a:srgbClr val="99ACC2"/>
+                      </a:solidFill>
+                      <a:prstDash val="solid"/>
+                      <a:round/>
+                      <a:headEnd type="none" w="med" len="med"/>
+                      <a:tailEnd type="none" w="med" len="med"/>
+                    </a:lnT>
+                    <a:lnB w="6350" cap="flat" cmpd="sng" algn="ctr">
+                      <a:solidFill>
+                        <a:srgbClr val="99ACC2"/>
+                      </a:solidFill>
+                      <a:prstDash val="solid"/>
+                      <a:round/>
+                      <a:headEnd type="none" w="med" len="med"/>
+                      <a:tailEnd type="none" w="med" len="med"/>
+                    </a:lnB>
+                  </a:tcPr>
+                </a:tc>
+                <a:extLst>
+                  <a:ext uri="{0D108BD9-81ED-4DB2-BD59-A6C34878D82A}">
+                    <a16:rowId xmlns:a16="http://schemas.microsoft.com/office/drawing/2014/main" val="3825515719"/>
+                  </a:ext>
+                </a:extLst>
+              </a:tr>
+              <a:tr h="283413">
+                <a:tc>
+                  <a:txBody>
+                    <a:bodyPr/>
+                    <a:lstStyle/>
+                    <a:p>
+                      <a:pPr fontAlgn="t"/>
+                      <a:r>
+                        <a:rPr lang="en-US" sz="1300" dirty="0">
+                          <a:effectLst/>
+                        </a:rPr>
+                        <a:t># of Manual Test Cases</a:t>
+                      </a:r>
+                    </a:p>
+                  </a:txBody>
+                  <a:tcPr marL="17433" marR="17433" marT="17433" marB="17433">
+                    <a:lnL w="6350" cap="flat" cmpd="sng" algn="ctr">
+                      <a:solidFill>
+                        <a:srgbClr val="99ACC2"/>
+                      </a:solidFill>
+                      <a:prstDash val="solid"/>
+                      <a:round/>
+                      <a:headEnd type="none" w="med" len="med"/>
+                      <a:tailEnd type="none" w="med" len="med"/>
+                    </a:lnL>
+                    <a:lnR w="6350" cap="flat" cmpd="sng" algn="ctr">
+                      <a:solidFill>
+                        <a:srgbClr val="99ACC2"/>
+                      </a:solidFill>
+                      <a:prstDash val="solid"/>
+                      <a:round/>
+                      <a:headEnd type="none" w="med" len="med"/>
+                      <a:tailEnd type="none" w="med" len="med"/>
+                    </a:lnR>
+                    <a:lnT w="6350" cap="flat" cmpd="sng" algn="ctr">
+                      <a:solidFill>
+                        <a:srgbClr val="99ACC2"/>
+                      </a:solidFill>
+                      <a:prstDash val="solid"/>
+                      <a:round/>
+                      <a:headEnd type="none" w="med" len="med"/>
+                      <a:tailEnd type="none" w="med" len="med"/>
+                    </a:lnT>
+                    <a:lnB w="6350" cap="flat" cmpd="sng" algn="ctr">
+                      <a:solidFill>
+                        <a:srgbClr val="99ACC2"/>
+                      </a:solidFill>
+                      <a:prstDash val="solid"/>
+                      <a:round/>
+                      <a:headEnd type="none" w="med" len="med"/>
+                      <a:tailEnd type="none" w="med" len="med"/>
+                    </a:lnB>
+                    <a:solidFill>
+                      <a:srgbClr val="EFFAFF"/>
+                    </a:solidFill>
+                  </a:tcPr>
+                </a:tc>
+                <a:tc>
+                  <a:txBody>
+                    <a:bodyPr/>
+                    <a:lstStyle/>
+                    <a:p>
+                      <a:pPr fontAlgn="t"/>
+                      <a:r>
+                        <a:rPr lang="en-US" sz="1300" dirty="0">
+                          <a:effectLst/>
+                        </a:rPr>
+                        <a:t>2100</a:t>
+                      </a:r>
+                    </a:p>
+                  </a:txBody>
+                  <a:tcPr marL="17433" marR="17433" marT="17433" marB="17433">
+                    <a:lnL w="6350" cap="flat" cmpd="sng" algn="ctr">
+                      <a:solidFill>
+                        <a:srgbClr val="99ACC2"/>
+                      </a:solidFill>
+                      <a:prstDash val="solid"/>
+                      <a:round/>
+                      <a:headEnd type="none" w="med" len="med"/>
+                      <a:tailEnd type="none" w="med" len="med"/>
+                    </a:lnL>
+                    <a:lnR w="6350" cap="flat" cmpd="sng" algn="ctr">
+                      <a:solidFill>
+                        <a:srgbClr val="99ACC2"/>
+                      </a:solidFill>
+                      <a:prstDash val="solid"/>
+                      <a:round/>
+                      <a:headEnd type="none" w="med" len="med"/>
+                      <a:tailEnd type="none" w="med" len="med"/>
+                    </a:lnR>
+                    <a:lnT w="6350" cap="flat" cmpd="sng" algn="ctr">
+                      <a:solidFill>
+                        <a:srgbClr val="99ACC2"/>
+                      </a:solidFill>
+                      <a:prstDash val="solid"/>
+                      <a:round/>
+                      <a:headEnd type="none" w="med" len="med"/>
+                      <a:tailEnd type="none" w="med" len="med"/>
+                    </a:lnT>
+                    <a:lnB w="6350" cap="flat" cmpd="sng" algn="ctr">
+                      <a:solidFill>
+                        <a:srgbClr val="99ACC2"/>
+                      </a:solidFill>
+                      <a:prstDash val="solid"/>
+                      <a:round/>
+                      <a:headEnd type="none" w="med" len="med"/>
+                      <a:tailEnd type="none" w="med" len="med"/>
+                    </a:lnB>
+                    <a:solidFill>
+                      <a:srgbClr val="EFFAFF"/>
+                    </a:solidFill>
+                  </a:tcPr>
+                </a:tc>
+                <a:extLst>
+                  <a:ext uri="{0D108BD9-81ED-4DB2-BD59-A6C34878D82A}">
+                    <a16:rowId xmlns:a16="http://schemas.microsoft.com/office/drawing/2014/main" val="3747580549"/>
+                  </a:ext>
+                </a:extLst>
+              </a:tr>
+              <a:tr h="524414">
+                <a:tc>
+                  <a:txBody>
+                    <a:bodyPr/>
+                    <a:lstStyle/>
+                    <a:p>
+                      <a:pPr fontAlgn="t"/>
+                      <a:r>
+                        <a:rPr lang="en-US" sz="1300" dirty="0">
+                          <a:effectLst/>
+                        </a:rPr>
+                        <a:t># of Automated Test Cases</a:t>
+                      </a:r>
+                    </a:p>
+                  </a:txBody>
+                  <a:tcPr marL="17433" marR="17433" marT="17433" marB="17433">
+                    <a:lnL w="6350" cap="flat" cmpd="sng" algn="ctr">
+                      <a:solidFill>
+                        <a:srgbClr val="99ACC2"/>
+                      </a:solidFill>
+                      <a:prstDash val="solid"/>
+                      <a:round/>
+                      <a:headEnd type="none" w="med" len="med"/>
+                      <a:tailEnd type="none" w="med" len="med"/>
+                    </a:lnL>
+                    <a:lnR w="6350" cap="flat" cmpd="sng" algn="ctr">
+                      <a:solidFill>
+                        <a:srgbClr val="99ACC2"/>
+                      </a:solidFill>
+                      <a:prstDash val="solid"/>
+                      <a:round/>
+                      <a:headEnd type="none" w="med" len="med"/>
+                      <a:tailEnd type="none" w="med" len="med"/>
+                    </a:lnR>
+                    <a:lnT w="6350" cap="flat" cmpd="sng" algn="ctr">
+                      <a:solidFill>
+                        <a:srgbClr val="99ACC2"/>
+                      </a:solidFill>
+                      <a:prstDash val="solid"/>
+                      <a:round/>
+                      <a:headEnd type="none" w="med" len="med"/>
+                      <a:tailEnd type="none" w="med" len="med"/>
+                    </a:lnT>
+                    <a:lnB w="6350" cap="flat" cmpd="sng" algn="ctr">
+                      <a:solidFill>
+                        <a:srgbClr val="99ACC2"/>
+                      </a:solidFill>
+                      <a:prstDash val="solid"/>
+                      <a:round/>
+                      <a:headEnd type="none" w="med" len="med"/>
+                      <a:tailEnd type="none" w="med" len="med"/>
+                    </a:lnB>
+                  </a:tcPr>
+                </a:tc>
+                <a:tc>
+                  <a:txBody>
+                    <a:bodyPr/>
+                    <a:lstStyle/>
+                    <a:p>
+                      <a:pPr fontAlgn="t"/>
+                      <a:r>
+                        <a:rPr lang="en-US" sz="1300" dirty="0">
+                          <a:effectLst/>
+                        </a:rPr>
+                        <a:t>1550</a:t>
+                      </a:r>
+                    </a:p>
+                  </a:txBody>
+                  <a:tcPr marL="17433" marR="17433" marT="17433" marB="17433">
+                    <a:lnL w="6350" cap="flat" cmpd="sng" algn="ctr">
+                      <a:solidFill>
+                        <a:srgbClr val="99ACC2"/>
+                      </a:solidFill>
+                      <a:prstDash val="solid"/>
+                      <a:round/>
+                      <a:headEnd type="none" w="med" len="med"/>
+                      <a:tailEnd type="none" w="med" len="med"/>
+                    </a:lnL>
+                    <a:lnR w="6350" cap="flat" cmpd="sng" algn="ctr">
+                      <a:solidFill>
+                        <a:srgbClr val="99ACC2"/>
+                      </a:solidFill>
+                      <a:prstDash val="solid"/>
+                      <a:round/>
+                      <a:headEnd type="none" w="med" len="med"/>
+                      <a:tailEnd type="none" w="med" len="med"/>
+                    </a:lnR>
+                    <a:lnT w="6350" cap="flat" cmpd="sng" algn="ctr">
+                      <a:solidFill>
+                        <a:srgbClr val="99ACC2"/>
+                      </a:solidFill>
+                      <a:prstDash val="solid"/>
+                      <a:round/>
+                      <a:headEnd type="none" w="med" len="med"/>
+                      <a:tailEnd type="none" w="med" len="med"/>
+                    </a:lnT>
+                    <a:lnB w="6350" cap="flat" cmpd="sng" algn="ctr">
+                      <a:solidFill>
+                        <a:srgbClr val="99ACC2"/>
+                      </a:solidFill>
+                      <a:prstDash val="solid"/>
+                      <a:round/>
+                      <a:headEnd type="none" w="med" len="med"/>
+                      <a:tailEnd type="none" w="med" len="med"/>
+                    </a:lnB>
+                  </a:tcPr>
+                </a:tc>
+                <a:extLst>
+                  <a:ext uri="{0D108BD9-81ED-4DB2-BD59-A6C34878D82A}">
+                    <a16:rowId xmlns:a16="http://schemas.microsoft.com/office/drawing/2014/main" val="4181845949"/>
+                  </a:ext>
+                </a:extLst>
+              </a:tr>
+              <a:tr h="524414">
+                <a:tc>
+                  <a:txBody>
+                    <a:bodyPr/>
+                    <a:lstStyle/>
+                    <a:p>
+                      <a:pPr fontAlgn="t"/>
+                      <a:r>
+                        <a:rPr lang="en-US" sz="1300" dirty="0">
+                          <a:effectLst/>
+                        </a:rPr>
+                        <a:t>Avg. Execution Time of Manual Test Cases (min)</a:t>
+                      </a:r>
+                    </a:p>
+                  </a:txBody>
+                  <a:tcPr marL="17433" marR="17433" marT="17433" marB="17433">
+                    <a:lnL w="6350" cap="flat" cmpd="sng" algn="ctr">
+                      <a:solidFill>
+                        <a:srgbClr val="99ACC2"/>
+                      </a:solidFill>
+                      <a:prstDash val="solid"/>
+                      <a:round/>
+                      <a:headEnd type="none" w="med" len="med"/>
+                      <a:tailEnd type="none" w="med" len="med"/>
+                    </a:lnL>
+                    <a:lnR w="6350" cap="flat" cmpd="sng" algn="ctr">
+                      <a:solidFill>
+                        <a:srgbClr val="99ACC2"/>
+                      </a:solidFill>
+                      <a:prstDash val="solid"/>
+                      <a:round/>
+                      <a:headEnd type="none" w="med" len="med"/>
+                      <a:tailEnd type="none" w="med" len="med"/>
+                    </a:lnR>
+                    <a:lnT w="6350" cap="flat" cmpd="sng" algn="ctr">
+                      <a:solidFill>
+                        <a:srgbClr val="99ACC2"/>
+                      </a:solidFill>
+                      <a:prstDash val="solid"/>
+                      <a:round/>
+                      <a:headEnd type="none" w="med" len="med"/>
+                      <a:tailEnd type="none" w="med" len="med"/>
+                    </a:lnT>
+                    <a:lnB w="6350" cap="flat" cmpd="sng" algn="ctr">
+                      <a:solidFill>
+                        <a:srgbClr val="99ACC2"/>
+                      </a:solidFill>
+                      <a:prstDash val="solid"/>
+                      <a:round/>
+                      <a:headEnd type="none" w="med" len="med"/>
+                      <a:tailEnd type="none" w="med" len="med"/>
+                    </a:lnB>
+                    <a:solidFill>
+                      <a:srgbClr val="EFFAFF"/>
+                    </a:solidFill>
+                  </a:tcPr>
+                </a:tc>
+                <a:tc>
+                  <a:txBody>
+                    <a:bodyPr/>
+                    <a:lstStyle/>
+                    <a:p>
+                      <a:pPr fontAlgn="t"/>
+                      <a:r>
+                        <a:rPr lang="en-US" sz="1300" dirty="0">
+                          <a:effectLst/>
+                        </a:rPr>
+                        <a:t>45</a:t>
+                      </a:r>
+                    </a:p>
+                  </a:txBody>
+                  <a:tcPr marL="17433" marR="17433" marT="17433" marB="17433">
+                    <a:lnL w="6350" cap="flat" cmpd="sng" algn="ctr">
+                      <a:solidFill>
+                        <a:srgbClr val="99ACC2"/>
+                      </a:solidFill>
+                      <a:prstDash val="solid"/>
+                      <a:round/>
+                      <a:headEnd type="none" w="med" len="med"/>
+                      <a:tailEnd type="none" w="med" len="med"/>
+                    </a:lnL>
+                    <a:lnR w="6350" cap="flat" cmpd="sng" algn="ctr">
+                      <a:solidFill>
+                        <a:srgbClr val="99ACC2"/>
+                      </a:solidFill>
+                      <a:prstDash val="solid"/>
+                      <a:round/>
+                      <a:headEnd type="none" w="med" len="med"/>
+                      <a:tailEnd type="none" w="med" len="med"/>
+                    </a:lnR>
+                    <a:lnT w="6350" cap="flat" cmpd="sng" algn="ctr">
+                      <a:solidFill>
+                        <a:srgbClr val="99ACC2"/>
+                      </a:solidFill>
+                      <a:prstDash val="solid"/>
+                      <a:round/>
+                      <a:headEnd type="none" w="med" len="med"/>
+                      <a:tailEnd type="none" w="med" len="med"/>
+                    </a:lnT>
+                    <a:lnB w="6350" cap="flat" cmpd="sng" algn="ctr">
+                      <a:solidFill>
+                        <a:srgbClr val="99ACC2"/>
+                      </a:solidFill>
+                      <a:prstDash val="solid"/>
+                      <a:round/>
+                      <a:headEnd type="none" w="med" len="med"/>
+                      <a:tailEnd type="none" w="med" len="med"/>
+                    </a:lnB>
+                    <a:solidFill>
+                      <a:srgbClr val="EFFAFF"/>
+                    </a:solidFill>
+                  </a:tcPr>
+                </a:tc>
+                <a:extLst>
+                  <a:ext uri="{0D108BD9-81ED-4DB2-BD59-A6C34878D82A}">
+                    <a16:rowId xmlns:a16="http://schemas.microsoft.com/office/drawing/2014/main" val="1762808266"/>
+                  </a:ext>
+                </a:extLst>
+              </a:tr>
+              <a:tr h="765414">
+                <a:tc>
+                  <a:txBody>
+                    <a:bodyPr/>
+                    <a:lstStyle/>
+                    <a:p>
+                      <a:pPr fontAlgn="t"/>
+                      <a:r>
+                        <a:rPr lang="en-US" sz="1300" dirty="0">
+                          <a:effectLst/>
+                        </a:rPr>
+                        <a:t>Avg. Execution Time of Automation Test Cases (min)</a:t>
+                      </a:r>
+                    </a:p>
+                  </a:txBody>
+                  <a:tcPr marL="17433" marR="17433" marT="17433" marB="17433">
+                    <a:lnL w="6350" cap="flat" cmpd="sng" algn="ctr">
+                      <a:solidFill>
+                        <a:srgbClr val="99ACC2"/>
+                      </a:solidFill>
+                      <a:prstDash val="solid"/>
+                      <a:round/>
+                      <a:headEnd type="none" w="med" len="med"/>
+                      <a:tailEnd type="none" w="med" len="med"/>
+                    </a:lnL>
+                    <a:lnR w="6350" cap="flat" cmpd="sng" algn="ctr">
+                      <a:solidFill>
+                        <a:srgbClr val="99ACC2"/>
+                      </a:solidFill>
+                      <a:prstDash val="solid"/>
+                      <a:round/>
+                      <a:headEnd type="none" w="med" len="med"/>
+                      <a:tailEnd type="none" w="med" len="med"/>
+                    </a:lnR>
+                    <a:lnT w="6350" cap="flat" cmpd="sng" algn="ctr">
+                      <a:solidFill>
+                        <a:srgbClr val="99ACC2"/>
+                      </a:solidFill>
+                      <a:prstDash val="solid"/>
+                      <a:round/>
+                      <a:headEnd type="none" w="med" len="med"/>
+                      <a:tailEnd type="none" w="med" len="med"/>
+                    </a:lnT>
+                    <a:lnB w="6350" cap="flat" cmpd="sng" algn="ctr">
+                      <a:solidFill>
+                        <a:srgbClr val="99ACC2"/>
+                      </a:solidFill>
+                      <a:prstDash val="solid"/>
+                      <a:round/>
+                      <a:headEnd type="none" w="med" len="med"/>
+                      <a:tailEnd type="none" w="med" len="med"/>
+                    </a:lnB>
+                  </a:tcPr>
+                </a:tc>
+                <a:tc>
+                  <a:txBody>
+                    <a:bodyPr/>
+                    <a:lstStyle/>
+                    <a:p>
+                      <a:pPr fontAlgn="t"/>
+                      <a:r>
+                        <a:rPr lang="en-US" sz="1300" dirty="0">
+                          <a:effectLst/>
+                        </a:rPr>
+                        <a:t>5</a:t>
+                      </a:r>
+                    </a:p>
+                  </a:txBody>
+                  <a:tcPr marL="17433" marR="17433" marT="17433" marB="17433">
+                    <a:lnL w="6350" cap="flat" cmpd="sng" algn="ctr">
+                      <a:solidFill>
+                        <a:srgbClr val="99ACC2"/>
+                      </a:solidFill>
+                      <a:prstDash val="solid"/>
+                      <a:round/>
+                      <a:headEnd type="none" w="med" len="med"/>
+                      <a:tailEnd type="none" w="med" len="med"/>
+                    </a:lnL>
+                    <a:lnR w="6350" cap="flat" cmpd="sng" algn="ctr">
+                      <a:solidFill>
+                        <a:srgbClr val="99ACC2"/>
+                      </a:solidFill>
+                      <a:prstDash val="solid"/>
+                      <a:round/>
+                      <a:headEnd type="none" w="med" len="med"/>
+                      <a:tailEnd type="none" w="med" len="med"/>
+                    </a:lnR>
+                    <a:lnT w="6350" cap="flat" cmpd="sng" algn="ctr">
+                      <a:solidFill>
+                        <a:srgbClr val="99ACC2"/>
+                      </a:solidFill>
+                      <a:prstDash val="solid"/>
+                      <a:round/>
+                      <a:headEnd type="none" w="med" len="med"/>
+                      <a:tailEnd type="none" w="med" len="med"/>
+                    </a:lnT>
+                    <a:lnB w="6350" cap="flat" cmpd="sng" algn="ctr">
+                      <a:solidFill>
+                        <a:srgbClr val="99ACC2"/>
+                      </a:solidFill>
+                      <a:prstDash val="solid"/>
+                      <a:round/>
+                      <a:headEnd type="none" w="med" len="med"/>
+                      <a:tailEnd type="none" w="med" len="med"/>
+                    </a:lnB>
+                  </a:tcPr>
+                </a:tc>
+                <a:extLst>
+                  <a:ext uri="{0D108BD9-81ED-4DB2-BD59-A6C34878D82A}">
+                    <a16:rowId xmlns:a16="http://schemas.microsoft.com/office/drawing/2014/main" val="2984816007"/>
+                  </a:ext>
+                </a:extLst>
+              </a:tr>
+              <a:tr h="765414">
+                <a:tc>
+                  <a:txBody>
+                    <a:bodyPr/>
+                    <a:lstStyle/>
+                    <a:p>
+                      <a:pPr fontAlgn="t"/>
+                      <a:r>
+                        <a:rPr lang="en-US" sz="1300" dirty="0">
+                          <a:effectLst/>
+                        </a:rPr>
+                        <a:t>Avg. Development Time of Automation Test Cases (min)</a:t>
+                      </a:r>
+                    </a:p>
+                  </a:txBody>
+                  <a:tcPr marL="17433" marR="17433" marT="17433" marB="17433">
+                    <a:lnL w="6350" cap="flat" cmpd="sng" algn="ctr">
+                      <a:solidFill>
+                        <a:srgbClr val="99ACC2"/>
+                      </a:solidFill>
+                      <a:prstDash val="solid"/>
+                      <a:round/>
+                      <a:headEnd type="none" w="med" len="med"/>
+                      <a:tailEnd type="none" w="med" len="med"/>
+                    </a:lnL>
+                    <a:lnR w="6350" cap="flat" cmpd="sng" algn="ctr">
+                      <a:solidFill>
+                        <a:srgbClr val="99ACC2"/>
+                      </a:solidFill>
+                      <a:prstDash val="solid"/>
+                      <a:round/>
+                      <a:headEnd type="none" w="med" len="med"/>
+                      <a:tailEnd type="none" w="med" len="med"/>
+                    </a:lnR>
+                    <a:lnT w="6350" cap="flat" cmpd="sng" algn="ctr">
+                      <a:solidFill>
+                        <a:srgbClr val="99ACC2"/>
+                      </a:solidFill>
+                      <a:prstDash val="solid"/>
+                      <a:round/>
+                      <a:headEnd type="none" w="med" len="med"/>
+                      <a:tailEnd type="none" w="med" len="med"/>
+                    </a:lnT>
+                    <a:lnB w="6350" cap="flat" cmpd="sng" algn="ctr">
+                      <a:solidFill>
+                        <a:srgbClr val="99ACC2"/>
+                      </a:solidFill>
+                      <a:prstDash val="solid"/>
+                      <a:round/>
+                      <a:headEnd type="none" w="med" len="med"/>
+                      <a:tailEnd type="none" w="med" len="med"/>
+                    </a:lnB>
+                    <a:solidFill>
+                      <a:srgbClr val="EFFAFF"/>
+                    </a:solidFill>
+                  </a:tcPr>
+                </a:tc>
+                <a:tc>
+                  <a:txBody>
+                    <a:bodyPr/>
+                    <a:lstStyle/>
+                    <a:p>
+                      <a:pPr fontAlgn="t"/>
+                      <a:r>
+                        <a:rPr lang="en-US" sz="1300" dirty="0">
+                          <a:effectLst/>
+                        </a:rPr>
+                        <a:t>15</a:t>
+                      </a:r>
+                    </a:p>
+                  </a:txBody>
+                  <a:tcPr marL="17433" marR="17433" marT="17433" marB="17433">
+                    <a:lnL w="6350" cap="flat" cmpd="sng" algn="ctr">
+                      <a:solidFill>
+                        <a:srgbClr val="99ACC2"/>
+                      </a:solidFill>
+                      <a:prstDash val="solid"/>
+                      <a:round/>
+                      <a:headEnd type="none" w="med" len="med"/>
+                      <a:tailEnd type="none" w="med" len="med"/>
+                    </a:lnL>
+                    <a:lnR w="6350" cap="flat" cmpd="sng" algn="ctr">
+                      <a:solidFill>
+                        <a:srgbClr val="99ACC2"/>
+                      </a:solidFill>
+                      <a:prstDash val="solid"/>
+                      <a:round/>
+                      <a:headEnd type="none" w="med" len="med"/>
+                      <a:tailEnd type="none" w="med" len="med"/>
+                    </a:lnR>
+                    <a:lnT w="6350" cap="flat" cmpd="sng" algn="ctr">
+                      <a:solidFill>
+                        <a:srgbClr val="99ACC2"/>
+                      </a:solidFill>
+                      <a:prstDash val="solid"/>
+                      <a:round/>
+                      <a:headEnd type="none" w="med" len="med"/>
+                      <a:tailEnd type="none" w="med" len="med"/>
+                    </a:lnT>
+                    <a:lnB w="6350" cap="flat" cmpd="sng" algn="ctr">
+                      <a:solidFill>
+                        <a:srgbClr val="99ACC2"/>
+                      </a:solidFill>
+                      <a:prstDash val="solid"/>
+                      <a:round/>
+                      <a:headEnd type="none" w="med" len="med"/>
+                      <a:tailEnd type="none" w="med" len="med"/>
+                    </a:lnB>
+                    <a:solidFill>
+                      <a:srgbClr val="EFFAFF"/>
+                    </a:solidFill>
+                  </a:tcPr>
+                </a:tc>
+                <a:extLst>
+                  <a:ext uri="{0D108BD9-81ED-4DB2-BD59-A6C34878D82A}">
+                    <a16:rowId xmlns:a16="http://schemas.microsoft.com/office/drawing/2014/main" val="1986760236"/>
+                  </a:ext>
+                </a:extLst>
+              </a:tr>
+              <a:tr h="765414">
+                <a:tc>
+                  <a:txBody>
+                    <a:bodyPr/>
+                    <a:lstStyle/>
+                    <a:p>
+                      <a:pPr fontAlgn="t"/>
+                      <a:r>
+                        <a:rPr lang="en-US" sz="1300" dirty="0">
+                          <a:effectLst/>
+                        </a:rPr>
+                        <a:t>Avg. Development Time of Manual Test Cases (min)</a:t>
+                      </a:r>
+                    </a:p>
+                  </a:txBody>
+                  <a:tcPr marL="17433" marR="17433" marT="17433" marB="17433">
+                    <a:lnL w="6350" cap="flat" cmpd="sng" algn="ctr">
+                      <a:solidFill>
+                        <a:srgbClr val="99ACC2"/>
+                      </a:solidFill>
+                      <a:prstDash val="solid"/>
+                      <a:round/>
+                      <a:headEnd type="none" w="med" len="med"/>
+                      <a:tailEnd type="none" w="med" len="med"/>
+                    </a:lnL>
+                    <a:lnR w="6350" cap="flat" cmpd="sng" algn="ctr">
+                      <a:solidFill>
+                        <a:srgbClr val="99ACC2"/>
+                      </a:solidFill>
+                      <a:prstDash val="solid"/>
+                      <a:round/>
+                      <a:headEnd type="none" w="med" len="med"/>
+                      <a:tailEnd type="none" w="med" len="med"/>
+                    </a:lnR>
+                    <a:lnT w="6350" cap="flat" cmpd="sng" algn="ctr">
+                      <a:solidFill>
+                        <a:srgbClr val="99ACC2"/>
+                      </a:solidFill>
+                      <a:prstDash val="solid"/>
+                      <a:round/>
+                      <a:headEnd type="none" w="med" len="med"/>
+                      <a:tailEnd type="none" w="med" len="med"/>
+                    </a:lnT>
+                    <a:lnB w="6350" cap="flat" cmpd="sng" algn="ctr">
+                      <a:solidFill>
+                        <a:srgbClr val="99ACC2"/>
+                      </a:solidFill>
+                      <a:prstDash val="solid"/>
+                      <a:round/>
+                      <a:headEnd type="none" w="med" len="med"/>
+                      <a:tailEnd type="none" w="med" len="med"/>
+                    </a:lnB>
+                  </a:tcPr>
+                </a:tc>
+                <a:tc>
+                  <a:txBody>
+                    <a:bodyPr/>
+                    <a:lstStyle/>
+                    <a:p>
+                      <a:pPr fontAlgn="t"/>
+                      <a:r>
+                        <a:rPr lang="en-US" sz="1300" dirty="0">
+                          <a:effectLst/>
+                        </a:rPr>
+                        <a:t>120</a:t>
+                      </a:r>
+                    </a:p>
+                  </a:txBody>
+                  <a:tcPr marL="17433" marR="17433" marT="17433" marB="17433">
+                    <a:lnL w="6350" cap="flat" cmpd="sng" algn="ctr">
+                      <a:solidFill>
+                        <a:srgbClr val="99ACC2"/>
+                      </a:solidFill>
+                      <a:prstDash val="solid"/>
+                      <a:round/>
+                      <a:headEnd type="none" w="med" len="med"/>
+                      <a:tailEnd type="none" w="med" len="med"/>
+                    </a:lnL>
+                    <a:lnR w="6350" cap="flat" cmpd="sng" algn="ctr">
+                      <a:solidFill>
+                        <a:srgbClr val="99ACC2"/>
+                      </a:solidFill>
+                      <a:prstDash val="solid"/>
+                      <a:round/>
+                      <a:headEnd type="none" w="med" len="med"/>
+                      <a:tailEnd type="none" w="med" len="med"/>
+                    </a:lnR>
+                    <a:lnT w="6350" cap="flat" cmpd="sng" algn="ctr">
+                      <a:solidFill>
+                        <a:srgbClr val="99ACC2"/>
+                      </a:solidFill>
+                      <a:prstDash val="solid"/>
+                      <a:round/>
+                      <a:headEnd type="none" w="med" len="med"/>
+                      <a:tailEnd type="none" w="med" len="med"/>
+                    </a:lnT>
+                    <a:lnB w="6350" cap="flat" cmpd="sng" algn="ctr">
+                      <a:solidFill>
+                        <a:srgbClr val="99ACC2"/>
+                      </a:solidFill>
+                      <a:prstDash val="solid"/>
+                      <a:round/>
+                      <a:headEnd type="none" w="med" len="med"/>
+                      <a:tailEnd type="none" w="med" len="med"/>
+                    </a:lnB>
+                  </a:tcPr>
+                </a:tc>
+                <a:extLst>
+                  <a:ext uri="{0D108BD9-81ED-4DB2-BD59-A6C34878D82A}">
+                    <a16:rowId xmlns:a16="http://schemas.microsoft.com/office/drawing/2014/main" val="2874530424"/>
+                  </a:ext>
+                </a:extLst>
+              </a:tr>
+              <a:tr h="524414">
+                <a:tc>
+                  <a:txBody>
+                    <a:bodyPr/>
+                    <a:lstStyle/>
+                    <a:p>
+                      <a:pPr fontAlgn="t"/>
+                      <a:r>
+                        <a:rPr lang="en-US" sz="1300" dirty="0">
+                          <a:effectLst/>
+                        </a:rPr>
+                        <a:t>Number of Test Server Instances</a:t>
+                      </a:r>
+                    </a:p>
+                  </a:txBody>
+                  <a:tcPr marL="17433" marR="17433" marT="17433" marB="17433">
+                    <a:lnL w="6350" cap="flat" cmpd="sng" algn="ctr">
+                      <a:solidFill>
+                        <a:srgbClr val="99ACC2"/>
+                      </a:solidFill>
+                      <a:prstDash val="solid"/>
+                      <a:round/>
+                      <a:headEnd type="none" w="med" len="med"/>
+                      <a:tailEnd type="none" w="med" len="med"/>
+                    </a:lnL>
+                    <a:lnR w="6350" cap="flat" cmpd="sng" algn="ctr">
+                      <a:solidFill>
+                        <a:srgbClr val="99ACC2"/>
+                      </a:solidFill>
+                      <a:prstDash val="solid"/>
+                      <a:round/>
+                      <a:headEnd type="none" w="med" len="med"/>
+                      <a:tailEnd type="none" w="med" len="med"/>
+                    </a:lnR>
+                    <a:lnT w="6350" cap="flat" cmpd="sng" algn="ctr">
+                      <a:solidFill>
+                        <a:srgbClr val="99ACC2"/>
+                      </a:solidFill>
+                      <a:prstDash val="solid"/>
+                      <a:round/>
+                      <a:headEnd type="none" w="med" len="med"/>
+                      <a:tailEnd type="none" w="med" len="med"/>
+                    </a:lnT>
+                    <a:lnB w="6350" cap="flat" cmpd="sng" algn="ctr">
+                      <a:solidFill>
+                        <a:srgbClr val="99ACC2"/>
+                      </a:solidFill>
+                      <a:prstDash val="solid"/>
+                      <a:round/>
+                      <a:headEnd type="none" w="med" len="med"/>
+                      <a:tailEnd type="none" w="med" len="med"/>
+                    </a:lnB>
+                    <a:solidFill>
+                      <a:srgbClr val="EFFAFF"/>
+                    </a:solidFill>
+                  </a:tcPr>
+                </a:tc>
+                <a:tc>
+                  <a:txBody>
+                    <a:bodyPr/>
+                    <a:lstStyle/>
+                    <a:p>
+                      <a:pPr fontAlgn="t"/>
+                      <a:r>
+                        <a:rPr lang="en-US" sz="1300" dirty="0">
+                          <a:effectLst/>
+                        </a:rPr>
+                        <a:t>12</a:t>
+                      </a:r>
+                    </a:p>
+                  </a:txBody>
+                  <a:tcPr marL="17433" marR="17433" marT="17433" marB="17433">
+                    <a:lnL w="6350" cap="flat" cmpd="sng" algn="ctr">
+                      <a:solidFill>
+                        <a:srgbClr val="99ACC2"/>
+                      </a:solidFill>
+                      <a:prstDash val="solid"/>
+                      <a:round/>
+                      <a:headEnd type="none" w="med" len="med"/>
+                      <a:tailEnd type="none" w="med" len="med"/>
+                    </a:lnL>
+                    <a:lnR w="6350" cap="flat" cmpd="sng" algn="ctr">
+                      <a:solidFill>
+                        <a:srgbClr val="99ACC2"/>
+                      </a:solidFill>
+                      <a:prstDash val="solid"/>
+                      <a:round/>
+                      <a:headEnd type="none" w="med" len="med"/>
+                      <a:tailEnd type="none" w="med" len="med"/>
+                    </a:lnR>
+                    <a:lnT w="6350" cap="flat" cmpd="sng" algn="ctr">
+                      <a:solidFill>
+                        <a:srgbClr val="99ACC2"/>
+                      </a:solidFill>
+                      <a:prstDash val="solid"/>
+                      <a:round/>
+                      <a:headEnd type="none" w="med" len="med"/>
+                      <a:tailEnd type="none" w="med" len="med"/>
+                    </a:lnT>
+                    <a:lnB w="6350" cap="flat" cmpd="sng" algn="ctr">
+                      <a:solidFill>
+                        <a:srgbClr val="99ACC2"/>
+                      </a:solidFill>
+                      <a:prstDash val="solid"/>
+                      <a:round/>
+                      <a:headEnd type="none" w="med" len="med"/>
+                      <a:tailEnd type="none" w="med" len="med"/>
+                    </a:lnB>
+                    <a:solidFill>
+                      <a:srgbClr val="EFFAFF"/>
+                    </a:solidFill>
+                  </a:tcPr>
+                </a:tc>
+                <a:extLst>
+                  <a:ext uri="{0D108BD9-81ED-4DB2-BD59-A6C34878D82A}">
+                    <a16:rowId xmlns:a16="http://schemas.microsoft.com/office/drawing/2014/main" val="2673382776"/>
+                  </a:ext>
+                </a:extLst>
+              </a:tr>
+              <a:tr h="283413">
+                <a:tc>
+                  <a:txBody>
+                    <a:bodyPr/>
+                    <a:lstStyle/>
+                    <a:p>
+                      <a:pPr fontAlgn="t"/>
+                      <a:r>
+                        <a:rPr lang="en-US" sz="1300" dirty="0">
+                          <a:effectLst/>
+                        </a:rPr>
+                        <a:t>Nightly Run</a:t>
+                      </a:r>
+                    </a:p>
+                  </a:txBody>
+                  <a:tcPr marL="17433" marR="17433" marT="17433" marB="17433">
+                    <a:lnL w="6350" cap="flat" cmpd="sng" algn="ctr">
+                      <a:solidFill>
+                        <a:srgbClr val="99ACC2"/>
+                      </a:solidFill>
+                      <a:prstDash val="solid"/>
+                      <a:round/>
+                      <a:headEnd type="none" w="med" len="med"/>
+                      <a:tailEnd type="none" w="med" len="med"/>
+                    </a:lnL>
+                    <a:lnR w="6350" cap="flat" cmpd="sng" algn="ctr">
+                      <a:solidFill>
+                        <a:srgbClr val="99ACC2"/>
+                      </a:solidFill>
+                      <a:prstDash val="solid"/>
+                      <a:round/>
+                      <a:headEnd type="none" w="med" len="med"/>
+                      <a:tailEnd type="none" w="med" len="med"/>
+                    </a:lnR>
+                    <a:lnT w="6350" cap="flat" cmpd="sng" algn="ctr">
+                      <a:solidFill>
+                        <a:srgbClr val="99ACC2"/>
+                      </a:solidFill>
+                      <a:prstDash val="solid"/>
+                      <a:round/>
+                      <a:headEnd type="none" w="med" len="med"/>
+                      <a:tailEnd type="none" w="med" len="med"/>
+                    </a:lnT>
+                    <a:lnB w="6350" cap="flat" cmpd="sng" algn="ctr">
+                      <a:solidFill>
+                        <a:srgbClr val="99ACC2"/>
+                      </a:solidFill>
+                      <a:prstDash val="solid"/>
+                      <a:round/>
+                      <a:headEnd type="none" w="med" len="med"/>
+                      <a:tailEnd type="none" w="med" len="med"/>
+                    </a:lnB>
+                  </a:tcPr>
+                </a:tc>
+                <a:tc>
+                  <a:txBody>
+                    <a:bodyPr/>
+                    <a:lstStyle/>
+                    <a:p>
+                      <a:pPr fontAlgn="t"/>
+                      <a:r>
+                        <a:rPr lang="en-US" sz="1300" dirty="0">
+                          <a:effectLst/>
+                        </a:rPr>
+                        <a:t>Yes</a:t>
+                      </a:r>
+                    </a:p>
+                  </a:txBody>
+                  <a:tcPr marL="17433" marR="17433" marT="17433" marB="17433">
+                    <a:lnL w="6350" cap="flat" cmpd="sng" algn="ctr">
+                      <a:solidFill>
+                        <a:srgbClr val="99ACC2"/>
+                      </a:solidFill>
+                      <a:prstDash val="solid"/>
+                      <a:round/>
+                      <a:headEnd type="none" w="med" len="med"/>
+                      <a:tailEnd type="none" w="med" len="med"/>
+                    </a:lnL>
+                    <a:lnR w="6350" cap="flat" cmpd="sng" algn="ctr">
+                      <a:solidFill>
+                        <a:srgbClr val="99ACC2"/>
+                      </a:solidFill>
+                      <a:prstDash val="solid"/>
+                      <a:round/>
+                      <a:headEnd type="none" w="med" len="med"/>
+                      <a:tailEnd type="none" w="med" len="med"/>
+                    </a:lnR>
+                    <a:lnT w="6350" cap="flat" cmpd="sng" algn="ctr">
+                      <a:solidFill>
+                        <a:srgbClr val="99ACC2"/>
+                      </a:solidFill>
+                      <a:prstDash val="solid"/>
+                      <a:round/>
+                      <a:headEnd type="none" w="med" len="med"/>
+                      <a:tailEnd type="none" w="med" len="med"/>
+                    </a:lnT>
+                    <a:lnB w="6350" cap="flat" cmpd="sng" algn="ctr">
+                      <a:solidFill>
+                        <a:srgbClr val="99ACC2"/>
+                      </a:solidFill>
+                      <a:prstDash val="solid"/>
+                      <a:round/>
+                      <a:headEnd type="none" w="med" len="med"/>
+                      <a:tailEnd type="none" w="med" len="med"/>
+                    </a:lnB>
+                  </a:tcPr>
+                </a:tc>
+                <a:extLst>
+                  <a:ext uri="{0D108BD9-81ED-4DB2-BD59-A6C34878D82A}">
+                    <a16:rowId xmlns:a16="http://schemas.microsoft.com/office/drawing/2014/main" val="3757589679"/>
+                  </a:ext>
+                </a:extLst>
+              </a:tr>
+              <a:tr h="283413">
+                <a:tc>
+                  <a:txBody>
+                    <a:bodyPr/>
+                    <a:lstStyle/>
+                    <a:p>
+                      <a:pPr fontAlgn="t"/>
+                      <a:r>
+                        <a:rPr lang="en-US" sz="1300" dirty="0">
+                          <a:effectLst/>
+                        </a:rPr>
+                        <a:t>Number of Test Cycles</a:t>
+                      </a:r>
+                    </a:p>
+                  </a:txBody>
+                  <a:tcPr marL="17433" marR="17433" marT="17433" marB="17433">
+                    <a:lnL w="6350" cap="flat" cmpd="sng" algn="ctr">
+                      <a:solidFill>
+                        <a:srgbClr val="99ACC2"/>
+                      </a:solidFill>
+                      <a:prstDash val="solid"/>
+                      <a:round/>
+                      <a:headEnd type="none" w="med" len="med"/>
+                      <a:tailEnd type="none" w="med" len="med"/>
+                    </a:lnL>
+                    <a:lnR w="6350" cap="flat" cmpd="sng" algn="ctr">
+                      <a:solidFill>
+                        <a:srgbClr val="99ACC2"/>
+                      </a:solidFill>
+                      <a:prstDash val="solid"/>
+                      <a:round/>
+                      <a:headEnd type="none" w="med" len="med"/>
+                      <a:tailEnd type="none" w="med" len="med"/>
+                    </a:lnR>
+                    <a:lnT w="6350" cap="flat" cmpd="sng" algn="ctr">
+                      <a:solidFill>
+                        <a:srgbClr val="99ACC2"/>
+                      </a:solidFill>
+                      <a:prstDash val="solid"/>
+                      <a:round/>
+                      <a:headEnd type="none" w="med" len="med"/>
+                      <a:tailEnd type="none" w="med" len="med"/>
+                    </a:lnT>
+                    <a:lnB w="6350" cap="flat" cmpd="sng" algn="ctr">
+                      <a:solidFill>
+                        <a:srgbClr val="99ACC2"/>
+                      </a:solidFill>
+                      <a:prstDash val="solid"/>
+                      <a:round/>
+                      <a:headEnd type="none" w="med" len="med"/>
+                      <a:tailEnd type="none" w="med" len="med"/>
+                    </a:lnB>
+                    <a:solidFill>
+                      <a:srgbClr val="EFFAFF"/>
+                    </a:solidFill>
+                  </a:tcPr>
+                </a:tc>
+                <a:tc>
+                  <a:txBody>
+                    <a:bodyPr/>
+                    <a:lstStyle/>
+                    <a:p>
+                      <a:pPr fontAlgn="t"/>
+                      <a:r>
+                        <a:rPr lang="en-US" sz="1300" dirty="0">
+                          <a:effectLst/>
+                        </a:rPr>
+                        <a:t>20</a:t>
+                      </a:r>
+                    </a:p>
+                  </a:txBody>
+                  <a:tcPr marL="17433" marR="17433" marT="17433" marB="17433">
+                    <a:lnL w="6350" cap="flat" cmpd="sng" algn="ctr">
+                      <a:solidFill>
+                        <a:srgbClr val="99ACC2"/>
+                      </a:solidFill>
+                      <a:prstDash val="solid"/>
+                      <a:round/>
+                      <a:headEnd type="none" w="med" len="med"/>
+                      <a:tailEnd type="none" w="med" len="med"/>
+                    </a:lnL>
+                    <a:lnR w="6350" cap="flat" cmpd="sng" algn="ctr">
+                      <a:solidFill>
+                        <a:srgbClr val="99ACC2"/>
+                      </a:solidFill>
+                      <a:prstDash val="solid"/>
+                      <a:round/>
+                      <a:headEnd type="none" w="med" len="med"/>
+                      <a:tailEnd type="none" w="med" len="med"/>
+                    </a:lnR>
+                    <a:lnT w="6350" cap="flat" cmpd="sng" algn="ctr">
+                      <a:solidFill>
+                        <a:srgbClr val="99ACC2"/>
+                      </a:solidFill>
+                      <a:prstDash val="solid"/>
+                      <a:round/>
+                      <a:headEnd type="none" w="med" len="med"/>
+                      <a:tailEnd type="none" w="med" len="med"/>
+                    </a:lnT>
+                    <a:lnB w="6350" cap="flat" cmpd="sng" algn="ctr">
+                      <a:solidFill>
+                        <a:srgbClr val="99ACC2"/>
+                      </a:solidFill>
+                      <a:prstDash val="solid"/>
+                      <a:round/>
+                      <a:headEnd type="none" w="med" len="med"/>
+                      <a:tailEnd type="none" w="med" len="med"/>
+                    </a:lnB>
+                    <a:solidFill>
+                      <a:srgbClr val="EFFAFF"/>
+                    </a:solidFill>
+                  </a:tcPr>
+                </a:tc>
+                <a:extLst>
+                  <a:ext uri="{0D108BD9-81ED-4DB2-BD59-A6C34878D82A}">
+                    <a16:rowId xmlns:a16="http://schemas.microsoft.com/office/drawing/2014/main" val="3755628530"/>
+                  </a:ext>
+                </a:extLst>
+              </a:tr>
+              <a:tr h="283413">
+                <a:tc>
+                  <a:txBody>
+                    <a:bodyPr/>
+                    <a:lstStyle/>
+                    <a:p>
+                      <a:pPr fontAlgn="t"/>
+                      <a:r>
+                        <a:rPr lang="en-US" sz="1300" dirty="0">
+                          <a:effectLst/>
+                        </a:rPr>
+                        <a:t>License Cost</a:t>
+                      </a:r>
+                    </a:p>
+                  </a:txBody>
+                  <a:tcPr marL="17433" marR="17433" marT="17433" marB="17433">
+                    <a:lnL w="6350" cap="flat" cmpd="sng" algn="ctr">
+                      <a:solidFill>
+                        <a:srgbClr val="99ACC2"/>
+                      </a:solidFill>
+                      <a:prstDash val="solid"/>
+                      <a:round/>
+                      <a:headEnd type="none" w="med" len="med"/>
+                      <a:tailEnd type="none" w="med" len="med"/>
+                    </a:lnL>
+                    <a:lnR w="6350" cap="flat" cmpd="sng" algn="ctr">
+                      <a:solidFill>
+                        <a:srgbClr val="99ACC2"/>
+                      </a:solidFill>
+                      <a:prstDash val="solid"/>
+                      <a:round/>
+                      <a:headEnd type="none" w="med" len="med"/>
+                      <a:tailEnd type="none" w="med" len="med"/>
+                    </a:lnR>
+                    <a:lnT w="6350" cap="flat" cmpd="sng" algn="ctr">
+                      <a:solidFill>
+                        <a:srgbClr val="99ACC2"/>
+                      </a:solidFill>
+                      <a:prstDash val="solid"/>
+                      <a:round/>
+                      <a:headEnd type="none" w="med" len="med"/>
+                      <a:tailEnd type="none" w="med" len="med"/>
+                    </a:lnT>
+                    <a:lnB w="6350" cap="flat" cmpd="sng" algn="ctr">
+                      <a:solidFill>
+                        <a:srgbClr val="99ACC2"/>
+                      </a:solidFill>
+                      <a:prstDash val="solid"/>
+                      <a:round/>
+                      <a:headEnd type="none" w="med" len="med"/>
+                      <a:tailEnd type="none" w="med" len="med"/>
+                    </a:lnB>
+                  </a:tcPr>
+                </a:tc>
+                <a:tc>
+                  <a:txBody>
+                    <a:bodyPr/>
+                    <a:lstStyle/>
+                    <a:p>
+                      <a:pPr fontAlgn="t"/>
+                      <a:r>
+                        <a:rPr lang="en-US" sz="1300" dirty="0">
+                          <a:effectLst/>
+                        </a:rPr>
+                        <a:t>$759</a:t>
+                      </a:r>
+                    </a:p>
+                  </a:txBody>
+                  <a:tcPr marL="17433" marR="17433" marT="17433" marB="17433">
+                    <a:lnL w="6350" cap="flat" cmpd="sng" algn="ctr">
+                      <a:solidFill>
+                        <a:srgbClr val="99ACC2"/>
+                      </a:solidFill>
+                      <a:prstDash val="solid"/>
+                      <a:round/>
+                      <a:headEnd type="none" w="med" len="med"/>
+                      <a:tailEnd type="none" w="med" len="med"/>
+                    </a:lnL>
+                    <a:lnR w="6350" cap="flat" cmpd="sng" algn="ctr">
+                      <a:solidFill>
+                        <a:srgbClr val="99ACC2"/>
+                      </a:solidFill>
+                      <a:prstDash val="solid"/>
+                      <a:round/>
+                      <a:headEnd type="none" w="med" len="med"/>
+                      <a:tailEnd type="none" w="med" len="med"/>
+                    </a:lnR>
+                    <a:lnT w="6350" cap="flat" cmpd="sng" algn="ctr">
+                      <a:solidFill>
+                        <a:srgbClr val="99ACC2"/>
+                      </a:solidFill>
+                      <a:prstDash val="solid"/>
+                      <a:round/>
+                      <a:headEnd type="none" w="med" len="med"/>
+                      <a:tailEnd type="none" w="med" len="med"/>
+                    </a:lnT>
+                    <a:lnB w="6350" cap="flat" cmpd="sng" algn="ctr">
+                      <a:solidFill>
+                        <a:srgbClr val="99ACC2"/>
+                      </a:solidFill>
+                      <a:prstDash val="solid"/>
+                      <a:round/>
+                      <a:headEnd type="none" w="med" len="med"/>
+                      <a:tailEnd type="none" w="med" len="med"/>
+                    </a:lnB>
+                  </a:tcPr>
+                </a:tc>
+                <a:extLst>
+                  <a:ext uri="{0D108BD9-81ED-4DB2-BD59-A6C34878D82A}">
+                    <a16:rowId xmlns:a16="http://schemas.microsoft.com/office/drawing/2014/main" val="3371710343"/>
+                  </a:ext>
+                </a:extLst>
+              </a:tr>
+              <a:tr h="283413">
+                <a:tc>
+                  <a:txBody>
+                    <a:bodyPr/>
+                    <a:lstStyle/>
+                    <a:p>
+                      <a:pPr fontAlgn="t"/>
+                      <a:r>
+                        <a:rPr lang="en-US" sz="1300" dirty="0">
+                          <a:effectLst/>
+                        </a:rPr>
+                        <a:t>Initial Infrastructure Cost</a:t>
+                      </a:r>
+                    </a:p>
+                  </a:txBody>
+                  <a:tcPr marL="17433" marR="17433" marT="17433" marB="17433">
+                    <a:lnL w="6350" cap="flat" cmpd="sng" algn="ctr">
+                      <a:solidFill>
+                        <a:srgbClr val="99ACC2"/>
+                      </a:solidFill>
+                      <a:prstDash val="solid"/>
+                      <a:round/>
+                      <a:headEnd type="none" w="med" len="med"/>
+                      <a:tailEnd type="none" w="med" len="med"/>
+                    </a:lnL>
+                    <a:lnR w="6350" cap="flat" cmpd="sng" algn="ctr">
+                      <a:solidFill>
+                        <a:srgbClr val="99ACC2"/>
+                      </a:solidFill>
+                      <a:prstDash val="solid"/>
+                      <a:round/>
+                      <a:headEnd type="none" w="med" len="med"/>
+                      <a:tailEnd type="none" w="med" len="med"/>
+                    </a:lnR>
+                    <a:lnT w="6350" cap="flat" cmpd="sng" algn="ctr">
+                      <a:solidFill>
+                        <a:srgbClr val="99ACC2"/>
+                      </a:solidFill>
+                      <a:prstDash val="solid"/>
+                      <a:round/>
+                      <a:headEnd type="none" w="med" len="med"/>
+                      <a:tailEnd type="none" w="med" len="med"/>
+                    </a:lnT>
+                    <a:lnB w="6350" cap="flat" cmpd="sng" algn="ctr">
+                      <a:solidFill>
+                        <a:srgbClr val="99ACC2"/>
+                      </a:solidFill>
+                      <a:prstDash val="solid"/>
+                      <a:round/>
+                      <a:headEnd type="none" w="med" len="med"/>
+                      <a:tailEnd type="none" w="med" len="med"/>
+                    </a:lnB>
+                    <a:solidFill>
+                      <a:srgbClr val="EFFAFF"/>
+                    </a:solidFill>
+                  </a:tcPr>
+                </a:tc>
+                <a:tc>
+                  <a:txBody>
+                    <a:bodyPr/>
+                    <a:lstStyle/>
+                    <a:p>
+                      <a:pPr fontAlgn="t"/>
+                      <a:r>
+                        <a:rPr lang="en-US" sz="1300" dirty="0">
+                          <a:effectLst/>
+                        </a:rPr>
+                        <a:t>$0</a:t>
+                      </a:r>
+                    </a:p>
+                  </a:txBody>
+                  <a:tcPr marL="17433" marR="17433" marT="17433" marB="17433">
+                    <a:lnL w="6350" cap="flat" cmpd="sng" algn="ctr">
+                      <a:solidFill>
+                        <a:srgbClr val="99ACC2"/>
+                      </a:solidFill>
+                      <a:prstDash val="solid"/>
+                      <a:round/>
+                      <a:headEnd type="none" w="med" len="med"/>
+                      <a:tailEnd type="none" w="med" len="med"/>
+                    </a:lnL>
+                    <a:lnR w="6350" cap="flat" cmpd="sng" algn="ctr">
+                      <a:solidFill>
+                        <a:srgbClr val="99ACC2"/>
+                      </a:solidFill>
+                      <a:prstDash val="solid"/>
+                      <a:round/>
+                      <a:headEnd type="none" w="med" len="med"/>
+                      <a:tailEnd type="none" w="med" len="med"/>
+                    </a:lnR>
+                    <a:lnT w="6350" cap="flat" cmpd="sng" algn="ctr">
+                      <a:solidFill>
+                        <a:srgbClr val="99ACC2"/>
+                      </a:solidFill>
+                      <a:prstDash val="solid"/>
+                      <a:round/>
+                      <a:headEnd type="none" w="med" len="med"/>
+                      <a:tailEnd type="none" w="med" len="med"/>
+                    </a:lnT>
+                    <a:lnB w="6350" cap="flat" cmpd="sng" algn="ctr">
+                      <a:solidFill>
+                        <a:srgbClr val="99ACC2"/>
+                      </a:solidFill>
+                      <a:prstDash val="solid"/>
+                      <a:round/>
+                      <a:headEnd type="none" w="med" len="med"/>
+                      <a:tailEnd type="none" w="med" len="med"/>
+                    </a:lnB>
+                    <a:solidFill>
+                      <a:srgbClr val="EFFAFF"/>
+                    </a:solidFill>
+                  </a:tcPr>
+                </a:tc>
+                <a:extLst>
+                  <a:ext uri="{0D108BD9-81ED-4DB2-BD59-A6C34878D82A}">
+                    <a16:rowId xmlns:a16="http://schemas.microsoft.com/office/drawing/2014/main" val="1052173791"/>
+                  </a:ext>
+                </a:extLst>
+              </a:tr>
+            </a:tbl>
+          </a:graphicData>
+        </a:graphic>
+      </p:graphicFrame>
+      <p:graphicFrame>
+        <p:nvGraphicFramePr>
+          <p:cNvPr id="9" name="Table 8">
+            <a:extLst>
+              <a:ext uri="{FF2B5EF4-FFF2-40B4-BE49-F238E27FC236}">
+                <a16:creationId xmlns:a16="http://schemas.microsoft.com/office/drawing/2014/main" id="{5FD153A5-A723-726E-89B0-EF611F5A3FF7}"/>
+              </a:ext>
+            </a:extLst>
+          </p:cNvPr>
+          <p:cNvGraphicFramePr>
+            <a:graphicFrameLocks noGrp="1"/>
+          </p:cNvGraphicFramePr>
+          <p:nvPr>
+            <p:extLst>
+              <p:ext uri="{D42A27DB-BD31-4B8C-83A1-F6EECF244321}">
+                <p14:modId xmlns:p14="http://schemas.microsoft.com/office/powerpoint/2010/main" val="2495101665"/>
+              </p:ext>
+            </p:extLst>
+          </p:nvPr>
+        </p:nvGraphicFramePr>
+        <p:xfrm>
+          <a:off x="630191" y="2105294"/>
+          <a:ext cx="5177483" cy="4083216"/>
+        </p:xfrm>
+        <a:graphic>
+          <a:graphicData uri="http://schemas.openxmlformats.org/drawingml/2006/table">
+            <a:tbl>
+              <a:tblPr/>
+              <a:tblGrid>
+                <a:gridCol w="1668875">
+                  <a:extLst>
+                    <a:ext uri="{9D8B030D-6E8A-4147-A177-3AD203B41FA5}">
+                      <a16:colId xmlns:a16="http://schemas.microsoft.com/office/drawing/2014/main" val="1373166424"/>
+                    </a:ext>
+                  </a:extLst>
+                </a:gridCol>
+                <a:gridCol w="1169366">
+                  <a:extLst>
+                    <a:ext uri="{9D8B030D-6E8A-4147-A177-3AD203B41FA5}">
+                      <a16:colId xmlns:a16="http://schemas.microsoft.com/office/drawing/2014/main" val="3924585096"/>
+                    </a:ext>
+                  </a:extLst>
+                </a:gridCol>
+                <a:gridCol w="1393472">
+                  <a:extLst>
+                    <a:ext uri="{9D8B030D-6E8A-4147-A177-3AD203B41FA5}">
+                      <a16:colId xmlns:a16="http://schemas.microsoft.com/office/drawing/2014/main" val="785504319"/>
+                    </a:ext>
+                  </a:extLst>
+                </a:gridCol>
+                <a:gridCol w="945770">
+                  <a:extLst>
+                    <a:ext uri="{9D8B030D-6E8A-4147-A177-3AD203B41FA5}">
+                      <a16:colId xmlns:a16="http://schemas.microsoft.com/office/drawing/2014/main" val="3590697500"/>
+                    </a:ext>
+                  </a:extLst>
+                </a:gridCol>
+              </a:tblGrid>
+              <a:tr h="510402">
+                <a:tc>
+                  <a:txBody>
+                    <a:bodyPr/>
+                    <a:lstStyle/>
+                    <a:p>
+                      <a:pPr fontAlgn="t"/>
+                      <a:r>
+                        <a:rPr lang="en-US" sz="1200" b="1" dirty="0">
+                          <a:effectLst/>
+                        </a:rPr>
+                        <a:t>Tasks</a:t>
+                      </a:r>
+                    </a:p>
+                  </a:txBody>
+                  <a:tcPr marL="15989" marR="15989" marT="15989" marB="15989">
+                    <a:lnL w="6350" cap="flat" cmpd="sng" algn="ctr">
+                      <a:solidFill>
+                        <a:srgbClr val="99ACC2"/>
+                      </a:solidFill>
+                      <a:prstDash val="solid"/>
+                      <a:round/>
+                      <a:headEnd type="none" w="med" len="med"/>
+                      <a:tailEnd type="none" w="med" len="med"/>
+                    </a:lnL>
+                    <a:lnR w="6350" cap="flat" cmpd="sng" algn="ctr">
+                      <a:solidFill>
+                        <a:srgbClr val="99ACC2"/>
+                      </a:solidFill>
+                      <a:prstDash val="solid"/>
+                      <a:round/>
+                      <a:headEnd type="none" w="med" len="med"/>
+                      <a:tailEnd type="none" w="med" len="med"/>
+                    </a:lnR>
+                    <a:lnT w="6350" cap="flat" cmpd="sng" algn="ctr">
+                      <a:solidFill>
+                        <a:srgbClr val="99ACC2"/>
+                      </a:solidFill>
+                      <a:prstDash val="solid"/>
+                      <a:round/>
+                      <a:headEnd type="none" w="med" len="med"/>
+                      <a:tailEnd type="none" w="med" len="med"/>
+                    </a:lnT>
+                    <a:lnB w="6350" cap="flat" cmpd="sng" algn="ctr">
+                      <a:solidFill>
+                        <a:srgbClr val="99ACC2"/>
+                      </a:solidFill>
+                      <a:prstDash val="solid"/>
+                      <a:round/>
+                      <a:headEnd type="none" w="med" len="med"/>
+                      <a:tailEnd type="none" w="med" len="med"/>
+                    </a:lnB>
+                  </a:tcPr>
+                </a:tc>
+                <a:tc>
+                  <a:txBody>
+                    <a:bodyPr/>
+                    <a:lstStyle/>
+                    <a:p>
+                      <a:pPr fontAlgn="t"/>
+                      <a:r>
+                        <a:rPr lang="en-US" sz="1200" b="1" dirty="0">
+                          <a:effectLst/>
+                        </a:rPr>
+                        <a:t>Manual (</a:t>
+                      </a:r>
+                      <a:r>
+                        <a:rPr lang="en-US" sz="1200" b="1" dirty="0" err="1">
+                          <a:effectLst/>
+                        </a:rPr>
+                        <a:t>hrs</a:t>
+                      </a:r>
+                      <a:r>
+                        <a:rPr lang="en-US" sz="1200" b="1" dirty="0">
+                          <a:effectLst/>
+                        </a:rPr>
+                        <a:t>)</a:t>
+                      </a:r>
+                    </a:p>
+                  </a:txBody>
+                  <a:tcPr marL="15989" marR="15989" marT="15989" marB="15989">
+                    <a:lnL w="6350" cap="flat" cmpd="sng" algn="ctr">
+                      <a:solidFill>
+                        <a:srgbClr val="99ACC2"/>
+                      </a:solidFill>
+                      <a:prstDash val="solid"/>
+                      <a:round/>
+                      <a:headEnd type="none" w="med" len="med"/>
+                      <a:tailEnd type="none" w="med" len="med"/>
+                    </a:lnL>
+                    <a:lnR w="6350" cap="flat" cmpd="sng" algn="ctr">
+                      <a:solidFill>
+                        <a:srgbClr val="99ACC2"/>
+                      </a:solidFill>
+                      <a:prstDash val="solid"/>
+                      <a:round/>
+                      <a:headEnd type="none" w="med" len="med"/>
+                      <a:tailEnd type="none" w="med" len="med"/>
+                    </a:lnR>
+                    <a:lnT w="6350" cap="flat" cmpd="sng" algn="ctr">
+                      <a:solidFill>
+                        <a:srgbClr val="99ACC2"/>
+                      </a:solidFill>
+                      <a:prstDash val="solid"/>
+                      <a:round/>
+                      <a:headEnd type="none" w="med" len="med"/>
+                      <a:tailEnd type="none" w="med" len="med"/>
+                    </a:lnT>
+                    <a:lnB w="6350" cap="flat" cmpd="sng" algn="ctr">
+                      <a:solidFill>
+                        <a:srgbClr val="99ACC2"/>
+                      </a:solidFill>
+                      <a:prstDash val="solid"/>
+                      <a:round/>
+                      <a:headEnd type="none" w="med" len="med"/>
+                      <a:tailEnd type="none" w="med" len="med"/>
+                    </a:lnB>
+                  </a:tcPr>
+                </a:tc>
+                <a:tc>
+                  <a:txBody>
+                    <a:bodyPr/>
+                    <a:lstStyle/>
+                    <a:p>
+                      <a:pPr marL="0" marR="0" lvl="0" indent="0" algn="l" defTabSz="914400" rtl="0" eaLnBrk="1" fontAlgn="t" latinLnBrk="0" hangingPunct="1">
+                        <a:lnSpc>
+                          <a:spcPct val="100000"/>
+                        </a:lnSpc>
+                        <a:spcBef>
+                          <a:spcPts val="0"/>
+                        </a:spcBef>
+                        <a:spcAft>
+                          <a:spcPts val="0"/>
+                        </a:spcAft>
+                        <a:buClr>
+                          <a:srgbClr val="000000"/>
+                        </a:buClr>
+                        <a:buSzTx/>
+                        <a:buFont typeface="Arial"/>
+                        <a:buNone/>
+                        <a:tabLst/>
+                        <a:defRPr/>
+                      </a:pPr>
+                      <a:r>
+                        <a:rPr lang="en-US" sz="1200" b="1" dirty="0">
+                          <a:effectLst/>
+                        </a:rPr>
+                        <a:t>Automation (</a:t>
+                      </a:r>
+                      <a:r>
+                        <a:rPr lang="en-US" sz="1200" b="1" dirty="0" err="1">
+                          <a:effectLst/>
+                        </a:rPr>
+                        <a:t>hrs</a:t>
+                      </a:r>
+                      <a:r>
+                        <a:rPr lang="en-US" sz="1200" b="1" dirty="0">
+                          <a:effectLst/>
+                        </a:rPr>
+                        <a:t>)</a:t>
+                      </a:r>
+                    </a:p>
+                  </a:txBody>
+                  <a:tcPr marL="15989" marR="15989" marT="15989" marB="15989">
+                    <a:lnL w="6350" cap="flat" cmpd="sng" algn="ctr">
+                      <a:solidFill>
+                        <a:srgbClr val="99ACC2"/>
+                      </a:solidFill>
+                      <a:prstDash val="solid"/>
+                      <a:round/>
+                      <a:headEnd type="none" w="med" len="med"/>
+                      <a:tailEnd type="none" w="med" len="med"/>
+                    </a:lnL>
+                    <a:lnR w="6350" cap="flat" cmpd="sng" algn="ctr">
+                      <a:solidFill>
+                        <a:srgbClr val="99ACC2"/>
+                      </a:solidFill>
+                      <a:prstDash val="solid"/>
+                      <a:round/>
+                      <a:headEnd type="none" w="med" len="med"/>
+                      <a:tailEnd type="none" w="med" len="med"/>
+                    </a:lnR>
+                    <a:lnT w="6350" cap="flat" cmpd="sng" algn="ctr">
+                      <a:solidFill>
+                        <a:srgbClr val="99ACC2"/>
+                      </a:solidFill>
+                      <a:prstDash val="solid"/>
+                      <a:round/>
+                      <a:headEnd type="none" w="med" len="med"/>
+                      <a:tailEnd type="none" w="med" len="med"/>
+                    </a:lnT>
+                    <a:lnB w="6350" cap="flat" cmpd="sng" algn="ctr">
+                      <a:solidFill>
+                        <a:srgbClr val="99ACC2"/>
+                      </a:solidFill>
+                      <a:prstDash val="solid"/>
+                      <a:round/>
+                      <a:headEnd type="none" w="med" len="med"/>
+                      <a:tailEnd type="none" w="med" len="med"/>
+                    </a:lnB>
+                  </a:tcPr>
+                </a:tc>
+                <a:tc>
+                  <a:txBody>
+                    <a:bodyPr/>
+                    <a:lstStyle/>
+                    <a:p>
+                      <a:pPr marL="0" marR="0" lvl="0" indent="0" algn="l" defTabSz="914400" rtl="0" eaLnBrk="1" fontAlgn="auto" latinLnBrk="0" hangingPunct="1">
+                        <a:lnSpc>
+                          <a:spcPct val="100000"/>
+                        </a:lnSpc>
+                        <a:spcBef>
+                          <a:spcPts val="0"/>
+                        </a:spcBef>
+                        <a:spcAft>
+                          <a:spcPts val="0"/>
+                        </a:spcAft>
+                        <a:buClr>
+                          <a:srgbClr val="000000"/>
+                        </a:buClr>
+                        <a:buSzTx/>
+                        <a:buFont typeface="Arial"/>
+                        <a:buNone/>
+                        <a:tabLst/>
+                        <a:defRPr/>
+                      </a:pPr>
+                      <a:r>
+                        <a:rPr lang="en-US" sz="1200" b="1" dirty="0">
+                          <a:effectLst/>
+                        </a:rPr>
+                        <a:t>Saving ($)</a:t>
+                      </a:r>
+                    </a:p>
+                    <a:p>
+                      <a:endParaRPr lang="en-US" sz="1200" b="1" dirty="0"/>
+                    </a:p>
+                  </a:txBody>
+                  <a:tcPr marL="57559" marR="57559" marT="28780" marB="28780">
+                    <a:lnL w="6350" cap="flat" cmpd="sng" algn="ctr">
+                      <a:solidFill>
+                        <a:srgbClr val="99ACC2"/>
+                      </a:solidFill>
+                      <a:prstDash val="solid"/>
+                      <a:round/>
+                      <a:headEnd type="none" w="med" len="med"/>
+                      <a:tailEnd type="none" w="med" len="med"/>
+                    </a:lnL>
+                    <a:lnB w="6350" cap="flat" cmpd="sng" algn="ctr">
+                      <a:solidFill>
+                        <a:srgbClr val="99ACC2"/>
+                      </a:solidFill>
+                      <a:prstDash val="solid"/>
+                      <a:round/>
+                      <a:headEnd type="none" w="med" len="med"/>
+                      <a:tailEnd type="none" w="med" len="med"/>
+                    </a:lnB>
+                  </a:tcPr>
+                </a:tc>
+                <a:extLst>
+                  <a:ext uri="{0D108BD9-81ED-4DB2-BD59-A6C34878D82A}">
+                    <a16:rowId xmlns:a16="http://schemas.microsoft.com/office/drawing/2014/main" val="481379984"/>
+                  </a:ext>
+                </a:extLst>
+              </a:tr>
+              <a:tr h="671165">
+                <a:tc>
+                  <a:txBody>
+                    <a:bodyPr/>
+                    <a:lstStyle/>
+                    <a:p>
+                      <a:pPr fontAlgn="t"/>
+                      <a:r>
+                        <a:rPr lang="en-US" sz="1200">
+                          <a:effectLst/>
+                        </a:rPr>
+                        <a:t>Initial Setup &amp; Management</a:t>
+                      </a:r>
+                    </a:p>
+                  </a:txBody>
+                  <a:tcPr marL="15989" marR="15989" marT="15989" marB="15989">
+                    <a:lnL w="6350" cap="flat" cmpd="sng" algn="ctr">
+                      <a:solidFill>
+                        <a:srgbClr val="99ACC2"/>
+                      </a:solidFill>
+                      <a:prstDash val="solid"/>
+                      <a:round/>
+                      <a:headEnd type="none" w="med" len="med"/>
+                      <a:tailEnd type="none" w="med" len="med"/>
+                    </a:lnL>
+                    <a:lnR w="6350" cap="flat" cmpd="sng" algn="ctr">
+                      <a:solidFill>
+                        <a:srgbClr val="99ACC2"/>
+                      </a:solidFill>
+                      <a:prstDash val="solid"/>
+                      <a:round/>
+                      <a:headEnd type="none" w="med" len="med"/>
+                      <a:tailEnd type="none" w="med" len="med"/>
+                    </a:lnR>
+                    <a:lnT w="6350" cap="flat" cmpd="sng" algn="ctr">
+                      <a:solidFill>
+                        <a:srgbClr val="99ACC2"/>
+                      </a:solidFill>
+                      <a:prstDash val="solid"/>
+                      <a:round/>
+                      <a:headEnd type="none" w="med" len="med"/>
+                      <a:tailEnd type="none" w="med" len="med"/>
+                    </a:lnT>
+                    <a:lnB w="6350" cap="flat" cmpd="sng" algn="ctr">
+                      <a:solidFill>
+                        <a:srgbClr val="99ACC2"/>
+                      </a:solidFill>
+                      <a:prstDash val="solid"/>
+                      <a:round/>
+                      <a:headEnd type="none" w="med" len="med"/>
+                      <a:tailEnd type="none" w="med" len="med"/>
+                    </a:lnB>
+                    <a:solidFill>
+                      <a:srgbClr val="EFFAFF"/>
+                    </a:solidFill>
+                  </a:tcPr>
+                </a:tc>
+                <a:tc>
+                  <a:txBody>
+                    <a:bodyPr/>
+                    <a:lstStyle/>
+                    <a:p>
+                      <a:pPr fontAlgn="t"/>
+                      <a:r>
+                        <a:rPr lang="en-US" sz="1200" dirty="0">
+                          <a:effectLst/>
+                        </a:rPr>
+                        <a:t>0.00</a:t>
+                      </a:r>
+                    </a:p>
+                  </a:txBody>
+                  <a:tcPr marL="15989" marR="15989" marT="15989" marB="15989">
+                    <a:lnL w="6350" cap="flat" cmpd="sng" algn="ctr">
+                      <a:solidFill>
+                        <a:srgbClr val="99ACC2"/>
+                      </a:solidFill>
+                      <a:prstDash val="solid"/>
+                      <a:round/>
+                      <a:headEnd type="none" w="med" len="med"/>
+                      <a:tailEnd type="none" w="med" len="med"/>
+                    </a:lnL>
+                    <a:lnR w="6350" cap="flat" cmpd="sng" algn="ctr">
+                      <a:solidFill>
+                        <a:srgbClr val="99ACC2"/>
+                      </a:solidFill>
+                      <a:prstDash val="solid"/>
+                      <a:round/>
+                      <a:headEnd type="none" w="med" len="med"/>
+                      <a:tailEnd type="none" w="med" len="med"/>
+                    </a:lnR>
+                    <a:lnT w="6350" cap="flat" cmpd="sng" algn="ctr">
+                      <a:solidFill>
+                        <a:srgbClr val="99ACC2"/>
+                      </a:solidFill>
+                      <a:prstDash val="solid"/>
+                      <a:round/>
+                      <a:headEnd type="none" w="med" len="med"/>
+                      <a:tailEnd type="none" w="med" len="med"/>
+                    </a:lnT>
+                    <a:lnB w="6350" cap="flat" cmpd="sng" algn="ctr">
+                      <a:solidFill>
+                        <a:srgbClr val="99ACC2"/>
+                      </a:solidFill>
+                      <a:prstDash val="solid"/>
+                      <a:round/>
+                      <a:headEnd type="none" w="med" len="med"/>
+                      <a:tailEnd type="none" w="med" len="med"/>
+                    </a:lnB>
+                    <a:solidFill>
+                      <a:srgbClr val="EFFAFF"/>
+                    </a:solidFill>
+                  </a:tcPr>
+                </a:tc>
+                <a:tc>
+                  <a:txBody>
+                    <a:bodyPr/>
+                    <a:lstStyle/>
+                    <a:p>
+                      <a:pPr fontAlgn="t"/>
+                      <a:r>
+                        <a:rPr lang="en-US" sz="1200">
+                          <a:effectLst/>
+                        </a:rPr>
+                        <a:t>8.00</a:t>
+                      </a:r>
+                    </a:p>
+                  </a:txBody>
+                  <a:tcPr marL="15989" marR="15989" marT="15989" marB="15989">
+                    <a:lnL w="6350" cap="flat" cmpd="sng" algn="ctr">
+                      <a:solidFill>
+                        <a:srgbClr val="99ACC2"/>
+                      </a:solidFill>
+                      <a:prstDash val="solid"/>
+                      <a:round/>
+                      <a:headEnd type="none" w="med" len="med"/>
+                      <a:tailEnd type="none" w="med" len="med"/>
+                    </a:lnL>
+                    <a:lnR w="6350" cap="flat" cmpd="sng" algn="ctr">
+                      <a:solidFill>
+                        <a:srgbClr val="99ACC2"/>
+                      </a:solidFill>
+                      <a:prstDash val="solid"/>
+                      <a:round/>
+                      <a:headEnd type="none" w="med" len="med"/>
+                      <a:tailEnd type="none" w="med" len="med"/>
+                    </a:lnR>
+                    <a:lnT w="6350" cap="flat" cmpd="sng" algn="ctr">
+                      <a:solidFill>
+                        <a:srgbClr val="99ACC2"/>
+                      </a:solidFill>
+                      <a:prstDash val="solid"/>
+                      <a:round/>
+                      <a:headEnd type="none" w="med" len="med"/>
+                      <a:tailEnd type="none" w="med" len="med"/>
+                    </a:lnT>
+                    <a:lnB w="6350" cap="flat" cmpd="sng" algn="ctr">
+                      <a:solidFill>
+                        <a:srgbClr val="99ACC2"/>
+                      </a:solidFill>
+                      <a:prstDash val="solid"/>
+                      <a:round/>
+                      <a:headEnd type="none" w="med" len="med"/>
+                      <a:tailEnd type="none" w="med" len="med"/>
+                    </a:lnB>
+                    <a:solidFill>
+                      <a:srgbClr val="EFFAFF"/>
+                    </a:solidFill>
+                  </a:tcPr>
+                </a:tc>
+                <a:tc>
+                  <a:txBody>
+                    <a:bodyPr/>
+                    <a:lstStyle/>
+                    <a:p>
+                      <a:pPr fontAlgn="t"/>
+                      <a:r>
+                        <a:rPr lang="en-US" sz="1200" dirty="0">
+                          <a:effectLst/>
+                        </a:rPr>
+                        <a:t>-200.00</a:t>
+                      </a:r>
+                    </a:p>
+                  </a:txBody>
+                  <a:tcPr marL="15989" marR="15989" marT="15989" marB="15989">
+                    <a:lnL w="6350" cap="flat" cmpd="sng" algn="ctr">
+                      <a:solidFill>
+                        <a:srgbClr val="99ACC2"/>
+                      </a:solidFill>
+                      <a:prstDash val="solid"/>
+                      <a:round/>
+                      <a:headEnd type="none" w="med" len="med"/>
+                      <a:tailEnd type="none" w="med" len="med"/>
+                    </a:lnL>
+                    <a:lnR w="6350" cap="flat" cmpd="sng" algn="ctr">
+                      <a:solidFill>
+                        <a:srgbClr val="99ACC2"/>
+                      </a:solidFill>
+                      <a:prstDash val="solid"/>
+                      <a:round/>
+                      <a:headEnd type="none" w="med" len="med"/>
+                      <a:tailEnd type="none" w="med" len="med"/>
+                    </a:lnR>
+                    <a:lnT w="6350" cap="flat" cmpd="sng" algn="ctr">
+                      <a:solidFill>
+                        <a:srgbClr val="99ACC2"/>
+                      </a:solidFill>
+                      <a:prstDash val="solid"/>
+                      <a:round/>
+                      <a:headEnd type="none" w="med" len="med"/>
+                      <a:tailEnd type="none" w="med" len="med"/>
+                    </a:lnT>
+                    <a:lnB w="6350" cap="flat" cmpd="sng" algn="ctr">
+                      <a:solidFill>
+                        <a:srgbClr val="99ACC2"/>
+                      </a:solidFill>
+                      <a:prstDash val="solid"/>
+                      <a:round/>
+                      <a:headEnd type="none" w="med" len="med"/>
+                      <a:tailEnd type="none" w="med" len="med"/>
+                    </a:lnB>
+                    <a:solidFill>
+                      <a:srgbClr val="EFFAFF"/>
+                    </a:solidFill>
+                  </a:tcPr>
+                </a:tc>
+                <a:extLst>
+                  <a:ext uri="{0D108BD9-81ED-4DB2-BD59-A6C34878D82A}">
+                    <a16:rowId xmlns:a16="http://schemas.microsoft.com/office/drawing/2014/main" val="4199434573"/>
+                  </a:ext>
+                </a:extLst>
+              </a:tr>
+              <a:tr h="671165">
+                <a:tc>
+                  <a:txBody>
+                    <a:bodyPr/>
+                    <a:lstStyle/>
+                    <a:p>
+                      <a:pPr fontAlgn="t"/>
+                      <a:r>
+                        <a:rPr lang="en-US" sz="1200">
+                          <a:effectLst/>
+                        </a:rPr>
+                        <a:t>Testing Initiation (Training,...)</a:t>
+                      </a:r>
+                    </a:p>
+                  </a:txBody>
+                  <a:tcPr marL="15989" marR="15989" marT="15989" marB="15989">
+                    <a:lnL w="6350" cap="flat" cmpd="sng" algn="ctr">
+                      <a:solidFill>
+                        <a:srgbClr val="99ACC2"/>
+                      </a:solidFill>
+                      <a:prstDash val="solid"/>
+                      <a:round/>
+                      <a:headEnd type="none" w="med" len="med"/>
+                      <a:tailEnd type="none" w="med" len="med"/>
+                    </a:lnL>
+                    <a:lnR w="6350" cap="flat" cmpd="sng" algn="ctr">
+                      <a:solidFill>
+                        <a:srgbClr val="99ACC2"/>
+                      </a:solidFill>
+                      <a:prstDash val="solid"/>
+                      <a:round/>
+                      <a:headEnd type="none" w="med" len="med"/>
+                      <a:tailEnd type="none" w="med" len="med"/>
+                    </a:lnR>
+                    <a:lnT w="6350" cap="flat" cmpd="sng" algn="ctr">
+                      <a:solidFill>
+                        <a:srgbClr val="99ACC2"/>
+                      </a:solidFill>
+                      <a:prstDash val="solid"/>
+                      <a:round/>
+                      <a:headEnd type="none" w="med" len="med"/>
+                      <a:tailEnd type="none" w="med" len="med"/>
+                    </a:lnT>
+                    <a:lnB w="6350" cap="flat" cmpd="sng" algn="ctr">
+                      <a:solidFill>
+                        <a:srgbClr val="99ACC2"/>
+                      </a:solidFill>
+                      <a:prstDash val="solid"/>
+                      <a:round/>
+                      <a:headEnd type="none" w="med" len="med"/>
+                      <a:tailEnd type="none" w="med" len="med"/>
+                    </a:lnB>
+                  </a:tcPr>
+                </a:tc>
+                <a:tc>
+                  <a:txBody>
+                    <a:bodyPr/>
+                    <a:lstStyle/>
+                    <a:p>
+                      <a:pPr fontAlgn="t"/>
+                      <a:r>
+                        <a:rPr lang="en-US" sz="1200">
+                          <a:effectLst/>
+                        </a:rPr>
+                        <a:t>0.00</a:t>
+                      </a:r>
+                    </a:p>
+                  </a:txBody>
+                  <a:tcPr marL="15989" marR="15989" marT="15989" marB="15989">
+                    <a:lnL w="6350" cap="flat" cmpd="sng" algn="ctr">
+                      <a:solidFill>
+                        <a:srgbClr val="99ACC2"/>
+                      </a:solidFill>
+                      <a:prstDash val="solid"/>
+                      <a:round/>
+                      <a:headEnd type="none" w="med" len="med"/>
+                      <a:tailEnd type="none" w="med" len="med"/>
+                    </a:lnL>
+                    <a:lnR w="6350" cap="flat" cmpd="sng" algn="ctr">
+                      <a:solidFill>
+                        <a:srgbClr val="99ACC2"/>
+                      </a:solidFill>
+                      <a:prstDash val="solid"/>
+                      <a:round/>
+                      <a:headEnd type="none" w="med" len="med"/>
+                      <a:tailEnd type="none" w="med" len="med"/>
+                    </a:lnR>
+                    <a:lnT w="6350" cap="flat" cmpd="sng" algn="ctr">
+                      <a:solidFill>
+                        <a:srgbClr val="99ACC2"/>
+                      </a:solidFill>
+                      <a:prstDash val="solid"/>
+                      <a:round/>
+                      <a:headEnd type="none" w="med" len="med"/>
+                      <a:tailEnd type="none" w="med" len="med"/>
+                    </a:lnT>
+                    <a:lnB w="6350" cap="flat" cmpd="sng" algn="ctr">
+                      <a:solidFill>
+                        <a:srgbClr val="99ACC2"/>
+                      </a:solidFill>
+                      <a:prstDash val="solid"/>
+                      <a:round/>
+                      <a:headEnd type="none" w="med" len="med"/>
+                      <a:tailEnd type="none" w="med" len="med"/>
+                    </a:lnB>
+                  </a:tcPr>
+                </a:tc>
+                <a:tc>
+                  <a:txBody>
+                    <a:bodyPr/>
+                    <a:lstStyle/>
+                    <a:p>
+                      <a:pPr fontAlgn="t"/>
+                      <a:r>
+                        <a:rPr lang="en-US" sz="1200" dirty="0">
+                          <a:effectLst/>
+                        </a:rPr>
+                        <a:t>24.00</a:t>
+                      </a:r>
+                    </a:p>
+                  </a:txBody>
+                  <a:tcPr marL="15989" marR="15989" marT="15989" marB="15989">
+                    <a:lnL w="6350" cap="flat" cmpd="sng" algn="ctr">
+                      <a:solidFill>
+                        <a:srgbClr val="99ACC2"/>
+                      </a:solidFill>
+                      <a:prstDash val="solid"/>
+                      <a:round/>
+                      <a:headEnd type="none" w="med" len="med"/>
+                      <a:tailEnd type="none" w="med" len="med"/>
+                    </a:lnL>
+                    <a:lnR w="6350" cap="flat" cmpd="sng" algn="ctr">
+                      <a:solidFill>
+                        <a:srgbClr val="99ACC2"/>
+                      </a:solidFill>
+                      <a:prstDash val="solid"/>
+                      <a:round/>
+                      <a:headEnd type="none" w="med" len="med"/>
+                      <a:tailEnd type="none" w="med" len="med"/>
+                    </a:lnR>
+                    <a:lnT w="6350" cap="flat" cmpd="sng" algn="ctr">
+                      <a:solidFill>
+                        <a:srgbClr val="99ACC2"/>
+                      </a:solidFill>
+                      <a:prstDash val="solid"/>
+                      <a:round/>
+                      <a:headEnd type="none" w="med" len="med"/>
+                      <a:tailEnd type="none" w="med" len="med"/>
+                    </a:lnT>
+                    <a:lnB w="6350" cap="flat" cmpd="sng" algn="ctr">
+                      <a:solidFill>
+                        <a:srgbClr val="99ACC2"/>
+                      </a:solidFill>
+                      <a:prstDash val="solid"/>
+                      <a:round/>
+                      <a:headEnd type="none" w="med" len="med"/>
+                      <a:tailEnd type="none" w="med" len="med"/>
+                    </a:lnB>
+                  </a:tcPr>
+                </a:tc>
+                <a:tc>
+                  <a:txBody>
+                    <a:bodyPr/>
+                    <a:lstStyle/>
+                    <a:p>
+                      <a:pPr fontAlgn="t"/>
+                      <a:r>
+                        <a:rPr lang="en-US" sz="1200" dirty="0">
+                          <a:effectLst/>
+                        </a:rPr>
+                        <a:t>-600.00</a:t>
+                      </a:r>
+                    </a:p>
+                  </a:txBody>
+                  <a:tcPr marL="15989" marR="15989" marT="15989" marB="15989">
+                    <a:lnL w="6350" cap="flat" cmpd="sng" algn="ctr">
+                      <a:solidFill>
+                        <a:srgbClr val="99ACC2"/>
+                      </a:solidFill>
+                      <a:prstDash val="solid"/>
+                      <a:round/>
+                      <a:headEnd type="none" w="med" len="med"/>
+                      <a:tailEnd type="none" w="med" len="med"/>
+                    </a:lnL>
+                    <a:lnR w="6350" cap="flat" cmpd="sng" algn="ctr">
+                      <a:solidFill>
+                        <a:srgbClr val="99ACC2"/>
+                      </a:solidFill>
+                      <a:prstDash val="solid"/>
+                      <a:round/>
+                      <a:headEnd type="none" w="med" len="med"/>
+                      <a:tailEnd type="none" w="med" len="med"/>
+                    </a:lnR>
+                    <a:lnT w="6350" cap="flat" cmpd="sng" algn="ctr">
+                      <a:solidFill>
+                        <a:srgbClr val="99ACC2"/>
+                      </a:solidFill>
+                      <a:prstDash val="solid"/>
+                      <a:round/>
+                      <a:headEnd type="none" w="med" len="med"/>
+                      <a:tailEnd type="none" w="med" len="med"/>
+                    </a:lnT>
+                    <a:lnB w="6350" cap="flat" cmpd="sng" algn="ctr">
+                      <a:solidFill>
+                        <a:srgbClr val="99ACC2"/>
+                      </a:solidFill>
+                      <a:prstDash val="solid"/>
+                      <a:round/>
+                      <a:headEnd type="none" w="med" len="med"/>
+                      <a:tailEnd type="none" w="med" len="med"/>
+                    </a:lnB>
+                  </a:tcPr>
+                </a:tc>
+                <a:extLst>
+                  <a:ext uri="{0D108BD9-81ED-4DB2-BD59-A6C34878D82A}">
+                    <a16:rowId xmlns:a16="http://schemas.microsoft.com/office/drawing/2014/main" val="1505639009"/>
+                  </a:ext>
+                </a:extLst>
+              </a:tr>
+              <a:tr h="510402">
+                <a:tc>
+                  <a:txBody>
+                    <a:bodyPr/>
+                    <a:lstStyle/>
+                    <a:p>
+                      <a:pPr fontAlgn="t"/>
+                      <a:r>
+                        <a:rPr lang="en-US" sz="1200">
+                          <a:effectLst/>
+                        </a:rPr>
+                        <a:t>Test Planning</a:t>
+                      </a:r>
+                    </a:p>
+                  </a:txBody>
+                  <a:tcPr marL="15989" marR="15989" marT="15989" marB="15989">
+                    <a:lnL w="6350" cap="flat" cmpd="sng" algn="ctr">
+                      <a:solidFill>
+                        <a:srgbClr val="99ACC2"/>
+                      </a:solidFill>
+                      <a:prstDash val="solid"/>
+                      <a:round/>
+                      <a:headEnd type="none" w="med" len="med"/>
+                      <a:tailEnd type="none" w="med" len="med"/>
+                    </a:lnL>
+                    <a:lnR w="6350" cap="flat" cmpd="sng" algn="ctr">
+                      <a:solidFill>
+                        <a:srgbClr val="99ACC2"/>
+                      </a:solidFill>
+                      <a:prstDash val="solid"/>
+                      <a:round/>
+                      <a:headEnd type="none" w="med" len="med"/>
+                      <a:tailEnd type="none" w="med" len="med"/>
+                    </a:lnR>
+                    <a:lnT w="6350" cap="flat" cmpd="sng" algn="ctr">
+                      <a:solidFill>
+                        <a:srgbClr val="99ACC2"/>
+                      </a:solidFill>
+                      <a:prstDash val="solid"/>
+                      <a:round/>
+                      <a:headEnd type="none" w="med" len="med"/>
+                      <a:tailEnd type="none" w="med" len="med"/>
+                    </a:lnT>
+                    <a:lnB w="6350" cap="flat" cmpd="sng" algn="ctr">
+                      <a:solidFill>
+                        <a:srgbClr val="99ACC2"/>
+                      </a:solidFill>
+                      <a:prstDash val="solid"/>
+                      <a:round/>
+                      <a:headEnd type="none" w="med" len="med"/>
+                      <a:tailEnd type="none" w="med" len="med"/>
+                    </a:lnB>
+                    <a:solidFill>
+                      <a:srgbClr val="EFFAFF"/>
+                    </a:solidFill>
+                  </a:tcPr>
+                </a:tc>
+                <a:tc>
+                  <a:txBody>
+                    <a:bodyPr/>
+                    <a:lstStyle/>
+                    <a:p>
+                      <a:pPr fontAlgn="t"/>
+                      <a:r>
+                        <a:rPr lang="en-US" sz="1200" dirty="0">
+                          <a:effectLst/>
+                        </a:rPr>
+                        <a:t>104.00</a:t>
+                      </a:r>
+                    </a:p>
+                  </a:txBody>
+                  <a:tcPr marL="15989" marR="15989" marT="15989" marB="15989">
+                    <a:lnL w="6350" cap="flat" cmpd="sng" algn="ctr">
+                      <a:solidFill>
+                        <a:srgbClr val="99ACC2"/>
+                      </a:solidFill>
+                      <a:prstDash val="solid"/>
+                      <a:round/>
+                      <a:headEnd type="none" w="med" len="med"/>
+                      <a:tailEnd type="none" w="med" len="med"/>
+                    </a:lnL>
+                    <a:lnR w="6350" cap="flat" cmpd="sng" algn="ctr">
+                      <a:solidFill>
+                        <a:srgbClr val="99ACC2"/>
+                      </a:solidFill>
+                      <a:prstDash val="solid"/>
+                      <a:round/>
+                      <a:headEnd type="none" w="med" len="med"/>
+                      <a:tailEnd type="none" w="med" len="med"/>
+                    </a:lnR>
+                    <a:lnT w="6350" cap="flat" cmpd="sng" algn="ctr">
+                      <a:solidFill>
+                        <a:srgbClr val="99ACC2"/>
+                      </a:solidFill>
+                      <a:prstDash val="solid"/>
+                      <a:round/>
+                      <a:headEnd type="none" w="med" len="med"/>
+                      <a:tailEnd type="none" w="med" len="med"/>
+                    </a:lnT>
+                    <a:lnB w="6350" cap="flat" cmpd="sng" algn="ctr">
+                      <a:solidFill>
+                        <a:srgbClr val="99ACC2"/>
+                      </a:solidFill>
+                      <a:prstDash val="solid"/>
+                      <a:round/>
+                      <a:headEnd type="none" w="med" len="med"/>
+                      <a:tailEnd type="none" w="med" len="med"/>
+                    </a:lnB>
+                    <a:solidFill>
+                      <a:srgbClr val="EFFAFF"/>
+                    </a:solidFill>
+                  </a:tcPr>
+                </a:tc>
+                <a:tc>
+                  <a:txBody>
+                    <a:bodyPr/>
+                    <a:lstStyle/>
+                    <a:p>
+                      <a:pPr fontAlgn="t"/>
+                      <a:r>
+                        <a:rPr lang="en-US" sz="1200" dirty="0">
+                          <a:effectLst/>
+                        </a:rPr>
+                        <a:t>264.00</a:t>
+                      </a:r>
+                    </a:p>
+                  </a:txBody>
+                  <a:tcPr marL="15989" marR="15989" marT="15989" marB="15989">
+                    <a:lnL w="6350" cap="flat" cmpd="sng" algn="ctr">
+                      <a:solidFill>
+                        <a:srgbClr val="99ACC2"/>
+                      </a:solidFill>
+                      <a:prstDash val="solid"/>
+                      <a:round/>
+                      <a:headEnd type="none" w="med" len="med"/>
+                      <a:tailEnd type="none" w="med" len="med"/>
+                    </a:lnL>
+                    <a:lnR w="6350" cap="flat" cmpd="sng" algn="ctr">
+                      <a:solidFill>
+                        <a:srgbClr val="99ACC2"/>
+                      </a:solidFill>
+                      <a:prstDash val="solid"/>
+                      <a:round/>
+                      <a:headEnd type="none" w="med" len="med"/>
+                      <a:tailEnd type="none" w="med" len="med"/>
+                    </a:lnR>
+                    <a:lnT w="6350" cap="flat" cmpd="sng" algn="ctr">
+                      <a:solidFill>
+                        <a:srgbClr val="99ACC2"/>
+                      </a:solidFill>
+                      <a:prstDash val="solid"/>
+                      <a:round/>
+                      <a:headEnd type="none" w="med" len="med"/>
+                      <a:tailEnd type="none" w="med" len="med"/>
+                    </a:lnT>
+                    <a:lnB w="6350" cap="flat" cmpd="sng" algn="ctr">
+                      <a:solidFill>
+                        <a:srgbClr val="99ACC2"/>
+                      </a:solidFill>
+                      <a:prstDash val="solid"/>
+                      <a:round/>
+                      <a:headEnd type="none" w="med" len="med"/>
+                      <a:tailEnd type="none" w="med" len="med"/>
+                    </a:lnB>
+                    <a:solidFill>
+                      <a:srgbClr val="EFFAFF"/>
+                    </a:solidFill>
+                  </a:tcPr>
+                </a:tc>
+                <a:tc>
+                  <a:txBody>
+                    <a:bodyPr/>
+                    <a:lstStyle/>
+                    <a:p>
+                      <a:pPr fontAlgn="t"/>
+                      <a:r>
+                        <a:rPr lang="en-US" sz="1200" dirty="0">
+                          <a:effectLst/>
+                        </a:rPr>
+                        <a:t>-4000.00</a:t>
+                      </a:r>
+                    </a:p>
+                  </a:txBody>
+                  <a:tcPr marL="15989" marR="15989" marT="15989" marB="15989">
+                    <a:lnL w="6350" cap="flat" cmpd="sng" algn="ctr">
+                      <a:solidFill>
+                        <a:srgbClr val="99ACC2"/>
+                      </a:solidFill>
+                      <a:prstDash val="solid"/>
+                      <a:round/>
+                      <a:headEnd type="none" w="med" len="med"/>
+                      <a:tailEnd type="none" w="med" len="med"/>
+                    </a:lnL>
+                    <a:lnR w="6350" cap="flat" cmpd="sng" algn="ctr">
+                      <a:solidFill>
+                        <a:srgbClr val="99ACC2"/>
+                      </a:solidFill>
+                      <a:prstDash val="solid"/>
+                      <a:round/>
+                      <a:headEnd type="none" w="med" len="med"/>
+                      <a:tailEnd type="none" w="med" len="med"/>
+                    </a:lnR>
+                    <a:lnT w="6350" cap="flat" cmpd="sng" algn="ctr">
+                      <a:solidFill>
+                        <a:srgbClr val="99ACC2"/>
+                      </a:solidFill>
+                      <a:prstDash val="solid"/>
+                      <a:round/>
+                      <a:headEnd type="none" w="med" len="med"/>
+                      <a:tailEnd type="none" w="med" len="med"/>
+                    </a:lnT>
+                    <a:lnB w="6350" cap="flat" cmpd="sng" algn="ctr">
+                      <a:solidFill>
+                        <a:srgbClr val="99ACC2"/>
+                      </a:solidFill>
+                      <a:prstDash val="solid"/>
+                      <a:round/>
+                      <a:headEnd type="none" w="med" len="med"/>
+                      <a:tailEnd type="none" w="med" len="med"/>
+                    </a:lnB>
+                    <a:solidFill>
+                      <a:srgbClr val="EFFAFF"/>
+                    </a:solidFill>
+                  </a:tcPr>
+                </a:tc>
+                <a:extLst>
+                  <a:ext uri="{0D108BD9-81ED-4DB2-BD59-A6C34878D82A}">
+                    <a16:rowId xmlns:a16="http://schemas.microsoft.com/office/drawing/2014/main" val="3322506728"/>
+                  </a:ext>
+                </a:extLst>
+              </a:tr>
+              <a:tr h="510402">
+                <a:tc>
+                  <a:txBody>
+                    <a:bodyPr/>
+                    <a:lstStyle/>
+                    <a:p>
+                      <a:pPr fontAlgn="t"/>
+                      <a:r>
+                        <a:rPr lang="en-US" sz="1200">
+                          <a:effectLst/>
+                        </a:rPr>
+                        <a:t>Test Design</a:t>
+                      </a:r>
+                    </a:p>
+                  </a:txBody>
+                  <a:tcPr marL="15989" marR="15989" marT="15989" marB="15989">
+                    <a:lnL w="6350" cap="flat" cmpd="sng" algn="ctr">
+                      <a:solidFill>
+                        <a:srgbClr val="99ACC2"/>
+                      </a:solidFill>
+                      <a:prstDash val="solid"/>
+                      <a:round/>
+                      <a:headEnd type="none" w="med" len="med"/>
+                      <a:tailEnd type="none" w="med" len="med"/>
+                    </a:lnL>
+                    <a:lnR w="6350" cap="flat" cmpd="sng" algn="ctr">
+                      <a:solidFill>
+                        <a:srgbClr val="99ACC2"/>
+                      </a:solidFill>
+                      <a:prstDash val="solid"/>
+                      <a:round/>
+                      <a:headEnd type="none" w="med" len="med"/>
+                      <a:tailEnd type="none" w="med" len="med"/>
+                    </a:lnR>
+                    <a:lnT w="6350" cap="flat" cmpd="sng" algn="ctr">
+                      <a:solidFill>
+                        <a:srgbClr val="99ACC2"/>
+                      </a:solidFill>
+                      <a:prstDash val="solid"/>
+                      <a:round/>
+                      <a:headEnd type="none" w="med" len="med"/>
+                      <a:tailEnd type="none" w="med" len="med"/>
+                    </a:lnT>
+                    <a:lnB w="6350" cap="flat" cmpd="sng" algn="ctr">
+                      <a:solidFill>
+                        <a:srgbClr val="99ACC2"/>
+                      </a:solidFill>
+                      <a:prstDash val="solid"/>
+                      <a:round/>
+                      <a:headEnd type="none" w="med" len="med"/>
+                      <a:tailEnd type="none" w="med" len="med"/>
+                    </a:lnB>
+                  </a:tcPr>
+                </a:tc>
+                <a:tc>
+                  <a:txBody>
+                    <a:bodyPr/>
+                    <a:lstStyle/>
+                    <a:p>
+                      <a:pPr fontAlgn="t"/>
+                      <a:r>
+                        <a:rPr lang="en-US" sz="1200">
+                          <a:effectLst/>
+                        </a:rPr>
+                        <a:t>0.19</a:t>
+                      </a:r>
+                    </a:p>
+                  </a:txBody>
+                  <a:tcPr marL="15989" marR="15989" marT="15989" marB="15989">
+                    <a:lnL w="6350" cap="flat" cmpd="sng" algn="ctr">
+                      <a:solidFill>
+                        <a:srgbClr val="99ACC2"/>
+                      </a:solidFill>
+                      <a:prstDash val="solid"/>
+                      <a:round/>
+                      <a:headEnd type="none" w="med" len="med"/>
+                      <a:tailEnd type="none" w="med" len="med"/>
+                    </a:lnL>
+                    <a:lnR w="6350" cap="flat" cmpd="sng" algn="ctr">
+                      <a:solidFill>
+                        <a:srgbClr val="99ACC2"/>
+                      </a:solidFill>
+                      <a:prstDash val="solid"/>
+                      <a:round/>
+                      <a:headEnd type="none" w="med" len="med"/>
+                      <a:tailEnd type="none" w="med" len="med"/>
+                    </a:lnR>
+                    <a:lnT w="6350" cap="flat" cmpd="sng" algn="ctr">
+                      <a:solidFill>
+                        <a:srgbClr val="99ACC2"/>
+                      </a:solidFill>
+                      <a:prstDash val="solid"/>
+                      <a:round/>
+                      <a:headEnd type="none" w="med" len="med"/>
+                      <a:tailEnd type="none" w="med" len="med"/>
+                    </a:lnT>
+                    <a:lnB w="6350" cap="flat" cmpd="sng" algn="ctr">
+                      <a:solidFill>
+                        <a:srgbClr val="99ACC2"/>
+                      </a:solidFill>
+                      <a:prstDash val="solid"/>
+                      <a:round/>
+                      <a:headEnd type="none" w="med" len="med"/>
+                      <a:tailEnd type="none" w="med" len="med"/>
+                    </a:lnB>
+                  </a:tcPr>
+                </a:tc>
+                <a:tc>
+                  <a:txBody>
+                    <a:bodyPr/>
+                    <a:lstStyle/>
+                    <a:p>
+                      <a:pPr fontAlgn="t"/>
+                      <a:r>
+                        <a:rPr lang="en-US" sz="1200">
+                          <a:effectLst/>
+                        </a:rPr>
+                        <a:t>3410.00</a:t>
+                      </a:r>
+                    </a:p>
+                  </a:txBody>
+                  <a:tcPr marL="15989" marR="15989" marT="15989" marB="15989">
+                    <a:lnL w="6350" cap="flat" cmpd="sng" algn="ctr">
+                      <a:solidFill>
+                        <a:srgbClr val="99ACC2"/>
+                      </a:solidFill>
+                      <a:prstDash val="solid"/>
+                      <a:round/>
+                      <a:headEnd type="none" w="med" len="med"/>
+                      <a:tailEnd type="none" w="med" len="med"/>
+                    </a:lnL>
+                    <a:lnR w="6350" cap="flat" cmpd="sng" algn="ctr">
+                      <a:solidFill>
+                        <a:srgbClr val="99ACC2"/>
+                      </a:solidFill>
+                      <a:prstDash val="solid"/>
+                      <a:round/>
+                      <a:headEnd type="none" w="med" len="med"/>
+                      <a:tailEnd type="none" w="med" len="med"/>
+                    </a:lnR>
+                    <a:lnT w="6350" cap="flat" cmpd="sng" algn="ctr">
+                      <a:solidFill>
+                        <a:srgbClr val="99ACC2"/>
+                      </a:solidFill>
+                      <a:prstDash val="solid"/>
+                      <a:round/>
+                      <a:headEnd type="none" w="med" len="med"/>
+                      <a:tailEnd type="none" w="med" len="med"/>
+                    </a:lnT>
+                    <a:lnB w="6350" cap="flat" cmpd="sng" algn="ctr">
+                      <a:solidFill>
+                        <a:srgbClr val="99ACC2"/>
+                      </a:solidFill>
+                      <a:prstDash val="solid"/>
+                      <a:round/>
+                      <a:headEnd type="none" w="med" len="med"/>
+                      <a:tailEnd type="none" w="med" len="med"/>
+                    </a:lnB>
+                  </a:tcPr>
+                </a:tc>
+                <a:tc>
+                  <a:txBody>
+                    <a:bodyPr/>
+                    <a:lstStyle/>
+                    <a:p>
+                      <a:pPr fontAlgn="t"/>
+                      <a:r>
+                        <a:rPr lang="en-US" sz="1200" dirty="0">
+                          <a:effectLst/>
+                        </a:rPr>
+                        <a:t>-85245.16</a:t>
+                      </a:r>
+                    </a:p>
+                  </a:txBody>
+                  <a:tcPr marL="15989" marR="15989" marT="15989" marB="15989">
+                    <a:lnL w="6350" cap="flat" cmpd="sng" algn="ctr">
+                      <a:solidFill>
+                        <a:srgbClr val="99ACC2"/>
+                      </a:solidFill>
+                      <a:prstDash val="solid"/>
+                      <a:round/>
+                      <a:headEnd type="none" w="med" len="med"/>
+                      <a:tailEnd type="none" w="med" len="med"/>
+                    </a:lnL>
+                    <a:lnR w="6350" cap="flat" cmpd="sng" algn="ctr">
+                      <a:solidFill>
+                        <a:srgbClr val="99ACC2"/>
+                      </a:solidFill>
+                      <a:prstDash val="solid"/>
+                      <a:round/>
+                      <a:headEnd type="none" w="med" len="med"/>
+                      <a:tailEnd type="none" w="med" len="med"/>
+                    </a:lnR>
+                    <a:lnT w="6350" cap="flat" cmpd="sng" algn="ctr">
+                      <a:solidFill>
+                        <a:srgbClr val="99ACC2"/>
+                      </a:solidFill>
+                      <a:prstDash val="solid"/>
+                      <a:round/>
+                      <a:headEnd type="none" w="med" len="med"/>
+                      <a:tailEnd type="none" w="med" len="med"/>
+                    </a:lnT>
+                    <a:lnB w="6350" cap="flat" cmpd="sng" algn="ctr">
+                      <a:solidFill>
+                        <a:srgbClr val="99ACC2"/>
+                      </a:solidFill>
+                      <a:prstDash val="solid"/>
+                      <a:round/>
+                      <a:headEnd type="none" w="med" len="med"/>
+                      <a:tailEnd type="none" w="med" len="med"/>
+                    </a:lnB>
+                  </a:tcPr>
+                </a:tc>
+                <a:extLst>
+                  <a:ext uri="{0D108BD9-81ED-4DB2-BD59-A6C34878D82A}">
+                    <a16:rowId xmlns:a16="http://schemas.microsoft.com/office/drawing/2014/main" val="1358914594"/>
+                  </a:ext>
+                </a:extLst>
+              </a:tr>
+              <a:tr h="349639">
+                <a:tc>
+                  <a:txBody>
+                    <a:bodyPr/>
+                    <a:lstStyle/>
+                    <a:p>
+                      <a:pPr fontAlgn="t"/>
+                      <a:r>
+                        <a:rPr lang="en-US" sz="1200">
+                          <a:effectLst/>
+                        </a:rPr>
+                        <a:t>Test Execution</a:t>
+                      </a:r>
+                    </a:p>
+                  </a:txBody>
+                  <a:tcPr marL="15989" marR="15989" marT="15989" marB="15989">
+                    <a:lnL w="6350" cap="flat" cmpd="sng" algn="ctr">
+                      <a:solidFill>
+                        <a:srgbClr val="99ACC2"/>
+                      </a:solidFill>
+                      <a:prstDash val="solid"/>
+                      <a:round/>
+                      <a:headEnd type="none" w="med" len="med"/>
+                      <a:tailEnd type="none" w="med" len="med"/>
+                    </a:lnL>
+                    <a:lnR w="6350" cap="flat" cmpd="sng" algn="ctr">
+                      <a:solidFill>
+                        <a:srgbClr val="99ACC2"/>
+                      </a:solidFill>
+                      <a:prstDash val="solid"/>
+                      <a:round/>
+                      <a:headEnd type="none" w="med" len="med"/>
+                      <a:tailEnd type="none" w="med" len="med"/>
+                    </a:lnR>
+                    <a:lnT w="6350" cap="flat" cmpd="sng" algn="ctr">
+                      <a:solidFill>
+                        <a:srgbClr val="99ACC2"/>
+                      </a:solidFill>
+                      <a:prstDash val="solid"/>
+                      <a:round/>
+                      <a:headEnd type="none" w="med" len="med"/>
+                      <a:tailEnd type="none" w="med" len="med"/>
+                    </a:lnT>
+                    <a:lnB w="6350" cap="flat" cmpd="sng" algn="ctr">
+                      <a:solidFill>
+                        <a:srgbClr val="99ACC2"/>
+                      </a:solidFill>
+                      <a:prstDash val="solid"/>
+                      <a:round/>
+                      <a:headEnd type="none" w="med" len="med"/>
+                      <a:tailEnd type="none" w="med" len="med"/>
+                    </a:lnB>
+                    <a:solidFill>
+                      <a:srgbClr val="EFFAFF"/>
+                    </a:solidFill>
+                  </a:tcPr>
+                </a:tc>
+                <a:tc>
+                  <a:txBody>
+                    <a:bodyPr/>
+                    <a:lstStyle/>
+                    <a:p>
+                      <a:pPr fontAlgn="t"/>
+                      <a:r>
+                        <a:rPr lang="en-US" sz="1200">
+                          <a:effectLst/>
+                        </a:rPr>
+                        <a:t>1395.00</a:t>
+                      </a:r>
+                    </a:p>
+                  </a:txBody>
+                  <a:tcPr marL="15989" marR="15989" marT="15989" marB="15989">
+                    <a:lnL w="6350" cap="flat" cmpd="sng" algn="ctr">
+                      <a:solidFill>
+                        <a:srgbClr val="99ACC2"/>
+                      </a:solidFill>
+                      <a:prstDash val="solid"/>
+                      <a:round/>
+                      <a:headEnd type="none" w="med" len="med"/>
+                      <a:tailEnd type="none" w="med" len="med"/>
+                    </a:lnL>
+                    <a:lnR w="6350" cap="flat" cmpd="sng" algn="ctr">
+                      <a:solidFill>
+                        <a:srgbClr val="99ACC2"/>
+                      </a:solidFill>
+                      <a:prstDash val="solid"/>
+                      <a:round/>
+                      <a:headEnd type="none" w="med" len="med"/>
+                      <a:tailEnd type="none" w="med" len="med"/>
+                    </a:lnR>
+                    <a:lnT w="6350" cap="flat" cmpd="sng" algn="ctr">
+                      <a:solidFill>
+                        <a:srgbClr val="99ACC2"/>
+                      </a:solidFill>
+                      <a:prstDash val="solid"/>
+                      <a:round/>
+                      <a:headEnd type="none" w="med" len="med"/>
+                      <a:tailEnd type="none" w="med" len="med"/>
+                    </a:lnT>
+                    <a:lnB w="6350" cap="flat" cmpd="sng" algn="ctr">
+                      <a:solidFill>
+                        <a:srgbClr val="99ACC2"/>
+                      </a:solidFill>
+                      <a:prstDash val="solid"/>
+                      <a:round/>
+                      <a:headEnd type="none" w="med" len="med"/>
+                      <a:tailEnd type="none" w="med" len="med"/>
+                    </a:lnB>
+                    <a:solidFill>
+                      <a:srgbClr val="EFFAFF"/>
+                    </a:solidFill>
+                  </a:tcPr>
+                </a:tc>
+                <a:tc>
+                  <a:txBody>
+                    <a:bodyPr/>
+                    <a:lstStyle/>
+                    <a:p>
+                      <a:pPr fontAlgn="t"/>
+                      <a:r>
+                        <a:rPr lang="en-US" sz="1200" dirty="0">
+                          <a:effectLst/>
+                        </a:rPr>
+                        <a:t>18.30</a:t>
+                      </a:r>
+                    </a:p>
+                  </a:txBody>
+                  <a:tcPr marL="15989" marR="15989" marT="15989" marB="15989">
+                    <a:lnL w="6350" cap="flat" cmpd="sng" algn="ctr">
+                      <a:solidFill>
+                        <a:srgbClr val="99ACC2"/>
+                      </a:solidFill>
+                      <a:prstDash val="solid"/>
+                      <a:round/>
+                      <a:headEnd type="none" w="med" len="med"/>
+                      <a:tailEnd type="none" w="med" len="med"/>
+                    </a:lnL>
+                    <a:lnR w="6350" cap="flat" cmpd="sng" algn="ctr">
+                      <a:solidFill>
+                        <a:srgbClr val="99ACC2"/>
+                      </a:solidFill>
+                      <a:prstDash val="solid"/>
+                      <a:round/>
+                      <a:headEnd type="none" w="med" len="med"/>
+                      <a:tailEnd type="none" w="med" len="med"/>
+                    </a:lnR>
+                    <a:lnT w="6350" cap="flat" cmpd="sng" algn="ctr">
+                      <a:solidFill>
+                        <a:srgbClr val="99ACC2"/>
+                      </a:solidFill>
+                      <a:prstDash val="solid"/>
+                      <a:round/>
+                      <a:headEnd type="none" w="med" len="med"/>
+                      <a:tailEnd type="none" w="med" len="med"/>
+                    </a:lnT>
+                    <a:lnB w="6350" cap="flat" cmpd="sng" algn="ctr">
+                      <a:solidFill>
+                        <a:srgbClr val="99ACC2"/>
+                      </a:solidFill>
+                      <a:prstDash val="solid"/>
+                      <a:round/>
+                      <a:headEnd type="none" w="med" len="med"/>
+                      <a:tailEnd type="none" w="med" len="med"/>
+                    </a:lnB>
+                    <a:solidFill>
+                      <a:srgbClr val="EFFAFF"/>
+                    </a:solidFill>
+                  </a:tcPr>
+                </a:tc>
+                <a:tc>
+                  <a:txBody>
+                    <a:bodyPr/>
+                    <a:lstStyle/>
+                    <a:p>
+                      <a:pPr fontAlgn="t"/>
+                      <a:r>
+                        <a:rPr lang="en-US" sz="1200" dirty="0">
+                          <a:effectLst/>
+                        </a:rPr>
+                        <a:t>34417.53</a:t>
+                      </a:r>
+                    </a:p>
+                  </a:txBody>
+                  <a:tcPr marL="15989" marR="15989" marT="15989" marB="15989">
+                    <a:lnL w="6350" cap="flat" cmpd="sng" algn="ctr">
+                      <a:solidFill>
+                        <a:srgbClr val="99ACC2"/>
+                      </a:solidFill>
+                      <a:prstDash val="solid"/>
+                      <a:round/>
+                      <a:headEnd type="none" w="med" len="med"/>
+                      <a:tailEnd type="none" w="med" len="med"/>
+                    </a:lnL>
+                    <a:lnR w="6350" cap="flat" cmpd="sng" algn="ctr">
+                      <a:solidFill>
+                        <a:srgbClr val="99ACC2"/>
+                      </a:solidFill>
+                      <a:prstDash val="solid"/>
+                      <a:round/>
+                      <a:headEnd type="none" w="med" len="med"/>
+                      <a:tailEnd type="none" w="med" len="med"/>
+                    </a:lnR>
+                    <a:lnT w="6350" cap="flat" cmpd="sng" algn="ctr">
+                      <a:solidFill>
+                        <a:srgbClr val="99ACC2"/>
+                      </a:solidFill>
+                      <a:prstDash val="solid"/>
+                      <a:round/>
+                      <a:headEnd type="none" w="med" len="med"/>
+                      <a:tailEnd type="none" w="med" len="med"/>
+                    </a:lnT>
+                    <a:lnB w="6350" cap="flat" cmpd="sng" algn="ctr">
+                      <a:solidFill>
+                        <a:srgbClr val="99ACC2"/>
+                      </a:solidFill>
+                      <a:prstDash val="solid"/>
+                      <a:round/>
+                      <a:headEnd type="none" w="med" len="med"/>
+                      <a:tailEnd type="none" w="med" len="med"/>
+                    </a:lnB>
+                    <a:solidFill>
+                      <a:srgbClr val="EFFAFF"/>
+                    </a:solidFill>
+                  </a:tcPr>
+                </a:tc>
+                <a:extLst>
+                  <a:ext uri="{0D108BD9-81ED-4DB2-BD59-A6C34878D82A}">
+                    <a16:rowId xmlns:a16="http://schemas.microsoft.com/office/drawing/2014/main" val="1474044291"/>
+                  </a:ext>
+                </a:extLst>
+              </a:tr>
+              <a:tr h="349639">
+                <a:tc>
+                  <a:txBody>
+                    <a:bodyPr/>
+                    <a:lstStyle/>
+                    <a:p>
+                      <a:pPr fontAlgn="t"/>
+                      <a:r>
+                        <a:rPr lang="en-US" sz="1200">
+                          <a:effectLst/>
+                        </a:rPr>
+                        <a:t>Test Regression</a:t>
+                      </a:r>
+                    </a:p>
+                  </a:txBody>
+                  <a:tcPr marL="15989" marR="15989" marT="15989" marB="15989">
+                    <a:lnL w="6350" cap="flat" cmpd="sng" algn="ctr">
+                      <a:solidFill>
+                        <a:srgbClr val="99ACC2"/>
+                      </a:solidFill>
+                      <a:prstDash val="solid"/>
+                      <a:round/>
+                      <a:headEnd type="none" w="med" len="med"/>
+                      <a:tailEnd type="none" w="med" len="med"/>
+                    </a:lnL>
+                    <a:lnR w="6350" cap="flat" cmpd="sng" algn="ctr">
+                      <a:solidFill>
+                        <a:srgbClr val="99ACC2"/>
+                      </a:solidFill>
+                      <a:prstDash val="solid"/>
+                      <a:round/>
+                      <a:headEnd type="none" w="med" len="med"/>
+                      <a:tailEnd type="none" w="med" len="med"/>
+                    </a:lnR>
+                    <a:lnT w="6350" cap="flat" cmpd="sng" algn="ctr">
+                      <a:solidFill>
+                        <a:srgbClr val="99ACC2"/>
+                      </a:solidFill>
+                      <a:prstDash val="solid"/>
+                      <a:round/>
+                      <a:headEnd type="none" w="med" len="med"/>
+                      <a:tailEnd type="none" w="med" len="med"/>
+                    </a:lnT>
+                    <a:lnB w="6350" cap="flat" cmpd="sng" algn="ctr">
+                      <a:solidFill>
+                        <a:srgbClr val="99ACC2"/>
+                      </a:solidFill>
+                      <a:prstDash val="solid"/>
+                      <a:round/>
+                      <a:headEnd type="none" w="med" len="med"/>
+                      <a:tailEnd type="none" w="med" len="med"/>
+                    </a:lnB>
+                  </a:tcPr>
+                </a:tc>
+                <a:tc>
+                  <a:txBody>
+                    <a:bodyPr/>
+                    <a:lstStyle/>
+                    <a:p>
+                      <a:pPr fontAlgn="t"/>
+                      <a:r>
+                        <a:rPr lang="en-US" sz="1200">
+                          <a:effectLst/>
+                        </a:rPr>
+                        <a:t>27900.00</a:t>
+                      </a:r>
+                    </a:p>
+                  </a:txBody>
+                  <a:tcPr marL="15989" marR="15989" marT="15989" marB="15989">
+                    <a:lnL w="6350" cap="flat" cmpd="sng" algn="ctr">
+                      <a:solidFill>
+                        <a:srgbClr val="99ACC2"/>
+                      </a:solidFill>
+                      <a:prstDash val="solid"/>
+                      <a:round/>
+                      <a:headEnd type="none" w="med" len="med"/>
+                      <a:tailEnd type="none" w="med" len="med"/>
+                    </a:lnL>
+                    <a:lnR w="6350" cap="flat" cmpd="sng" algn="ctr">
+                      <a:solidFill>
+                        <a:srgbClr val="99ACC2"/>
+                      </a:solidFill>
+                      <a:prstDash val="solid"/>
+                      <a:round/>
+                      <a:headEnd type="none" w="med" len="med"/>
+                      <a:tailEnd type="none" w="med" len="med"/>
+                    </a:lnR>
+                    <a:lnT w="6350" cap="flat" cmpd="sng" algn="ctr">
+                      <a:solidFill>
+                        <a:srgbClr val="99ACC2"/>
+                      </a:solidFill>
+                      <a:prstDash val="solid"/>
+                      <a:round/>
+                      <a:headEnd type="none" w="med" len="med"/>
+                      <a:tailEnd type="none" w="med" len="med"/>
+                    </a:lnT>
+                    <a:lnB w="6350" cap="flat" cmpd="sng" algn="ctr">
+                      <a:solidFill>
+                        <a:srgbClr val="99ACC2"/>
+                      </a:solidFill>
+                      <a:prstDash val="solid"/>
+                      <a:round/>
+                      <a:headEnd type="none" w="med" len="med"/>
+                      <a:tailEnd type="none" w="med" len="med"/>
+                    </a:lnB>
+                  </a:tcPr>
+                </a:tc>
+                <a:tc>
+                  <a:txBody>
+                    <a:bodyPr/>
+                    <a:lstStyle/>
+                    <a:p>
+                      <a:pPr fontAlgn="t"/>
+                      <a:r>
+                        <a:rPr lang="en-US" sz="1200">
+                          <a:effectLst/>
+                        </a:rPr>
+                        <a:t>150.00</a:t>
+                      </a:r>
+                    </a:p>
+                  </a:txBody>
+                  <a:tcPr marL="15989" marR="15989" marT="15989" marB="15989">
+                    <a:lnL w="6350" cap="flat" cmpd="sng" algn="ctr">
+                      <a:solidFill>
+                        <a:srgbClr val="99ACC2"/>
+                      </a:solidFill>
+                      <a:prstDash val="solid"/>
+                      <a:round/>
+                      <a:headEnd type="none" w="med" len="med"/>
+                      <a:tailEnd type="none" w="med" len="med"/>
+                    </a:lnL>
+                    <a:lnR w="6350" cap="flat" cmpd="sng" algn="ctr">
+                      <a:solidFill>
+                        <a:srgbClr val="99ACC2"/>
+                      </a:solidFill>
+                      <a:prstDash val="solid"/>
+                      <a:round/>
+                      <a:headEnd type="none" w="med" len="med"/>
+                      <a:tailEnd type="none" w="med" len="med"/>
+                    </a:lnR>
+                    <a:lnT w="6350" cap="flat" cmpd="sng" algn="ctr">
+                      <a:solidFill>
+                        <a:srgbClr val="99ACC2"/>
+                      </a:solidFill>
+                      <a:prstDash val="solid"/>
+                      <a:round/>
+                      <a:headEnd type="none" w="med" len="med"/>
+                      <a:tailEnd type="none" w="med" len="med"/>
+                    </a:lnT>
+                    <a:lnB w="6350" cap="flat" cmpd="sng" algn="ctr">
+                      <a:solidFill>
+                        <a:srgbClr val="99ACC2"/>
+                      </a:solidFill>
+                      <a:prstDash val="solid"/>
+                      <a:round/>
+                      <a:headEnd type="none" w="med" len="med"/>
+                      <a:tailEnd type="none" w="med" len="med"/>
+                    </a:lnB>
+                  </a:tcPr>
+                </a:tc>
+                <a:tc>
+                  <a:txBody>
+                    <a:bodyPr/>
+                    <a:lstStyle/>
+                    <a:p>
+                      <a:pPr fontAlgn="t"/>
+                      <a:r>
+                        <a:rPr lang="en-US" sz="1200" dirty="0">
+                          <a:effectLst/>
+                        </a:rPr>
+                        <a:t>693732.64</a:t>
+                      </a:r>
+                    </a:p>
+                  </a:txBody>
+                  <a:tcPr marL="15989" marR="15989" marT="15989" marB="15989">
+                    <a:lnL w="6350" cap="flat" cmpd="sng" algn="ctr">
+                      <a:solidFill>
+                        <a:srgbClr val="99ACC2"/>
+                      </a:solidFill>
+                      <a:prstDash val="solid"/>
+                      <a:round/>
+                      <a:headEnd type="none" w="med" len="med"/>
+                      <a:tailEnd type="none" w="med" len="med"/>
+                    </a:lnL>
+                    <a:lnR w="6350" cap="flat" cmpd="sng" algn="ctr">
+                      <a:solidFill>
+                        <a:srgbClr val="99ACC2"/>
+                      </a:solidFill>
+                      <a:prstDash val="solid"/>
+                      <a:round/>
+                      <a:headEnd type="none" w="med" len="med"/>
+                      <a:tailEnd type="none" w="med" len="med"/>
+                    </a:lnR>
+                    <a:lnT w="6350" cap="flat" cmpd="sng" algn="ctr">
+                      <a:solidFill>
+                        <a:srgbClr val="99ACC2"/>
+                      </a:solidFill>
+                      <a:prstDash val="solid"/>
+                      <a:round/>
+                      <a:headEnd type="none" w="med" len="med"/>
+                      <a:tailEnd type="none" w="med" len="med"/>
+                    </a:lnT>
+                    <a:lnB w="6350" cap="flat" cmpd="sng" algn="ctr">
+                      <a:solidFill>
+                        <a:srgbClr val="99ACC2"/>
+                      </a:solidFill>
+                      <a:prstDash val="solid"/>
+                      <a:round/>
+                      <a:headEnd type="none" w="med" len="med"/>
+                      <a:tailEnd type="none" w="med" len="med"/>
+                    </a:lnB>
+                  </a:tcPr>
+                </a:tc>
+                <a:extLst>
+                  <a:ext uri="{0D108BD9-81ED-4DB2-BD59-A6C34878D82A}">
+                    <a16:rowId xmlns:a16="http://schemas.microsoft.com/office/drawing/2014/main" val="1500199855"/>
+                  </a:ext>
+                </a:extLst>
+              </a:tr>
+              <a:tr h="510402">
+                <a:tc>
+                  <a:txBody>
+                    <a:bodyPr/>
+                    <a:lstStyle/>
+                    <a:p>
+                      <a:pPr fontAlgn="t"/>
+                      <a:r>
+                        <a:rPr lang="en-US" sz="1200">
+                          <a:effectLst/>
+                        </a:rPr>
+                        <a:t>Reporting</a:t>
+                      </a:r>
+                    </a:p>
+                  </a:txBody>
+                  <a:tcPr marL="15989" marR="15989" marT="15989" marB="15989">
+                    <a:lnL w="6350" cap="flat" cmpd="sng" algn="ctr">
+                      <a:solidFill>
+                        <a:srgbClr val="99ACC2"/>
+                      </a:solidFill>
+                      <a:prstDash val="solid"/>
+                      <a:round/>
+                      <a:headEnd type="none" w="med" len="med"/>
+                      <a:tailEnd type="none" w="med" len="med"/>
+                    </a:lnL>
+                    <a:lnR w="6350" cap="flat" cmpd="sng" algn="ctr">
+                      <a:solidFill>
+                        <a:srgbClr val="99ACC2"/>
+                      </a:solidFill>
+                      <a:prstDash val="solid"/>
+                      <a:round/>
+                      <a:headEnd type="none" w="med" len="med"/>
+                      <a:tailEnd type="none" w="med" len="med"/>
+                    </a:lnR>
+                    <a:lnT w="6350" cap="flat" cmpd="sng" algn="ctr">
+                      <a:solidFill>
+                        <a:srgbClr val="99ACC2"/>
+                      </a:solidFill>
+                      <a:prstDash val="solid"/>
+                      <a:round/>
+                      <a:headEnd type="none" w="med" len="med"/>
+                      <a:tailEnd type="none" w="med" len="med"/>
+                    </a:lnT>
+                    <a:lnB w="6350" cap="flat" cmpd="sng" algn="ctr">
+                      <a:solidFill>
+                        <a:srgbClr val="99ACC2"/>
+                      </a:solidFill>
+                      <a:prstDash val="solid"/>
+                      <a:round/>
+                      <a:headEnd type="none" w="med" len="med"/>
+                      <a:tailEnd type="none" w="med" len="med"/>
+                    </a:lnB>
+                    <a:solidFill>
+                      <a:srgbClr val="EFFAFF"/>
+                    </a:solidFill>
+                  </a:tcPr>
+                </a:tc>
+                <a:tc>
+                  <a:txBody>
+                    <a:bodyPr/>
+                    <a:lstStyle/>
+                    <a:p>
+                      <a:pPr fontAlgn="t"/>
+                      <a:r>
+                        <a:rPr lang="en-US" sz="1200">
+                          <a:effectLst/>
+                        </a:rPr>
+                        <a:t>56.00</a:t>
+                      </a:r>
+                    </a:p>
+                  </a:txBody>
+                  <a:tcPr marL="15989" marR="15989" marT="15989" marB="15989">
+                    <a:lnL w="6350" cap="flat" cmpd="sng" algn="ctr">
+                      <a:solidFill>
+                        <a:srgbClr val="99ACC2"/>
+                      </a:solidFill>
+                      <a:prstDash val="solid"/>
+                      <a:round/>
+                      <a:headEnd type="none" w="med" len="med"/>
+                      <a:tailEnd type="none" w="med" len="med"/>
+                    </a:lnL>
+                    <a:lnR w="6350" cap="flat" cmpd="sng" algn="ctr">
+                      <a:solidFill>
+                        <a:srgbClr val="99ACC2"/>
+                      </a:solidFill>
+                      <a:prstDash val="solid"/>
+                      <a:round/>
+                      <a:headEnd type="none" w="med" len="med"/>
+                      <a:tailEnd type="none" w="med" len="med"/>
+                    </a:lnR>
+                    <a:lnT w="6350" cap="flat" cmpd="sng" algn="ctr">
+                      <a:solidFill>
+                        <a:srgbClr val="99ACC2"/>
+                      </a:solidFill>
+                      <a:prstDash val="solid"/>
+                      <a:round/>
+                      <a:headEnd type="none" w="med" len="med"/>
+                      <a:tailEnd type="none" w="med" len="med"/>
+                    </a:lnT>
+                    <a:lnB w="6350" cap="flat" cmpd="sng" algn="ctr">
+                      <a:solidFill>
+                        <a:srgbClr val="99ACC2"/>
+                      </a:solidFill>
+                      <a:prstDash val="solid"/>
+                      <a:round/>
+                      <a:headEnd type="none" w="med" len="med"/>
+                      <a:tailEnd type="none" w="med" len="med"/>
+                    </a:lnB>
+                    <a:solidFill>
+                      <a:srgbClr val="EFFAFF"/>
+                    </a:solidFill>
+                  </a:tcPr>
+                </a:tc>
+                <a:tc>
+                  <a:txBody>
+                    <a:bodyPr/>
+                    <a:lstStyle/>
+                    <a:p>
+                      <a:pPr fontAlgn="t"/>
+                      <a:r>
+                        <a:rPr lang="en-US" sz="1200">
+                          <a:effectLst/>
+                        </a:rPr>
+                        <a:t>205.00</a:t>
+                      </a:r>
+                    </a:p>
+                  </a:txBody>
+                  <a:tcPr marL="15989" marR="15989" marT="15989" marB="15989">
+                    <a:lnL w="6350" cap="flat" cmpd="sng" algn="ctr">
+                      <a:solidFill>
+                        <a:srgbClr val="99ACC2"/>
+                      </a:solidFill>
+                      <a:prstDash val="solid"/>
+                      <a:round/>
+                      <a:headEnd type="none" w="med" len="med"/>
+                      <a:tailEnd type="none" w="med" len="med"/>
+                    </a:lnL>
+                    <a:lnR w="6350" cap="flat" cmpd="sng" algn="ctr">
+                      <a:solidFill>
+                        <a:srgbClr val="99ACC2"/>
+                      </a:solidFill>
+                      <a:prstDash val="solid"/>
+                      <a:round/>
+                      <a:headEnd type="none" w="med" len="med"/>
+                      <a:tailEnd type="none" w="med" len="med"/>
+                    </a:lnR>
+                    <a:lnT w="6350" cap="flat" cmpd="sng" algn="ctr">
+                      <a:solidFill>
+                        <a:srgbClr val="99ACC2"/>
+                      </a:solidFill>
+                      <a:prstDash val="solid"/>
+                      <a:round/>
+                      <a:headEnd type="none" w="med" len="med"/>
+                      <a:tailEnd type="none" w="med" len="med"/>
+                    </a:lnT>
+                    <a:lnB w="6350" cap="flat" cmpd="sng" algn="ctr">
+                      <a:solidFill>
+                        <a:srgbClr val="99ACC2"/>
+                      </a:solidFill>
+                      <a:prstDash val="solid"/>
+                      <a:round/>
+                      <a:headEnd type="none" w="med" len="med"/>
+                      <a:tailEnd type="none" w="med" len="med"/>
+                    </a:lnB>
+                    <a:solidFill>
+                      <a:srgbClr val="EFFAFF"/>
+                    </a:solidFill>
+                  </a:tcPr>
+                </a:tc>
+                <a:tc>
+                  <a:txBody>
+                    <a:bodyPr/>
+                    <a:lstStyle/>
+                    <a:p>
+                      <a:pPr fontAlgn="t"/>
+                      <a:r>
+                        <a:rPr lang="en-US" sz="1200" dirty="0">
+                          <a:effectLst/>
+                        </a:rPr>
+                        <a:t>-3725.00</a:t>
+                      </a:r>
+                    </a:p>
+                  </a:txBody>
+                  <a:tcPr marL="15989" marR="15989" marT="15989" marB="15989">
+                    <a:lnL w="6350" cap="flat" cmpd="sng" algn="ctr">
+                      <a:solidFill>
+                        <a:srgbClr val="99ACC2"/>
+                      </a:solidFill>
+                      <a:prstDash val="solid"/>
+                      <a:round/>
+                      <a:headEnd type="none" w="med" len="med"/>
+                      <a:tailEnd type="none" w="med" len="med"/>
+                    </a:lnL>
+                    <a:lnR w="6350" cap="flat" cmpd="sng" algn="ctr">
+                      <a:solidFill>
+                        <a:srgbClr val="99ACC2"/>
+                      </a:solidFill>
+                      <a:prstDash val="solid"/>
+                      <a:round/>
+                      <a:headEnd type="none" w="med" len="med"/>
+                      <a:tailEnd type="none" w="med" len="med"/>
+                    </a:lnR>
+                    <a:lnT w="6350" cap="flat" cmpd="sng" algn="ctr">
+                      <a:solidFill>
+                        <a:srgbClr val="99ACC2"/>
+                      </a:solidFill>
+                      <a:prstDash val="solid"/>
+                      <a:round/>
+                      <a:headEnd type="none" w="med" len="med"/>
+                      <a:tailEnd type="none" w="med" len="med"/>
+                    </a:lnT>
+                    <a:lnB w="6350" cap="flat" cmpd="sng" algn="ctr">
+                      <a:solidFill>
+                        <a:srgbClr val="99ACC2"/>
+                      </a:solidFill>
+                      <a:prstDash val="solid"/>
+                      <a:round/>
+                      <a:headEnd type="none" w="med" len="med"/>
+                      <a:tailEnd type="none" w="med" len="med"/>
+                    </a:lnB>
+                    <a:solidFill>
+                      <a:srgbClr val="EFFAFF"/>
+                    </a:solidFill>
+                  </a:tcPr>
+                </a:tc>
+                <a:extLst>
+                  <a:ext uri="{0D108BD9-81ED-4DB2-BD59-A6C34878D82A}">
+                    <a16:rowId xmlns:a16="http://schemas.microsoft.com/office/drawing/2014/main" val="3801582816"/>
+                  </a:ext>
+                </a:extLst>
+              </a:tr>
+            </a:tbl>
+          </a:graphicData>
+        </a:graphic>
+      </p:graphicFrame>
+      <p:sp>
+        <p:nvSpPr>
+          <p:cNvPr id="14" name="TextBox 13">
+            <a:extLst>
+              <a:ext uri="{FF2B5EF4-FFF2-40B4-BE49-F238E27FC236}">
+                <a16:creationId xmlns:a16="http://schemas.microsoft.com/office/drawing/2014/main" id="{0BAF3FF5-82F3-38BA-3302-AE8EBBBD0C05}"/>
+              </a:ext>
+            </a:extLst>
+          </p:cNvPr>
+          <p:cNvSpPr txBox="1"/>
+          <p:nvPr/>
+        </p:nvSpPr>
+        <p:spPr>
+          <a:xfrm>
+            <a:off x="474651" y="893509"/>
+            <a:ext cx="5382373" cy="1077218"/>
+          </a:xfrm>
+          <a:prstGeom prst="rect">
+            <a:avLst/>
+          </a:prstGeom>
+          <a:noFill/>
+        </p:spPr>
+        <p:txBody>
+          <a:bodyPr wrap="square" rtlCol="0">
+            <a:spAutoFit/>
+          </a:bodyPr>
+          <a:lstStyle/>
+          <a:p>
+            <a:pPr algn="just"/>
+            <a:r>
+              <a:rPr lang="en-US" sz="1600" b="0" i="0" dirty="0">
+                <a:effectLst/>
+                <a:latin typeface="Roboto Light" panose="02000000000000000000" pitchFamily="2" charset="0"/>
+                <a:ea typeface="Roboto Light" panose="02000000000000000000" pitchFamily="2" charset="0"/>
+                <a:cs typeface="Roboto Light" panose="02000000000000000000" pitchFamily="2" charset="0"/>
+              </a:rPr>
+              <a:t>The table below illustrates the investment of a real Automation Testing project:</a:t>
+            </a:r>
+          </a:p>
+          <a:p>
+            <a:pPr algn="just"/>
+            <a:r>
+              <a:rPr lang="en-US" sz="1600" b="1" dirty="0">
+                <a:latin typeface="Roboto Light" panose="02000000000000000000" pitchFamily="2" charset="0"/>
+                <a:ea typeface="Roboto Light" panose="02000000000000000000" pitchFamily="2" charset="0"/>
+                <a:cs typeface="Roboto Light" panose="02000000000000000000" pitchFamily="2" charset="0"/>
+              </a:rPr>
+              <a:t>ROI= ((Gain from Investment - Cost of Investment)⁄Cost of Investment)  x 100</a:t>
+            </a:r>
+          </a:p>
+        </p:txBody>
+      </p:sp>
+    </p:spTree>
+    <p:extLst>
+      <p:ext uri="{BB962C8B-B14F-4D97-AF65-F5344CB8AC3E}">
+        <p14:creationId xmlns:p14="http://schemas.microsoft.com/office/powerpoint/2010/main" val="1223211559"/>
+      </p:ext>
+    </p:extLst>
+  </p:cSld>
+  <p:clrMapOvr>
+    <a:masterClrMapping/>
+  </p:clrMapOvr>
+</p:sld>
+</file>
+
+<file path=ppt/slides/slide6.xml><?xml version="1.0" encoding="utf-8"?>
+<p:sld xmlns:a="http://schemas.openxmlformats.org/drawingml/2006/main" xmlns:r="http://schemas.openxmlformats.org/officeDocument/2006/relationships" xmlns:p="http://schemas.openxmlformats.org/presentationml/2006/main">
+  <p:cSld>
+    <p:spTree>
+      <p:nvGrpSpPr>
+        <p:cNvPr id="1" name="Shape 98"/>
+        <p:cNvGrpSpPr/>
+        <p:nvPr/>
+      </p:nvGrpSpPr>
+      <p:grpSpPr>
+        <a:xfrm>
+          <a:off x="0" y="0"/>
+          <a:ext cx="0" cy="0"/>
+          <a:chOff x="0" y="0"/>
+          <a:chExt cx="0" cy="0"/>
+        </a:xfrm>
+      </p:grpSpPr>
+      <p:grpSp>
+        <p:nvGrpSpPr>
+          <p:cNvPr id="99" name="Google Shape;99;p16"/>
+          <p:cNvGrpSpPr/>
+          <p:nvPr/>
+        </p:nvGrpSpPr>
+        <p:grpSpPr>
+          <a:xfrm>
+            <a:off x="152401" y="6252644"/>
+            <a:ext cx="11887100" cy="510867"/>
+            <a:chOff x="114300" y="4689483"/>
+            <a:chExt cx="8915325" cy="383150"/>
+          </a:xfrm>
+        </p:grpSpPr>
+        <p:pic>
+          <p:nvPicPr>
+            <p:cNvPr id="100" name="Google Shape;100;p16"/>
+            <p:cNvPicPr preferRelativeResize="0"/>
+            <p:nvPr/>
+          </p:nvPicPr>
+          <p:blipFill>
+            <a:blip r:embed="rId3">
+              <a:alphaModFix/>
+            </a:blip>
+            <a:stretch>
+              <a:fillRect/>
+            </a:stretch>
+          </p:blipFill>
+          <p:spPr>
+            <a:xfrm>
+              <a:off x="114300" y="4689483"/>
+              <a:ext cx="1518224" cy="383150"/>
+            </a:xfrm>
+            <a:prstGeom prst="rect">
+              <a:avLst/>
+            </a:prstGeom>
+            <a:noFill/>
+            <a:ln>
+              <a:noFill/>
+            </a:ln>
+          </p:spPr>
+        </p:pic>
+        <p:sp>
+          <p:nvSpPr>
+            <p:cNvPr id="101" name="Google Shape;101;p16"/>
+            <p:cNvSpPr/>
+            <p:nvPr/>
+          </p:nvSpPr>
+          <p:spPr>
+            <a:xfrm>
+              <a:off x="1760625" y="4964175"/>
+              <a:ext cx="7269000" cy="30600"/>
+            </a:xfrm>
+            <a:prstGeom prst="rect">
+              <a:avLst/>
+            </a:prstGeom>
+            <a:solidFill>
+              <a:schemeClr val="lt2"/>
+            </a:solidFill>
+            <a:ln>
+              <a:noFill/>
+            </a:ln>
+          </p:spPr>
+          <p:txBody>
+            <a:bodyPr spcFirstLastPara="1" wrap="square" lIns="121900" tIns="121900" rIns="121900" bIns="121900" anchor="ctr" anchorCtr="0">
+              <a:noAutofit/>
+            </a:bodyPr>
+            <a:lstStyle/>
+            <a:p>
+              <a:pPr defTabSz="1219170">
+                <a:buClr>
+                  <a:srgbClr val="000000"/>
+                </a:buClr>
+              </a:pPr>
+              <a:endParaRPr sz="1867" kern="0">
+                <a:solidFill>
+                  <a:srgbClr val="000000"/>
+                </a:solidFill>
+                <a:latin typeface="Arial"/>
+                <a:cs typeface="Arial"/>
+                <a:sym typeface="Arial"/>
+              </a:endParaRPr>
+            </a:p>
+          </p:txBody>
+        </p:sp>
+      </p:grpSp>
+      <p:pic>
+        <p:nvPicPr>
+          <p:cNvPr id="102" name="Google Shape;102;p16"/>
+          <p:cNvPicPr preferRelativeResize="0"/>
+          <p:nvPr/>
+        </p:nvPicPr>
+        <p:blipFill>
+          <a:blip r:embed="rId4">
+            <a:alphaModFix/>
+          </a:blip>
+          <a:stretch>
+            <a:fillRect/>
+          </a:stretch>
+        </p:blipFill>
+        <p:spPr>
+          <a:xfrm>
+            <a:off x="152401" y="223000"/>
+            <a:ext cx="269999" cy="586997"/>
+          </a:xfrm>
+          <a:prstGeom prst="rect">
+            <a:avLst/>
+          </a:prstGeom>
+          <a:noFill/>
+          <a:ln>
+            <a:noFill/>
+          </a:ln>
+        </p:spPr>
+      </p:pic>
+      <p:sp>
+        <p:nvSpPr>
+          <p:cNvPr id="103" name="Google Shape;103;p16"/>
+          <p:cNvSpPr txBox="1"/>
+          <p:nvPr/>
+        </p:nvSpPr>
+        <p:spPr>
+          <a:xfrm>
+            <a:off x="524000" y="188101"/>
+            <a:ext cx="7515600" cy="656614"/>
+          </a:xfrm>
+          <a:prstGeom prst="rect">
+            <a:avLst/>
+          </a:prstGeom>
+          <a:noFill/>
+          <a:ln>
+            <a:noFill/>
+          </a:ln>
+        </p:spPr>
+        <p:txBody>
+          <a:bodyPr spcFirstLastPara="1" wrap="square" lIns="121900" tIns="121900" rIns="121900" bIns="121900" anchor="t" anchorCtr="0">
+            <a:spAutoFit/>
+          </a:bodyPr>
+          <a:lstStyle/>
+          <a:p>
+            <a:pPr defTabSz="1219170">
+              <a:buClr>
+                <a:srgbClr val="000000"/>
+              </a:buClr>
+            </a:pPr>
+            <a:r>
+              <a:rPr lang="vi-VN" sz="2667" b="1" kern="0" dirty="0">
+                <a:solidFill>
+                  <a:srgbClr val="8DC63F"/>
+                </a:solidFill>
+                <a:latin typeface="Roboto"/>
+                <a:ea typeface="Roboto"/>
+                <a:cs typeface="Roboto"/>
+                <a:sym typeface="Roboto"/>
+              </a:rPr>
+              <a:t>PURPOSE</a:t>
+            </a:r>
+            <a:endParaRPr lang="en-US" sz="2667" b="1" kern="0" dirty="0">
+              <a:solidFill>
+                <a:srgbClr val="8DC63F"/>
+              </a:solidFill>
+              <a:latin typeface="Roboto"/>
+              <a:ea typeface="Roboto"/>
+              <a:cs typeface="Roboto"/>
+              <a:sym typeface="Roboto"/>
+            </a:endParaRPr>
+          </a:p>
+        </p:txBody>
+      </p:sp>
+      <p:pic>
+        <p:nvPicPr>
+          <p:cNvPr id="6" name="Picture 5" descr="A picture containing text, screenshot, line, plot&#10;&#10;Description automatically generated">
+            <a:extLst>
+              <a:ext uri="{FF2B5EF4-FFF2-40B4-BE49-F238E27FC236}">
+                <a16:creationId xmlns:a16="http://schemas.microsoft.com/office/drawing/2014/main" id="{56F606B5-D8B4-4C3F-3BC8-8CF9B2ADA447}"/>
+              </a:ext>
+            </a:extLst>
+          </p:cNvPr>
+          <p:cNvPicPr>
+            <a:picLocks noChangeAspect="1"/>
+          </p:cNvPicPr>
+          <p:nvPr/>
+        </p:nvPicPr>
+        <p:blipFill>
+          <a:blip r:embed="rId5">
+            <a:extLst>
+              <a:ext uri="{28A0092B-C50C-407E-A947-70E740481C1C}">
+                <a14:useLocalDpi xmlns:a14="http://schemas.microsoft.com/office/drawing/2010/main" val="0"/>
+              </a:ext>
+            </a:extLst>
+          </a:blip>
+          <a:stretch>
+            <a:fillRect/>
+          </a:stretch>
+        </p:blipFill>
+        <p:spPr>
+          <a:xfrm>
+            <a:off x="152401" y="1095957"/>
+            <a:ext cx="11685372" cy="4350567"/>
+          </a:xfrm>
+          <a:prstGeom prst="rect">
+            <a:avLst/>
+          </a:prstGeom>
+        </p:spPr>
+      </p:pic>
+    </p:spTree>
+    <p:extLst>
+      <p:ext uri="{BB962C8B-B14F-4D97-AF65-F5344CB8AC3E}">
+        <p14:creationId xmlns:p14="http://schemas.microsoft.com/office/powerpoint/2010/main" val="1260061086"/>
+      </p:ext>
+    </p:extLst>
+  </p:cSld>
+  <p:clrMapOvr>
+    <a:masterClrMapping/>
+  </p:clrMapOvr>
+</p:sld>
+</file>
+
+<file path=ppt/slides/slide7.xml><?xml version="1.0" encoding="utf-8"?>
 <p:sld xmlns:a="http://schemas.openxmlformats.org/drawingml/2006/main" xmlns:r="http://schemas.openxmlformats.org/officeDocument/2006/relationships" xmlns:p="http://schemas.openxmlformats.org/presentationml/2006/main">
   <p:cSld>
     <p:spTree>
@@ -16970,7 +22095,7 @@
 </p:sld>
 </file>
 
-<file path=ppt/slides/slide6.xml><?xml version="1.0" encoding="utf-8"?>
+<file path=ppt/slides/slide8.xml><?xml version="1.0" encoding="utf-8"?>
 <p:sld xmlns:a="http://schemas.openxmlformats.org/drawingml/2006/main" xmlns:r="http://schemas.openxmlformats.org/officeDocument/2006/relationships" xmlns:p="http://schemas.openxmlformats.org/presentationml/2006/main">
   <p:cSld>
     <p:spTree>
@@ -17195,7 +22320,7 @@
 </p:sld>
 </file>
 
-<file path=ppt/slides/slide7.xml><?xml version="1.0" encoding="utf-8"?>
+<file path=ppt/slides/slide9.xml><?xml version="1.0" encoding="utf-8"?>
 <p:sld xmlns:a="http://schemas.openxmlformats.org/drawingml/2006/main" xmlns:r="http://schemas.openxmlformats.org/officeDocument/2006/relationships" xmlns:p="http://schemas.openxmlformats.org/presentationml/2006/main">
   <p:cSld>
     <p:spTree>
@@ -17316,370 +22441,6 @@
     <p:extLst>
       <p:ext uri="{BB962C8B-B14F-4D97-AF65-F5344CB8AC3E}">
         <p14:creationId xmlns:p14="http://schemas.microsoft.com/office/powerpoint/2010/main" val="198026949"/>
-      </p:ext>
-    </p:extLst>
-  </p:cSld>
-  <p:clrMapOvr>
-    <a:masterClrMapping/>
-  </p:clrMapOvr>
-</p:sld>
-</file>
-
-<file path=ppt/slides/slide8.xml><?xml version="1.0" encoding="utf-8"?>
-<p:sld xmlns:a="http://schemas.openxmlformats.org/drawingml/2006/main" xmlns:r="http://schemas.openxmlformats.org/officeDocument/2006/relationships" xmlns:p="http://schemas.openxmlformats.org/presentationml/2006/main">
-  <p:cSld>
-    <p:spTree>
-      <p:nvGrpSpPr>
-        <p:cNvPr id="1" name="Shape 98"/>
-        <p:cNvGrpSpPr/>
-        <p:nvPr/>
-      </p:nvGrpSpPr>
-      <p:grpSpPr>
-        <a:xfrm>
-          <a:off x="0" y="0"/>
-          <a:ext cx="0" cy="0"/>
-          <a:chOff x="0" y="0"/>
-          <a:chExt cx="0" cy="0"/>
-        </a:xfrm>
-      </p:grpSpPr>
-      <p:grpSp>
-        <p:nvGrpSpPr>
-          <p:cNvPr id="99" name="Google Shape;99;p16"/>
-          <p:cNvGrpSpPr/>
-          <p:nvPr/>
-        </p:nvGrpSpPr>
-        <p:grpSpPr>
-          <a:xfrm>
-            <a:off x="152401" y="6252644"/>
-            <a:ext cx="11887100" cy="510867"/>
-            <a:chOff x="114300" y="4689483"/>
-            <a:chExt cx="8915325" cy="383150"/>
-          </a:xfrm>
-        </p:grpSpPr>
-        <p:pic>
-          <p:nvPicPr>
-            <p:cNvPr id="100" name="Google Shape;100;p16"/>
-            <p:cNvPicPr preferRelativeResize="0"/>
-            <p:nvPr/>
-          </p:nvPicPr>
-          <p:blipFill>
-            <a:blip r:embed="rId3">
-              <a:alphaModFix/>
-            </a:blip>
-            <a:stretch>
-              <a:fillRect/>
-            </a:stretch>
-          </p:blipFill>
-          <p:spPr>
-            <a:xfrm>
-              <a:off x="114300" y="4689483"/>
-              <a:ext cx="1518224" cy="383150"/>
-            </a:xfrm>
-            <a:prstGeom prst="rect">
-              <a:avLst/>
-            </a:prstGeom>
-            <a:noFill/>
-            <a:ln>
-              <a:noFill/>
-            </a:ln>
-          </p:spPr>
-        </p:pic>
-        <p:sp>
-          <p:nvSpPr>
-            <p:cNvPr id="101" name="Google Shape;101;p16"/>
-            <p:cNvSpPr/>
-            <p:nvPr/>
-          </p:nvSpPr>
-          <p:spPr>
-            <a:xfrm>
-              <a:off x="1760625" y="4964175"/>
-              <a:ext cx="7269000" cy="30600"/>
-            </a:xfrm>
-            <a:prstGeom prst="rect">
-              <a:avLst/>
-            </a:prstGeom>
-            <a:solidFill>
-              <a:schemeClr val="lt2"/>
-            </a:solidFill>
-            <a:ln>
-              <a:noFill/>
-            </a:ln>
-          </p:spPr>
-          <p:txBody>
-            <a:bodyPr spcFirstLastPara="1" wrap="square" lIns="121900" tIns="121900" rIns="121900" bIns="121900" anchor="ctr" anchorCtr="0">
-              <a:noAutofit/>
-            </a:bodyPr>
-            <a:lstStyle/>
-            <a:p>
-              <a:pPr defTabSz="1219170">
-                <a:buClr>
-                  <a:srgbClr val="000000"/>
-                </a:buClr>
-              </a:pPr>
-              <a:endParaRPr sz="1867" kern="0">
-                <a:solidFill>
-                  <a:srgbClr val="000000"/>
-                </a:solidFill>
-                <a:latin typeface="Arial"/>
-                <a:cs typeface="Arial"/>
-                <a:sym typeface="Arial"/>
-              </a:endParaRPr>
-            </a:p>
-          </p:txBody>
-        </p:sp>
-      </p:grpSp>
-      <p:pic>
-        <p:nvPicPr>
-          <p:cNvPr id="102" name="Google Shape;102;p16"/>
-          <p:cNvPicPr preferRelativeResize="0"/>
-          <p:nvPr/>
-        </p:nvPicPr>
-        <p:blipFill>
-          <a:blip r:embed="rId4">
-            <a:alphaModFix/>
-          </a:blip>
-          <a:stretch>
-            <a:fillRect/>
-          </a:stretch>
-        </p:blipFill>
-        <p:spPr>
-          <a:xfrm>
-            <a:off x="152401" y="223000"/>
-            <a:ext cx="269999" cy="586997"/>
-          </a:xfrm>
-          <a:prstGeom prst="rect">
-            <a:avLst/>
-          </a:prstGeom>
-          <a:noFill/>
-          <a:ln>
-            <a:noFill/>
-          </a:ln>
-        </p:spPr>
-      </p:pic>
-      <p:sp>
-        <p:nvSpPr>
-          <p:cNvPr id="103" name="Google Shape;103;p16"/>
-          <p:cNvSpPr txBox="1"/>
-          <p:nvPr/>
-        </p:nvSpPr>
-        <p:spPr>
-          <a:xfrm>
-            <a:off x="524000" y="188101"/>
-            <a:ext cx="7515600" cy="656614"/>
-          </a:xfrm>
-          <a:prstGeom prst="rect">
-            <a:avLst/>
-          </a:prstGeom>
-          <a:noFill/>
-          <a:ln>
-            <a:noFill/>
-          </a:ln>
-        </p:spPr>
-        <p:txBody>
-          <a:bodyPr spcFirstLastPara="1" wrap="square" lIns="121900" tIns="121900" rIns="121900" bIns="121900" anchor="t" anchorCtr="0">
-            <a:spAutoFit/>
-          </a:bodyPr>
-          <a:lstStyle/>
-          <a:p>
-            <a:pPr defTabSz="1219170">
-              <a:buClr>
-                <a:srgbClr val="000000"/>
-              </a:buClr>
-            </a:pPr>
-            <a:r>
-              <a:rPr lang="vi-VN" sz="2667" b="1" kern="0" dirty="0">
-                <a:solidFill>
-                  <a:srgbClr val="8DC63F"/>
-                </a:solidFill>
-                <a:latin typeface="Roboto"/>
-                <a:ea typeface="Roboto"/>
-                <a:cs typeface="Roboto"/>
-                <a:sym typeface="Roboto"/>
-              </a:rPr>
-              <a:t>FRAMEWORK STRUCTURE</a:t>
-            </a:r>
-          </a:p>
-        </p:txBody>
-      </p:sp>
-      <p:pic>
-        <p:nvPicPr>
-          <p:cNvPr id="3" name="Picture 2" descr="Graphical user interface, diagram&#10;&#10;Description automatically generated">
-            <a:extLst>
-              <a:ext uri="{FF2B5EF4-FFF2-40B4-BE49-F238E27FC236}">
-                <a16:creationId xmlns:a16="http://schemas.microsoft.com/office/drawing/2014/main" id="{58BC182F-D3DE-9B50-1D09-6997621328AC}"/>
-              </a:ext>
-            </a:extLst>
-          </p:cNvPr>
-          <p:cNvPicPr>
-            <a:picLocks noChangeAspect="1"/>
-          </p:cNvPicPr>
-          <p:nvPr/>
-        </p:nvPicPr>
-        <p:blipFill>
-          <a:blip r:embed="rId5">
-            <a:extLst>
-              <a:ext uri="{28A0092B-C50C-407E-A947-70E740481C1C}">
-                <a14:useLocalDpi xmlns:a14="http://schemas.microsoft.com/office/drawing/2010/main" val="0"/>
-              </a:ext>
-            </a:extLst>
-          </a:blip>
-          <a:stretch>
-            <a:fillRect/>
-          </a:stretch>
-        </p:blipFill>
-        <p:spPr>
-          <a:xfrm>
-            <a:off x="2176700" y="889320"/>
-            <a:ext cx="7399399" cy="5613080"/>
-          </a:xfrm>
-          <a:prstGeom prst="rect">
-            <a:avLst/>
-          </a:prstGeom>
-        </p:spPr>
-      </p:pic>
-    </p:spTree>
-    <p:extLst>
-      <p:ext uri="{BB962C8B-B14F-4D97-AF65-F5344CB8AC3E}">
-        <p14:creationId xmlns:p14="http://schemas.microsoft.com/office/powerpoint/2010/main" val="2307806834"/>
-      </p:ext>
-    </p:extLst>
-  </p:cSld>
-  <p:clrMapOvr>
-    <a:masterClrMapping/>
-  </p:clrMapOvr>
-</p:sld>
-</file>
-
-<file path=ppt/slides/slide9.xml><?xml version="1.0" encoding="utf-8"?>
-<p:sld xmlns:a="http://schemas.openxmlformats.org/drawingml/2006/main" xmlns:r="http://schemas.openxmlformats.org/officeDocument/2006/relationships" xmlns:p="http://schemas.openxmlformats.org/presentationml/2006/main">
-  <p:cSld>
-    <p:spTree>
-      <p:nvGrpSpPr>
-        <p:cNvPr id="1" name="Shape 91"/>
-        <p:cNvGrpSpPr/>
-        <p:nvPr/>
-      </p:nvGrpSpPr>
-      <p:grpSpPr>
-        <a:xfrm>
-          <a:off x="0" y="0"/>
-          <a:ext cx="0" cy="0"/>
-          <a:chOff x="0" y="0"/>
-          <a:chExt cx="0" cy="0"/>
-        </a:xfrm>
-      </p:grpSpPr>
-      <p:pic>
-        <p:nvPicPr>
-          <p:cNvPr id="92" name="Google Shape;92;p15"/>
-          <p:cNvPicPr preferRelativeResize="0"/>
-          <p:nvPr/>
-        </p:nvPicPr>
-        <p:blipFill rotWithShape="1">
-          <a:blip r:embed="rId3">
-            <a:alphaModFix/>
-          </a:blip>
-          <a:srcRect/>
-          <a:stretch/>
-        </p:blipFill>
-        <p:spPr>
-          <a:xfrm>
-            <a:off x="300" y="0"/>
-            <a:ext cx="12191600" cy="6858000"/>
-          </a:xfrm>
-          <a:prstGeom prst="rect">
-            <a:avLst/>
-          </a:prstGeom>
-          <a:noFill/>
-          <a:ln>
-            <a:noFill/>
-          </a:ln>
-        </p:spPr>
-      </p:pic>
-      <p:pic>
-        <p:nvPicPr>
-          <p:cNvPr id="93" name="Google Shape;93;p15"/>
-          <p:cNvPicPr preferRelativeResize="0"/>
-          <p:nvPr/>
-        </p:nvPicPr>
-        <p:blipFill>
-          <a:blip r:embed="rId4">
-            <a:alphaModFix/>
-          </a:blip>
-          <a:stretch>
-            <a:fillRect/>
-          </a:stretch>
-        </p:blipFill>
-        <p:spPr>
-          <a:xfrm>
-            <a:off x="152400" y="6252644"/>
-            <a:ext cx="2024299" cy="510867"/>
-          </a:xfrm>
-          <a:prstGeom prst="rect">
-            <a:avLst/>
-          </a:prstGeom>
-          <a:noFill/>
-          <a:ln>
-            <a:noFill/>
-          </a:ln>
-        </p:spPr>
-      </p:pic>
-      <p:sp>
-        <p:nvSpPr>
-          <p:cNvPr id="94" name="Google Shape;94;p15"/>
-          <p:cNvSpPr txBox="1"/>
-          <p:nvPr/>
-        </p:nvSpPr>
-        <p:spPr>
-          <a:xfrm>
-            <a:off x="476400" y="2936417"/>
-            <a:ext cx="7137600" cy="984845"/>
-          </a:xfrm>
-          <a:prstGeom prst="rect">
-            <a:avLst/>
-          </a:prstGeom>
-          <a:noFill/>
-          <a:ln>
-            <a:noFill/>
-          </a:ln>
-        </p:spPr>
-        <p:txBody>
-          <a:bodyPr spcFirstLastPara="1" wrap="square" lIns="121900" tIns="121900" rIns="121900" bIns="121900" anchor="t" anchorCtr="0">
-            <a:spAutoFit/>
-          </a:bodyPr>
-          <a:lstStyle/>
-          <a:p>
-            <a:pPr defTabSz="1219170">
-              <a:buClr>
-                <a:srgbClr val="000000"/>
-              </a:buClr>
-            </a:pPr>
-            <a:r>
-              <a:rPr lang="vi-VN" sz="4800" b="1" kern="0" dirty="0">
-                <a:solidFill>
-                  <a:srgbClr val="151B22"/>
-                </a:solidFill>
-                <a:latin typeface="Roboto"/>
-                <a:ea typeface="Roboto"/>
-                <a:cs typeface="Roboto"/>
-                <a:sym typeface="Roboto"/>
-              </a:rPr>
-              <a:t>FLAUI &amp; FLAUINSPECT </a:t>
-            </a:r>
-            <a:endParaRPr sz="4800" b="1" kern="0" dirty="0">
-              <a:solidFill>
-                <a:srgbClr val="8DC63F"/>
-              </a:solidFill>
-              <a:latin typeface="Roboto"/>
-              <a:ea typeface="Roboto"/>
-              <a:cs typeface="Roboto"/>
-              <a:sym typeface="Roboto"/>
-            </a:endParaRPr>
-          </a:p>
-        </p:txBody>
-      </p:sp>
-    </p:spTree>
-    <p:extLst>
-      <p:ext uri="{BB962C8B-B14F-4D97-AF65-F5344CB8AC3E}">
-        <p14:creationId xmlns:p14="http://schemas.microsoft.com/office/powerpoint/2010/main" val="3490707566"/>
       </p:ext>
     </p:extLst>
   </p:cSld>
